--- a/_includes/files/slides/slides_day2.pptx
+++ b/_includes/files/slides/slides_day2.pptx
@@ -5,7 +5,7 @@
     <p:sldMasterId id="2147483660" r:id="rId1"/>
   </p:sldMasterIdLst>
   <p:notesMasterIdLst>
-    <p:notesMasterId r:id="rId50"/>
+    <p:notesMasterId r:id="rId31"/>
   </p:notesMasterIdLst>
   <p:sldIdLst>
     <p:sldId id="256" r:id="rId2"/>
@@ -34,28 +34,9 @@
     <p:sldId id="386" r:id="rId25"/>
     <p:sldId id="387" r:id="rId26"/>
     <p:sldId id="388" r:id="rId27"/>
-    <p:sldId id="383" r:id="rId28"/>
-    <p:sldId id="381" r:id="rId29"/>
-    <p:sldId id="472" r:id="rId30"/>
-    <p:sldId id="470" r:id="rId31"/>
-    <p:sldId id="442" r:id="rId32"/>
-    <p:sldId id="443" r:id="rId33"/>
-    <p:sldId id="445" r:id="rId34"/>
-    <p:sldId id="446" r:id="rId35"/>
-    <p:sldId id="447" r:id="rId36"/>
-    <p:sldId id="448" r:id="rId37"/>
-    <p:sldId id="453" r:id="rId38"/>
-    <p:sldId id="454" r:id="rId39"/>
-    <p:sldId id="455" r:id="rId40"/>
-    <p:sldId id="456" r:id="rId41"/>
-    <p:sldId id="457" r:id="rId42"/>
-    <p:sldId id="458" r:id="rId43"/>
-    <p:sldId id="460" r:id="rId44"/>
-    <p:sldId id="461" r:id="rId45"/>
-    <p:sldId id="463" r:id="rId46"/>
-    <p:sldId id="467" r:id="rId47"/>
-    <p:sldId id="468" r:id="rId48"/>
-    <p:sldId id="469" r:id="rId49"/>
+    <p:sldId id="381" r:id="rId28"/>
+    <p:sldId id="472" r:id="rId29"/>
+    <p:sldId id="470" r:id="rId30"/>
   </p:sldIdLst>
   <p:sldSz cx="9144000" cy="6858000" type="screen4x3"/>
   <p:notesSz cx="6858000" cy="9144000"/>
@@ -255,7 +236,7 @@
           <a:p>
             <a:fld id="{F833E4A7-8C8F-0444-B05A-6DE0ED7B35B0}" type="datetimeFigureOut">
               <a:rPr lang="en-US" smtClean="0"/>
-              <a:t>5/17/18</a:t>
+              <a:t>5/19/18</a:t>
             </a:fld>
             <a:endParaRPr lang="en-US"/>
           </a:p>
@@ -716,7 +697,7 @@
           <a:p>
             <a:fld id="{CAF647BD-C221-1844-9ED2-A7F7759EF665}" type="datetimeFigureOut">
               <a:rPr lang="en-US" smtClean="0"/>
-              <a:t>5/17/18</a:t>
+              <a:t>5/19/18</a:t>
             </a:fld>
             <a:endParaRPr lang="en-US"/>
           </a:p>
@@ -981,7 +962,7 @@
           <a:p>
             <a:fld id="{CAF647BD-C221-1844-9ED2-A7F7759EF665}" type="datetimeFigureOut">
               <a:rPr lang="en-US" smtClean="0"/>
-              <a:t>5/17/18</a:t>
+              <a:t>5/19/18</a:t>
             </a:fld>
             <a:endParaRPr lang="en-US"/>
           </a:p>
@@ -1156,7 +1137,7 @@
           <a:p>
             <a:fld id="{CAF647BD-C221-1844-9ED2-A7F7759EF665}" type="datetimeFigureOut">
               <a:rPr lang="en-US" smtClean="0"/>
-              <a:t>5/17/18</a:t>
+              <a:t>5/19/18</a:t>
             </a:fld>
             <a:endParaRPr lang="en-US"/>
           </a:p>
@@ -1321,7 +1302,7 @@
           <a:p>
             <a:fld id="{CAF647BD-C221-1844-9ED2-A7F7759EF665}" type="datetimeFigureOut">
               <a:rPr lang="en-US" smtClean="0"/>
-              <a:t>5/17/18</a:t>
+              <a:t>5/19/18</a:t>
             </a:fld>
             <a:endParaRPr lang="en-US"/>
           </a:p>
@@ -1570,7 +1551,7 @@
           <a:p>
             <a:fld id="{CAF647BD-C221-1844-9ED2-A7F7759EF665}" type="datetimeFigureOut">
               <a:rPr lang="en-US" smtClean="0"/>
-              <a:t>5/17/18</a:t>
+              <a:t>5/19/18</a:t>
             </a:fld>
             <a:endParaRPr lang="en-US"/>
           </a:p>
@@ -1853,7 +1834,7 @@
           <a:p>
             <a:fld id="{CAF647BD-C221-1844-9ED2-A7F7759EF665}" type="datetimeFigureOut">
               <a:rPr lang="en-US" smtClean="0"/>
-              <a:t>5/17/18</a:t>
+              <a:t>5/19/18</a:t>
             </a:fld>
             <a:endParaRPr lang="en-US"/>
           </a:p>
@@ -2292,7 +2273,7 @@
           <a:p>
             <a:fld id="{CAF647BD-C221-1844-9ED2-A7F7759EF665}" type="datetimeFigureOut">
               <a:rPr lang="en-US" smtClean="0"/>
-              <a:t>5/17/18</a:t>
+              <a:t>5/19/18</a:t>
             </a:fld>
             <a:endParaRPr lang="en-US"/>
           </a:p>
@@ -2405,7 +2386,7 @@
           <a:p>
             <a:fld id="{CAF647BD-C221-1844-9ED2-A7F7759EF665}" type="datetimeFigureOut">
               <a:rPr lang="en-US" smtClean="0"/>
-              <a:t>5/17/18</a:t>
+              <a:t>5/19/18</a:t>
             </a:fld>
             <a:endParaRPr lang="en-US"/>
           </a:p>
@@ -2495,7 +2476,7 @@
           <a:p>
             <a:fld id="{CAF647BD-C221-1844-9ED2-A7F7759EF665}" type="datetimeFigureOut">
               <a:rPr lang="en-US" smtClean="0"/>
-              <a:t>5/17/18</a:t>
+              <a:t>5/19/18</a:t>
             </a:fld>
             <a:endParaRPr lang="en-US"/>
           </a:p>
@@ -2737,7 +2718,7 @@
           <a:p>
             <a:fld id="{CAF647BD-C221-1844-9ED2-A7F7759EF665}" type="datetimeFigureOut">
               <a:rPr lang="en-US" smtClean="0"/>
-              <a:t>5/17/18</a:t>
+              <a:t>5/19/18</a:t>
             </a:fld>
             <a:endParaRPr lang="en-US"/>
           </a:p>
@@ -3031,7 +3012,7 @@
           <a:p>
             <a:fld id="{CAF647BD-C221-1844-9ED2-A7F7759EF665}" type="datetimeFigureOut">
               <a:rPr lang="en-US" smtClean="0"/>
-              <a:t>5/17/18</a:t>
+              <a:t>5/19/18</a:t>
             </a:fld>
             <a:endParaRPr lang="en-US"/>
           </a:p>
@@ -3325,7 +3306,7 @@
           <a:p>
             <a:fld id="{CAF647BD-C221-1844-9ED2-A7F7759EF665}" type="datetimeFigureOut">
               <a:rPr lang="en-US" smtClean="0"/>
-              <a:t>5/17/18</a:t>
+              <a:t>5/19/18</a:t>
             </a:fld>
             <a:endParaRPr lang="en-US"/>
           </a:p>
@@ -3859,7 +3840,6 @@
               <a:rPr lang="en-US" dirty="0" smtClean="0"/>
               <a:t>Stephanie J Spielman, PhD</a:t>
             </a:r>
-            <a:endParaRPr lang="en-US" dirty="0" smtClean="0"/>
           </a:p>
           <a:p>
             <a:endParaRPr lang="en-US" dirty="0" smtClean="0"/>
@@ -3899,6 +3879,13 @@
   <p:clrMapOvr>
     <a:masterClrMapping/>
   </p:clrMapOvr>
+  <p:timing>
+    <p:tnLst>
+      <p:par>
+        <p:cTn id="1" dur="indefinite" restart="never" nodeType="tmRoot"/>
+      </p:par>
+    </p:tnLst>
+  </p:timing>
 </p:sld>
 </file>
 
@@ -4005,33 +3992,7 @@
                 <a:latin typeface="Monaco"/>
                 <a:cs typeface="Monaco"/>
               </a:rPr>
-              <a:t># </a:t>
-            </a:r>
-            <a:r>
-              <a:rPr lang="en-US" sz="2200" dirty="0" smtClean="0">
-                <a:solidFill>
-                  <a:schemeClr val="accent3">
-                    <a:lumMod val="60000"/>
-                    <a:lumOff val="40000"/>
-                  </a:schemeClr>
-                </a:solidFill>
-                <a:latin typeface="Monaco"/>
-                <a:cs typeface="Monaco"/>
-              </a:rPr>
-              <a:t>Define an empty </a:t>
-            </a:r>
-            <a:r>
-              <a:rPr lang="en-US" sz="2200" dirty="0" smtClean="0">
-                <a:solidFill>
-                  <a:schemeClr val="accent3">
-                    <a:lumMod val="60000"/>
-                    <a:lumOff val="40000"/>
-                  </a:schemeClr>
-                </a:solidFill>
-                <a:latin typeface="Monaco"/>
-                <a:cs typeface="Monaco"/>
-              </a:rPr>
-              <a:t>list of new grades to populate</a:t>
+              <a:t># Define an empty list of new grades to populate</a:t>
             </a:r>
           </a:p>
           <a:p>
@@ -4074,13 +4035,6 @@
               </a:rPr>
               <a:t>curve = 1.1</a:t>
             </a:r>
-            <a:endParaRPr lang="en-US" sz="2200" dirty="0" smtClean="0">
-              <a:solidFill>
-                <a:schemeClr val="tx2"/>
-              </a:solidFill>
-              <a:latin typeface="Monaco"/>
-              <a:cs typeface="Monaco"/>
-            </a:endParaRPr>
           </a:p>
           <a:p>
             <a:r>
@@ -4124,13 +4078,6 @@
               </a:rPr>
               <a:t>curve</a:t>
             </a:r>
-            <a:endParaRPr lang="en-US" sz="2200" dirty="0" smtClean="0">
-              <a:solidFill>
-                <a:schemeClr val="tx2"/>
-              </a:solidFill>
-              <a:latin typeface="Monaco"/>
-              <a:cs typeface="Monaco"/>
-            </a:endParaRPr>
           </a:p>
           <a:p>
             <a:r>
@@ -4387,13 +4334,6 @@
               </a:rPr>
               <a:t>i = 0 </a:t>
             </a:r>
-            <a:endParaRPr lang="en-US" dirty="0" smtClean="0">
-              <a:solidFill>
-                <a:srgbClr val="DC5924"/>
-              </a:solidFill>
-              <a:latin typeface="Monaco"/>
-              <a:cs typeface="Monaco"/>
-            </a:endParaRPr>
           </a:p>
           <a:p>
             <a:r>
@@ -4403,10 +4343,6 @@
               </a:rPr>
               <a:t>curve = 1.1</a:t>
             </a:r>
-            <a:endParaRPr lang="en-US" dirty="0" smtClean="0">
-              <a:latin typeface="Monaco"/>
-              <a:cs typeface="Monaco"/>
-            </a:endParaRPr>
           </a:p>
           <a:p>
             <a:r>
@@ -4453,33 +4389,8 @@
                 <a:latin typeface="Monaco"/>
                 <a:cs typeface="Monaco"/>
               </a:rPr>
-              <a:t>	</a:t>
-            </a:r>
-            <a:r>
-              <a:rPr lang="en-US" dirty="0" smtClean="0">
-                <a:latin typeface="Monaco"/>
-                <a:cs typeface="Monaco"/>
-              </a:rPr>
-              <a:t>print(grade </a:t>
-            </a:r>
-            <a:r>
-              <a:rPr lang="en-US" dirty="0" smtClean="0">
-                <a:latin typeface="Monaco"/>
-                <a:cs typeface="Monaco"/>
-              </a:rPr>
-              <a:t>* </a:t>
-            </a:r>
-            <a:r>
-              <a:rPr lang="en-US" dirty="0" smtClean="0">
-                <a:latin typeface="Monaco"/>
-                <a:cs typeface="Monaco"/>
-              </a:rPr>
-              <a:t>curve)</a:t>
-            </a:r>
-            <a:endParaRPr lang="en-US" dirty="0" smtClean="0">
-              <a:latin typeface="Monaco"/>
-              <a:cs typeface="Monaco"/>
-            </a:endParaRPr>
+              <a:t>	print(grade * curve)</a:t>
+            </a:r>
           </a:p>
           <a:p>
             <a:r>
@@ -4521,19 +4432,7 @@
                 <a:latin typeface="Monaco"/>
                 <a:cs typeface="Monaco"/>
               </a:rPr>
-              <a:t>Iteration </a:t>
-            </a:r>
-            <a:r>
-              <a:rPr lang="en-US" dirty="0" smtClean="0">
-                <a:solidFill>
-                  <a:schemeClr val="bg1">
-                    <a:lumMod val="65000"/>
-                  </a:schemeClr>
-                </a:solidFill>
-                <a:latin typeface="Monaco"/>
-                <a:cs typeface="Monaco"/>
-              </a:rPr>
-              <a:t>0</a:t>
+              <a:t>Iteration 0</a:t>
             </a:r>
             <a:endParaRPr lang="en-US" dirty="0">
               <a:solidFill>
@@ -5513,49 +5412,17 @@
                 <a:latin typeface="Monaco"/>
                 <a:cs typeface="Monaco"/>
               </a:rPr>
-              <a:t>for </a:t>
-            </a:r>
+              <a:t>for grade in grades:</a:t>
+            </a:r>
+          </a:p>
+          <a:p>
             <a:r>
               <a:rPr lang="en-US" sz="2200" dirty="0" smtClean="0">
                 <a:latin typeface="Monaco"/>
                 <a:cs typeface="Monaco"/>
               </a:rPr>
-              <a:t>grade in grades:</a:t>
-            </a:r>
-          </a:p>
-          <a:p>
-            <a:r>
-              <a:rPr lang="en-US" sz="2200" dirty="0" smtClean="0">
-                <a:latin typeface="Monaco"/>
-                <a:cs typeface="Monaco"/>
-              </a:rPr>
-              <a:t>	</a:t>
-            </a:r>
-            <a:r>
-              <a:rPr lang="en-US" sz="2200" dirty="0" smtClean="0">
-                <a:latin typeface="Monaco"/>
-                <a:cs typeface="Monaco"/>
-              </a:rPr>
-              <a:t>print(grade </a:t>
-            </a:r>
-            <a:r>
-              <a:rPr lang="en-US" sz="2200" dirty="0" smtClean="0">
-                <a:latin typeface="Monaco"/>
-                <a:cs typeface="Monaco"/>
-              </a:rPr>
-              <a:t>* </a:t>
-            </a:r>
-            <a:r>
-              <a:rPr lang="en-US" sz="2200" dirty="0" smtClean="0">
-                <a:latin typeface="Monaco"/>
-                <a:cs typeface="Monaco"/>
-              </a:rPr>
-              <a:t>curve)</a:t>
-            </a:r>
-            <a:endParaRPr lang="en-US" sz="2200" dirty="0" smtClean="0">
-              <a:latin typeface="Monaco"/>
-              <a:cs typeface="Monaco"/>
-            </a:endParaRPr>
+              <a:t>	print(grade * curve)</a:t>
+            </a:r>
           </a:p>
           <a:p>
             <a:endParaRPr lang="en-US" sz="2200" dirty="0">
@@ -5768,10 +5635,6 @@
               </a:rPr>
               <a:t>:</a:t>
             </a:r>
-            <a:endParaRPr lang="en-US" sz="2200" dirty="0" smtClean="0">
-              <a:latin typeface="Monaco"/>
-              <a:cs typeface="Monaco"/>
-            </a:endParaRPr>
           </a:p>
           <a:p>
             <a:r>
@@ -5779,49 +5642,28 @@
                 <a:latin typeface="Monaco"/>
                 <a:cs typeface="Monaco"/>
               </a:rPr>
-              <a:t>	</a:t>
+              <a:t>	print(grades[</a:t>
+            </a:r>
+            <a:r>
+              <a:rPr lang="en-US" sz="2200" dirty="0" err="1" smtClean="0">
+                <a:latin typeface="Monaco"/>
+                <a:cs typeface="Monaco"/>
+              </a:rPr>
+              <a:t>i</a:t>
+            </a:r>
+            <a:r>
+              <a:rPr lang="en-US" sz="2200" dirty="0">
+                <a:latin typeface="Monaco"/>
+                <a:cs typeface="Monaco"/>
+              </a:rPr>
+              <a:t>]</a:t>
             </a:r>
             <a:r>
               <a:rPr lang="en-US" sz="2200" dirty="0" smtClean="0">
                 <a:latin typeface="Monaco"/>
                 <a:cs typeface="Monaco"/>
               </a:rPr>
-              <a:t>print(grades[</a:t>
-            </a:r>
-            <a:r>
-              <a:rPr lang="en-US" sz="2200" dirty="0" err="1" smtClean="0">
-                <a:latin typeface="Monaco"/>
-                <a:cs typeface="Monaco"/>
-              </a:rPr>
-              <a:t>i</a:t>
-            </a:r>
-            <a:r>
-              <a:rPr lang="en-US" sz="2200" dirty="0">
-                <a:latin typeface="Monaco"/>
-                <a:cs typeface="Monaco"/>
-              </a:rPr>
-              <a:t>]</a:t>
-            </a:r>
-            <a:r>
-              <a:rPr lang="en-US" sz="2200" dirty="0" smtClean="0">
-                <a:latin typeface="Monaco"/>
-                <a:cs typeface="Monaco"/>
-              </a:rPr>
-              <a:t> * </a:t>
-            </a:r>
-            <a:r>
-              <a:rPr lang="en-US" sz="2200" dirty="0" smtClean="0">
-                <a:latin typeface="Monaco"/>
-                <a:cs typeface="Monaco"/>
-              </a:rPr>
-              <a:t>curve)</a:t>
-            </a:r>
-            <a:r>
-              <a:rPr lang="en-US" sz="2200" dirty="0" smtClean="0">
-                <a:latin typeface="Monaco"/>
-                <a:cs typeface="Monaco"/>
-              </a:rPr>
-              <a:t/>
+              <a:t> * curve)</a:t>
             </a:r>
             <a:br>
               <a:rPr lang="en-US" sz="2200" dirty="0" smtClean="0">
@@ -6049,19 +5891,8 @@
                 <a:latin typeface="Monaco"/>
                 <a:cs typeface="Monaco"/>
               </a:rPr>
-              <a:t>	</a:t>
-            </a:r>
-            <a:r>
-              <a:rPr lang="en-US" sz="2200" dirty="0" smtClean="0">
-                <a:latin typeface="Monaco"/>
-                <a:cs typeface="Monaco"/>
-              </a:rPr>
-              <a:t>print(s)s</a:t>
-            </a:r>
-            <a:endParaRPr lang="en-US" sz="2200" dirty="0" smtClean="0">
-              <a:latin typeface="Monaco"/>
-              <a:cs typeface="Monaco"/>
-            </a:endParaRPr>
+              <a:t>	print(s)</a:t>
+            </a:r>
           </a:p>
           <a:p>
             <a:endParaRPr lang="en-US" sz="2200" dirty="0">
@@ -6417,14 +6248,7 @@
                 <a:latin typeface="Monaco"/>
                 <a:cs typeface="Monaco"/>
               </a:rPr>
-              <a:t>names = {"Stephanie": "Spielman", </a:t>
-            </a:r>
-            <a:r>
-              <a:rPr lang="en-US" dirty="0" smtClean="0">
-                <a:latin typeface="Monaco"/>
-                <a:cs typeface="Monaco"/>
-              </a:rPr>
-              <a:t>"</a:t>
+              <a:t>names = {"Stephanie": "Spielman", "</a:t>
             </a:r>
             <a:r>
               <a:rPr lang="en-US" dirty="0" err="1" smtClean="0">
@@ -6452,14 +6276,7 @@
                 <a:latin typeface="Monaco"/>
                 <a:cs typeface="Monaco"/>
               </a:rPr>
-              <a:t>", </a:t>
-            </a:r>
-            <a:r>
-              <a:rPr lang="en-US" dirty="0" smtClean="0">
-                <a:latin typeface="Monaco"/>
-                <a:cs typeface="Monaco"/>
-              </a:rPr>
-              <a:t>	"Claus": "Wilke"}</a:t>
+              <a:t>", 	"Claus": "Wilke"}</a:t>
             </a:r>
           </a:p>
           <a:p>
@@ -6531,10 +6348,6 @@
               </a:rPr>
               <a:t>(names))</a:t>
             </a:r>
-            <a:endParaRPr lang="en-US" dirty="0" smtClean="0">
-              <a:latin typeface="Monaco"/>
-              <a:cs typeface="Monaco"/>
-            </a:endParaRPr>
           </a:p>
           <a:p>
             <a:r>
@@ -6586,10 +6399,6 @@
               </a:rPr>
               <a:t>print(names["Claus"])</a:t>
             </a:r>
-            <a:endParaRPr lang="en-US" dirty="0" smtClean="0">
-              <a:latin typeface="Monaco"/>
-              <a:cs typeface="Monaco"/>
-            </a:endParaRPr>
           </a:p>
           <a:p>
             <a:r>
@@ -6616,15 +6425,6 @@
               </a:rPr>
               <a:t>"Wilke"</a:t>
             </a:r>
-            <a:endParaRPr lang="en-US" dirty="0" smtClean="0">
-              <a:solidFill>
-                <a:schemeClr val="bg1">
-                  <a:lumMod val="65000"/>
-                </a:schemeClr>
-              </a:solidFill>
-              <a:latin typeface="Monaco"/>
-              <a:cs typeface="Monaco"/>
-            </a:endParaRPr>
           </a:p>
           <a:p>
             <a:endParaRPr lang="en-US" dirty="0">
@@ -7186,14 +6986,7 @@
                 <a:latin typeface="Monaco"/>
                 <a:cs typeface="Monaco"/>
               </a:rPr>
-              <a:t>names["Bob"] = "Smith</a:t>
-            </a:r>
-            <a:r>
-              <a:rPr lang="en-US" dirty="0" smtClean="0">
-                <a:latin typeface="Monaco"/>
-                <a:cs typeface="Monaco"/>
-              </a:rPr>
-              <a:t>"</a:t>
+              <a:t>names["Bob"] = "Smith"</a:t>
             </a:r>
           </a:p>
           <a:p>
@@ -7210,10 +7003,6 @@
               </a:rPr>
               <a:t>print(names)</a:t>
             </a:r>
-            <a:endParaRPr lang="en-US" dirty="0" smtClean="0">
-              <a:latin typeface="Monaco"/>
-              <a:cs typeface="Monaco"/>
-            </a:endParaRPr>
           </a:p>
           <a:p>
             <a:r>
@@ -7233,10 +7022,10 @@
                 <a:latin typeface="Monaco"/>
                 <a:cs typeface="Monaco"/>
               </a:rPr>
-              <a:t>{'Claus</a:t>
-            </a:r>
-            <a:r>
-              <a:rPr lang="en-US" dirty="0" smtClean="0">
+              <a:t>{'Claus': 'Wilke', </a:t>
+            </a:r>
+            <a:r>
+              <a:rPr lang="en-US" dirty="0">
                 <a:solidFill>
                   <a:schemeClr val="bg1">
                     <a:lumMod val="65000"/>
@@ -7245,10 +7034,10 @@
                 <a:latin typeface="Monaco"/>
                 <a:cs typeface="Monaco"/>
               </a:rPr>
-              <a:t>': 'Wilke', </a:t>
-            </a:r>
-            <a:r>
-              <a:rPr lang="en-US" dirty="0">
+              <a:t>'Bob': </a:t>
+            </a:r>
+            <a:r>
+              <a:rPr lang="en-US" dirty="0" smtClean="0">
                 <a:solidFill>
                   <a:schemeClr val="bg1">
                     <a:lumMod val="65000"/>
@@ -7257,10 +7046,10 @@
                 <a:latin typeface="Monaco"/>
                 <a:cs typeface="Monaco"/>
               </a:rPr>
-              <a:t>'Bob': </a:t>
-            </a:r>
-            <a:r>
-              <a:rPr lang="en-US" dirty="0" smtClean="0">
+              <a:t>'Smith', </a:t>
+            </a:r>
+            <a:r>
+              <a:rPr lang="en-US" dirty="0" err="1" smtClean="0">
                 <a:solidFill>
                   <a:schemeClr val="bg1">
                     <a:lumMod val="65000"/>
@@ -7269,10 +7058,10 @@
                 <a:latin typeface="Monaco"/>
                 <a:cs typeface="Monaco"/>
               </a:rPr>
-              <a:t>'Smith', </a:t>
-            </a:r>
-            <a:r>
-              <a:rPr lang="en-US" dirty="0" err="1" smtClean="0">
+              <a:t>Stephanie':'Spielman</a:t>
+            </a:r>
+            <a:r>
+              <a:rPr lang="en-US" dirty="0" smtClean="0">
                 <a:solidFill>
                   <a:schemeClr val="bg1">
                     <a:lumMod val="65000"/>
@@ -7281,7 +7070,7 @@
                 <a:latin typeface="Monaco"/>
                 <a:cs typeface="Monaco"/>
               </a:rPr>
-              <a:t>Stephanie</a:t>
+              <a:t>', '</a:t>
             </a:r>
             <a:r>
               <a:rPr lang="en-US" dirty="0" err="1" smtClean="0">
@@ -7293,7 +7082,7 @@
                 <a:latin typeface="Monaco"/>
                 <a:cs typeface="Monaco"/>
               </a:rPr>
-              <a:t>':'Spielman</a:t>
+              <a:t>Dariya</a:t>
             </a:r>
             <a:r>
               <a:rPr lang="en-US" dirty="0" smtClean="0">
@@ -7305,7 +7094,7 @@
                 <a:latin typeface="Monaco"/>
                 <a:cs typeface="Monaco"/>
               </a:rPr>
-              <a:t>', '</a:t>
+              <a:t>': '</a:t>
             </a:r>
             <a:r>
               <a:rPr lang="en-US" dirty="0" err="1" smtClean="0">
@@ -7317,7 +7106,7 @@
                 <a:latin typeface="Monaco"/>
                 <a:cs typeface="Monaco"/>
               </a:rPr>
-              <a:t>Dariya</a:t>
+              <a:t>Sydykova</a:t>
             </a:r>
             <a:r>
               <a:rPr lang="en-US" dirty="0" smtClean="0">
@@ -7329,41 +7118,8 @@
                 <a:latin typeface="Monaco"/>
                 <a:cs typeface="Monaco"/>
               </a:rPr>
-              <a:t>': '</a:t>
-            </a:r>
-            <a:r>
-              <a:rPr lang="en-US" dirty="0" err="1" smtClean="0">
-                <a:solidFill>
-                  <a:schemeClr val="bg1">
-                    <a:lumMod val="65000"/>
-                  </a:schemeClr>
-                </a:solidFill>
-                <a:latin typeface="Monaco"/>
-                <a:cs typeface="Monaco"/>
-              </a:rPr>
-              <a:t>Sydykova</a:t>
-            </a:r>
-            <a:r>
-              <a:rPr lang="en-US" dirty="0" smtClean="0">
-                <a:solidFill>
-                  <a:schemeClr val="bg1">
-                    <a:lumMod val="65000"/>
-                  </a:schemeClr>
-                </a:solidFill>
-                <a:latin typeface="Monaco"/>
-                <a:cs typeface="Monaco"/>
-              </a:rPr>
               <a:t>'}</a:t>
             </a:r>
-            <a:endParaRPr lang="en-US" dirty="0" smtClean="0">
-              <a:solidFill>
-                <a:schemeClr val="bg1">
-                  <a:lumMod val="65000"/>
-                </a:schemeClr>
-              </a:solidFill>
-              <a:latin typeface="Monaco"/>
-              <a:cs typeface="Monaco"/>
-            </a:endParaRPr>
           </a:p>
           <a:p>
             <a:endParaRPr lang="en-US" dirty="0" smtClean="0">
@@ -8126,6 +7882,13 @@
   <p:clrMapOvr>
     <a:masterClrMapping/>
   </p:clrMapOvr>
+  <p:timing>
+    <p:tnLst>
+      <p:par>
+        <p:cTn id="1" dur="indefinite" restart="never" nodeType="tmRoot"/>
+      </p:par>
+    </p:tnLst>
+  </p:timing>
 </p:sld>
 </file>
 
@@ -8278,7 +8041,7 @@
             <a:r>
               <a:rPr lang="en-US" dirty="0" err="1" smtClean="0">
                 <a:solidFill>
-                  <a:srgbClr val="FF0000"/>
+                  <a:schemeClr val="accent5"/>
                 </a:solidFill>
                 <a:latin typeface="Monaco" charset="0"/>
                 <a:ea typeface="Monaco" charset="0"/>
@@ -8289,7 +8052,7 @@
             <a:r>
               <a:rPr lang="en-US" dirty="0" smtClean="0">
                 <a:solidFill>
-                  <a:srgbClr val="FF0000"/>
+                  <a:schemeClr val="accent5"/>
                 </a:solidFill>
                 <a:latin typeface="Monaco" charset="0"/>
                 <a:ea typeface="Monaco" charset="0"/>
@@ -8305,11 +8068,6 @@
               </a:rPr>
               <a:t>)</a:t>
             </a:r>
-            <a:endParaRPr lang="en-US" dirty="0" smtClean="0">
-              <a:latin typeface="Monaco" charset="0"/>
-              <a:ea typeface="Monaco" charset="0"/>
-              <a:cs typeface="Monaco" charset="0"/>
-            </a:endParaRPr>
           </a:p>
           <a:p>
             <a:r>
@@ -8470,7 +8228,7 @@
             <a:r>
               <a:rPr lang="en-US" dirty="0" smtClean="0">
                 <a:solidFill>
-                  <a:srgbClr val="FF0000"/>
+                  <a:schemeClr val="accent5"/>
                 </a:solidFill>
                 <a:latin typeface="Monaco" charset="0"/>
                 <a:ea typeface="Monaco" charset="0"/>
@@ -8497,7 +8255,7 @@
             <a:r>
               <a:rPr lang="en-US" dirty="0" smtClean="0">
                 <a:solidFill>
-                  <a:srgbClr val="FF0000"/>
+                  <a:schemeClr val="accent5"/>
                 </a:solidFill>
                 <a:latin typeface="Monaco" charset="0"/>
                 <a:ea typeface="Monaco" charset="0"/>
@@ -8607,7 +8365,7 @@
             <a:r>
               <a:rPr lang="en-US" dirty="0" err="1" smtClean="0">
                 <a:solidFill>
-                  <a:srgbClr val="FF0000"/>
+                  <a:schemeClr val="accent5"/>
                 </a:solidFill>
                 <a:latin typeface="Monaco" charset="0"/>
                 <a:ea typeface="Monaco" charset="0"/>
@@ -8618,7 +8376,7 @@
             <a:r>
               <a:rPr lang="en-US" dirty="0" smtClean="0">
                 <a:solidFill>
-                  <a:srgbClr val="FF0000"/>
+                  <a:schemeClr val="accent5"/>
                 </a:solidFill>
                 <a:latin typeface="Monaco" charset="0"/>
                 <a:ea typeface="Monaco" charset="0"/>
@@ -8735,7 +8493,7 @@
             <a:r>
               <a:rPr lang="en-US" dirty="0" err="1" smtClean="0">
                 <a:solidFill>
-                  <a:srgbClr val="FF0000"/>
+                  <a:schemeClr val="accent5"/>
                 </a:solidFill>
                 <a:latin typeface="Monaco" charset="0"/>
                 <a:ea typeface="Monaco" charset="0"/>
@@ -8746,7 +8504,7 @@
             <a:r>
               <a:rPr lang="en-US" dirty="0" smtClean="0">
                 <a:solidFill>
-                  <a:srgbClr val="FF0000"/>
+                  <a:schemeClr val="accent5"/>
                 </a:solidFill>
                 <a:latin typeface="Monaco" charset="0"/>
                 <a:ea typeface="Monaco" charset="0"/>
@@ -9966,19 +9724,7 @@
                 <a:latin typeface="Monaco"/>
                 <a:cs typeface="Monaco"/>
               </a:rPr>
-              <a:t>apple </a:t>
-            </a:r>
-            <a:r>
-              <a:rPr lang="en-US" dirty="0" smtClean="0">
-                <a:solidFill>
-                  <a:schemeClr val="bg1">
-                    <a:lumMod val="65000"/>
-                  </a:schemeClr>
-                </a:solidFill>
-                <a:latin typeface="Monaco"/>
-                <a:cs typeface="Monaco"/>
-              </a:rPr>
-              <a:t>1.02</a:t>
+              <a:t>apple 1.02</a:t>
             </a:r>
           </a:p>
           <a:p>
@@ -11225,21 +10971,7 @@
                 <a:latin typeface="Monaco"/>
                 <a:cs typeface="Monaco"/>
               </a:rPr>
-              <a:t>print("The </a:t>
-            </a:r>
-            <a:r>
-              <a:rPr lang="en-US" dirty="0" smtClean="0">
-                <a:latin typeface="Monaco"/>
-                <a:cs typeface="Monaco"/>
-              </a:rPr>
-              <a:t>sequence is </a:t>
-            </a:r>
-            <a:r>
-              <a:rPr lang="en-US" dirty="0" smtClean="0">
-                <a:latin typeface="Monaco"/>
-                <a:cs typeface="Monaco"/>
-              </a:rPr>
-              <a:t>", </a:t>
+              <a:t>print("The sequence is ", </a:t>
             </a:r>
             <a:r>
               <a:rPr lang="en-US" dirty="0" err="1" smtClean="0">
@@ -11824,28 +11556,7 @@
                 <a:latin typeface="Monaco"/>
                 <a:cs typeface="Monaco"/>
               </a:rPr>
-              <a:t>		</a:t>
-            </a:r>
-            <a:r>
-              <a:rPr lang="en-US" sz="1700" dirty="0" smtClean="0">
-                <a:latin typeface="Monaco"/>
-                <a:cs typeface="Monaco"/>
-              </a:rPr>
-              <a:t>print("Oh </a:t>
-            </a:r>
-            <a:r>
-              <a:rPr lang="en-US" sz="1700" dirty="0" smtClean="0">
-                <a:latin typeface="Monaco"/>
-                <a:cs typeface="Monaco"/>
-              </a:rPr>
-              <a:t>no, ambiguities! I'm gonna stop</a:t>
-            </a:r>
-            <a:r>
-              <a:rPr lang="en-US" sz="1700" dirty="0" smtClean="0">
-                <a:latin typeface="Monaco"/>
-                <a:cs typeface="Monaco"/>
-              </a:rPr>
-              <a:t>.")</a:t>
+              <a:t>		print("Oh no, ambiguities! I'm gonna stop.")</a:t>
             </a:r>
             <a:r>
               <a:rPr lang="en-US" sz="1700" dirty="0">
@@ -11991,26 +11702,8 @@
                 <a:latin typeface="Monaco"/>
                 <a:cs typeface="Monaco"/>
               </a:rPr>
-              <a:t>print("Outside </a:t>
-            </a:r>
-            <a:r>
-              <a:rPr lang="en-US" sz="1700" dirty="0" smtClean="0">
-                <a:latin typeface="Monaco"/>
-                <a:cs typeface="Monaco"/>
-              </a:rPr>
-              <a:t>of the loop now</a:t>
-            </a:r>
-            <a:r>
-              <a:rPr lang="en-US" sz="1700" dirty="0" smtClean="0">
-                <a:latin typeface="Monaco"/>
-                <a:cs typeface="Monaco"/>
-              </a:rPr>
-              <a:t>.")</a:t>
-            </a:r>
-            <a:endParaRPr lang="en-US" sz="1700" dirty="0" smtClean="0">
-              <a:latin typeface="Monaco"/>
-              <a:cs typeface="Monaco"/>
-            </a:endParaRPr>
+              <a:t>print("Outside of the loop now.")</a:t>
+            </a:r>
           </a:p>
           <a:p>
             <a:endParaRPr lang="en-US" sz="1700" dirty="0">
@@ -12162,31 +11855,7 @@
                 <a:latin typeface="Monaco"/>
                 <a:cs typeface="Monaco"/>
               </a:rPr>
-              <a:t>Outside </a:t>
-            </a:r>
-            <a:r>
-              <a:rPr lang="en-US" sz="1700" dirty="0" smtClean="0">
-                <a:solidFill>
-                  <a:schemeClr val="bg1">
-                    <a:lumMod val="65000"/>
-                  </a:schemeClr>
-                </a:solidFill>
-                <a:latin typeface="Monaco"/>
-                <a:cs typeface="Monaco"/>
-              </a:rPr>
-              <a:t>of the loop </a:t>
-            </a:r>
-            <a:r>
-              <a:rPr lang="en-US" sz="1700" dirty="0" smtClean="0">
-                <a:solidFill>
-                  <a:schemeClr val="bg1">
-                    <a:lumMod val="65000"/>
-                  </a:schemeClr>
-                </a:solidFill>
-                <a:latin typeface="Monaco"/>
-                <a:cs typeface="Monaco"/>
-              </a:rPr>
-              <a:t>now.</a:t>
+              <a:t>Outside of the loop now.</a:t>
             </a:r>
             <a:endParaRPr lang="en-US" sz="1700" dirty="0">
               <a:solidFill>
@@ -12429,71 +12098,6 @@
             <p:ph type="title"/>
           </p:nvPr>
         </p:nvSpPr>
-        <p:spPr>
-          <a:xfrm>
-            <a:off x="2230714" y="3087537"/>
-            <a:ext cx="4688183" cy="692215"/>
-          </a:xfrm>
-        </p:spPr>
-        <p:txBody>
-          <a:bodyPr/>
-          <a:lstStyle/>
-          <a:p>
-            <a:r>
-              <a:rPr lang="en-US" dirty="0" smtClean="0"/>
-              <a:t>exercise break</a:t>
-            </a:r>
-            <a:endParaRPr lang="en-US" dirty="0"/>
-          </a:p>
-        </p:txBody>
-      </p:sp>
-    </p:spTree>
-    <p:extLst>
-      <p:ext uri="{BB962C8B-B14F-4D97-AF65-F5344CB8AC3E}">
-        <p14:creationId xmlns:p14="http://schemas.microsoft.com/office/powerpoint/2010/main" val="4207585177"/>
-      </p:ext>
-    </p:extLst>
-  </p:cSld>
-  <p:clrMapOvr>
-    <a:masterClrMapping/>
-  </p:clrMapOvr>
-  <p:timing>
-    <p:tnLst>
-      <p:par>
-        <p:cTn id="1" dur="indefinite" restart="never" nodeType="tmRoot"/>
-      </p:par>
-    </p:tnLst>
-  </p:timing>
-</p:sld>
-</file>
-
-<file path=ppt/slides/slide28.xml><?xml version="1.0" encoding="utf-8"?>
-<p:sld xmlns:a="http://schemas.openxmlformats.org/drawingml/2006/main" xmlns:r="http://schemas.openxmlformats.org/officeDocument/2006/relationships" xmlns:p="http://schemas.openxmlformats.org/presentationml/2006/main">
-  <p:cSld>
-    <p:spTree>
-      <p:nvGrpSpPr>
-        <p:cNvPr id="1" name=""/>
-        <p:cNvGrpSpPr/>
-        <p:nvPr/>
-      </p:nvGrpSpPr>
-      <p:grpSpPr>
-        <a:xfrm>
-          <a:off x="0" y="0"/>
-          <a:ext cx="0" cy="0"/>
-          <a:chOff x="0" y="0"/>
-          <a:chExt cx="0" cy="0"/>
-        </a:xfrm>
-      </p:grpSpPr>
-      <p:sp>
-        <p:nvSpPr>
-          <p:cNvPr id="2" name="Title 1"/>
-          <p:cNvSpPr>
-            <a:spLocks noGrp="1"/>
-          </p:cNvSpPr>
-          <p:nvPr>
-            <p:ph type="title"/>
-          </p:nvPr>
-        </p:nvSpPr>
         <p:spPr/>
         <p:txBody>
           <a:bodyPr/>
@@ -12782,10 +12386,6 @@
               </a:rPr>
               <a:t>)</a:t>
             </a:r>
-            <a:endParaRPr lang="en-US" sz="1600" dirty="0" smtClean="0">
-              <a:latin typeface="Monaco"/>
-              <a:cs typeface="Monaco"/>
-            </a:endParaRPr>
           </a:p>
           <a:p>
             <a:r>
@@ -12887,7 +12487,7 @@
                   <a:schemeClr val="accent5"/>
                 </a:solidFill>
               </a:rPr>
-              <a:t>This code WORKS, but I see a major problem. What is it?</a:t>
+              <a:t>This code WORKS, but I see a problem. What is it?</a:t>
             </a:r>
             <a:endParaRPr lang="en-US" sz="2400" b="1" dirty="0">
               <a:solidFill>
@@ -12988,7 +12588,7 @@
 </p:sld>
 </file>
 
-<file path=ppt/slides/slide29.xml><?xml version="1.0" encoding="utf-8"?>
+<file path=ppt/slides/slide28.xml><?xml version="1.0" encoding="utf-8"?>
 <p:sld xmlns:a="http://schemas.openxmlformats.org/drawingml/2006/main" xmlns:r="http://schemas.openxmlformats.org/officeDocument/2006/relationships" xmlns:p="http://schemas.openxmlformats.org/presentationml/2006/main">
   <p:cSld>
     <p:spTree>
@@ -13013,7 +12613,7 @@
         </p:nvSpPr>
         <p:spPr>
           <a:xfrm>
-            <a:off x="0" y="711174"/>
+            <a:off x="0" y="1257085"/>
             <a:ext cx="9341893" cy="6093976"/>
           </a:xfrm>
           <a:prstGeom prst="rect">
@@ -13041,14 +12641,7 @@
                 <a:latin typeface="Monaco"/>
                 <a:cs typeface="Monaco"/>
               </a:rPr>
-              <a:t>grades = [88, 71, 74, 83, 57, 79, 66</a:t>
-            </a:r>
-            <a:r>
-              <a:rPr lang="en-US" sz="1500" dirty="0" smtClean="0">
-                <a:latin typeface="Monaco"/>
-                <a:cs typeface="Monaco"/>
-              </a:rPr>
-              <a:t>]</a:t>
+              <a:t>grades = [88, 71, 74, 83, 57, 79, 66]</a:t>
             </a:r>
           </a:p>
           <a:p>
@@ -13145,24 +12738,44 @@
               </a:rPr>
               <a:t>			"F":[0,60] }</a:t>
             </a:r>
+          </a:p>
+          <a:p>
+            <a:endParaRPr lang="en-US" sz="1500" dirty="0">
+              <a:latin typeface="Monaco"/>
+              <a:cs typeface="Monaco"/>
+            </a:endParaRPr>
+          </a:p>
+          <a:p>
+            <a:r>
+              <a:rPr lang="en-US" sz="1500" dirty="0" smtClean="0">
+                <a:latin typeface="Monaco"/>
+                <a:cs typeface="Monaco"/>
+              </a:rPr>
+              <a:t># Empty list of letter</a:t>
+            </a:r>
+          </a:p>
+          <a:p>
+            <a:r>
+              <a:rPr lang="en-US" sz="1500" dirty="0" smtClean="0">
+                <a:latin typeface="Monaco"/>
+                <a:cs typeface="Monaco"/>
+              </a:rPr>
+              <a:t>letter_grades = []</a:t>
+            </a:r>
+          </a:p>
+          <a:p>
             <a:endParaRPr lang="en-US" sz="1500" dirty="0" smtClean="0">
               <a:latin typeface="Monaco"/>
               <a:cs typeface="Monaco"/>
             </a:endParaRPr>
           </a:p>
           <a:p>
-            <a:endParaRPr lang="en-US" sz="1500" dirty="0">
-              <a:latin typeface="Monaco"/>
-              <a:cs typeface="Monaco"/>
-            </a:endParaRPr>
-          </a:p>
-          <a:p>
             <a:r>
               <a:rPr lang="en-US" sz="1500" dirty="0" smtClean="0">
                 <a:latin typeface="Monaco"/>
                 <a:cs typeface="Monaco"/>
               </a:rPr>
-              <a:t># Empty list of letter</a:t>
+              <a:t># Determine the letter grade</a:t>
             </a:r>
           </a:p>
           <a:p>
@@ -13171,7 +12784,127 @@
                 <a:latin typeface="Monaco"/>
                 <a:cs typeface="Monaco"/>
               </a:rPr>
-              <a:t>letter_grades = []</a:t>
+              <a:t>for grade in grades:</a:t>
+            </a:r>
+          </a:p>
+          <a:p>
+            <a:r>
+              <a:rPr lang="en-US" sz="1500" dirty="0">
+                <a:latin typeface="Monaco"/>
+                <a:cs typeface="Monaco"/>
+              </a:rPr>
+              <a:t>	</a:t>
+            </a:r>
+            <a:r>
+              <a:rPr lang="en-US" sz="1500" dirty="0" smtClean="0">
+                <a:latin typeface="Monaco"/>
+                <a:cs typeface="Monaco"/>
+              </a:rPr>
+              <a:t>for bound in </a:t>
+            </a:r>
+            <a:r>
+              <a:rPr lang="en-US" sz="1500" dirty="0" err="1" smtClean="0">
+                <a:latin typeface="Monaco"/>
+                <a:cs typeface="Monaco"/>
+              </a:rPr>
+              <a:t>grade_bounds</a:t>
+            </a:r>
+            <a:r>
+              <a:rPr lang="en-US" sz="1500" dirty="0" smtClean="0">
+                <a:latin typeface="Monaco"/>
+                <a:cs typeface="Monaco"/>
+              </a:rPr>
+              <a:t>:</a:t>
+            </a:r>
+          </a:p>
+          <a:p>
+            <a:r>
+              <a:rPr lang="en-US" sz="1500" dirty="0">
+                <a:latin typeface="Monaco"/>
+                <a:cs typeface="Monaco"/>
+              </a:rPr>
+              <a:t>	</a:t>
+            </a:r>
+            <a:r>
+              <a:rPr lang="en-US" sz="1500" dirty="0" smtClean="0">
+                <a:latin typeface="Monaco"/>
+                <a:cs typeface="Monaco"/>
+              </a:rPr>
+              <a:t>	if grade &gt;= </a:t>
+            </a:r>
+            <a:r>
+              <a:rPr lang="en-US" sz="1500" dirty="0" err="1" smtClean="0">
+                <a:latin typeface="Monaco"/>
+                <a:cs typeface="Monaco"/>
+              </a:rPr>
+              <a:t>grade_bounds</a:t>
+            </a:r>
+            <a:r>
+              <a:rPr lang="en-US" sz="1500" dirty="0" smtClean="0">
+                <a:latin typeface="Monaco"/>
+                <a:cs typeface="Monaco"/>
+              </a:rPr>
+              <a:t>[bound][0] and grade &lt; </a:t>
+            </a:r>
+            <a:r>
+              <a:rPr lang="en-US" sz="1500" dirty="0" err="1" smtClean="0">
+                <a:latin typeface="Monaco"/>
+                <a:cs typeface="Monaco"/>
+              </a:rPr>
+              <a:t>grade_bounds</a:t>
+            </a:r>
+            <a:r>
+              <a:rPr lang="en-US" sz="1500" dirty="0" smtClean="0">
+                <a:latin typeface="Monaco"/>
+                <a:cs typeface="Monaco"/>
+              </a:rPr>
+              <a:t>[bound][1]:</a:t>
+            </a:r>
+          </a:p>
+          <a:p>
+            <a:r>
+              <a:rPr lang="en-US" sz="1500" dirty="0">
+                <a:latin typeface="Monaco"/>
+                <a:cs typeface="Monaco"/>
+              </a:rPr>
+              <a:t>	</a:t>
+            </a:r>
+            <a:r>
+              <a:rPr lang="en-US" sz="1500" dirty="0" smtClean="0">
+                <a:latin typeface="Monaco"/>
+                <a:cs typeface="Monaco"/>
+              </a:rPr>
+              <a:t>		</a:t>
+            </a:r>
+            <a:r>
+              <a:rPr lang="en-US" sz="1500" dirty="0" err="1" smtClean="0">
+                <a:latin typeface="Monaco"/>
+                <a:cs typeface="Monaco"/>
+              </a:rPr>
+              <a:t>letter_grades.append</a:t>
+            </a:r>
+            <a:r>
+              <a:rPr lang="en-US" sz="1500" dirty="0" smtClean="0">
+                <a:latin typeface="Monaco"/>
+                <a:cs typeface="Monaco"/>
+              </a:rPr>
+              <a:t>(bound)</a:t>
+            </a:r>
+          </a:p>
+          <a:p>
+            <a:r>
+              <a:rPr lang="en-US" sz="1500" dirty="0">
+                <a:latin typeface="Monaco"/>
+                <a:cs typeface="Monaco"/>
+              </a:rPr>
+              <a:t>	</a:t>
+            </a:r>
+            <a:r>
+              <a:rPr lang="en-US" sz="1500" dirty="0" smtClean="0">
+                <a:latin typeface="Monaco"/>
+                <a:cs typeface="Monaco"/>
+              </a:rPr>
+              <a:t>	</a:t>
             </a:r>
           </a:p>
           <a:p>
@@ -13186,185 +12919,22 @@
                 <a:latin typeface="Monaco"/>
                 <a:cs typeface="Monaco"/>
               </a:rPr>
-              <a:t># Determine the letter grade</a:t>
-            </a:r>
-          </a:p>
-          <a:p>
+              <a:t>print(</a:t>
+            </a:r>
+            <a:r>
+              <a:rPr lang="en-US" sz="1500" dirty="0" err="1" smtClean="0">
+                <a:latin typeface="Monaco"/>
+                <a:cs typeface="Monaco"/>
+              </a:rPr>
+              <a:t>letter_grades</a:t>
+            </a:r>
             <a:r>
               <a:rPr lang="en-US" sz="1500" dirty="0" smtClean="0">
                 <a:latin typeface="Monaco"/>
                 <a:cs typeface="Monaco"/>
               </a:rPr>
-              <a:t>for grade in grades:</a:t>
-            </a:r>
-          </a:p>
-          <a:p>
-            <a:r>
-              <a:rPr lang="en-US" sz="1500" dirty="0">
-                <a:latin typeface="Monaco"/>
-                <a:cs typeface="Monaco"/>
-              </a:rPr>
-              <a:t>	</a:t>
-            </a:r>
-            <a:r>
-              <a:rPr lang="en-US" sz="1500" dirty="0" smtClean="0">
-                <a:latin typeface="Monaco"/>
-                <a:cs typeface="Monaco"/>
-              </a:rPr>
-              <a:t>for bound in </a:t>
-            </a:r>
-            <a:r>
-              <a:rPr lang="en-US" sz="1500" dirty="0" err="1" smtClean="0">
-                <a:latin typeface="Monaco"/>
-                <a:cs typeface="Monaco"/>
-              </a:rPr>
-              <a:t>grade_bounds</a:t>
-            </a:r>
-            <a:r>
-              <a:rPr lang="en-US" sz="1500" dirty="0" smtClean="0">
-                <a:latin typeface="Monaco"/>
-                <a:cs typeface="Monaco"/>
-              </a:rPr>
-              <a:t>:</a:t>
-            </a:r>
-          </a:p>
-          <a:p>
-            <a:r>
-              <a:rPr lang="en-US" sz="1500" dirty="0">
-                <a:latin typeface="Monaco"/>
-                <a:cs typeface="Monaco"/>
-              </a:rPr>
-              <a:t>	</a:t>
-            </a:r>
-            <a:r>
-              <a:rPr lang="en-US" sz="1500" dirty="0" smtClean="0">
-                <a:latin typeface="Monaco"/>
-                <a:cs typeface="Monaco"/>
-              </a:rPr>
-              <a:t>	if grade &gt;= </a:t>
-            </a:r>
-            <a:r>
-              <a:rPr lang="en-US" sz="1500" dirty="0" err="1" smtClean="0">
-                <a:latin typeface="Monaco"/>
-                <a:cs typeface="Monaco"/>
-              </a:rPr>
-              <a:t>grade_bounds</a:t>
-            </a:r>
-            <a:r>
-              <a:rPr lang="en-US" sz="1500" dirty="0" smtClean="0">
-                <a:latin typeface="Monaco"/>
-                <a:cs typeface="Monaco"/>
-              </a:rPr>
-              <a:t>[bound][0] and grade &lt; </a:t>
-            </a:r>
-            <a:r>
-              <a:rPr lang="en-US" sz="1500" dirty="0" err="1" smtClean="0">
-                <a:latin typeface="Monaco"/>
-                <a:cs typeface="Monaco"/>
-              </a:rPr>
-              <a:t>grade_bounds</a:t>
-            </a:r>
-            <a:r>
-              <a:rPr lang="en-US" sz="1500" dirty="0" smtClean="0">
-                <a:latin typeface="Monaco"/>
-                <a:cs typeface="Monaco"/>
-              </a:rPr>
-              <a:t>[bound][1]:</a:t>
-            </a:r>
-            <a:endParaRPr lang="en-US" sz="1500" dirty="0" smtClean="0">
-              <a:latin typeface="Monaco"/>
-              <a:cs typeface="Monaco"/>
-            </a:endParaRPr>
-          </a:p>
-          <a:p>
-            <a:r>
-              <a:rPr lang="en-US" sz="1500" dirty="0">
-                <a:latin typeface="Monaco"/>
-                <a:cs typeface="Monaco"/>
-              </a:rPr>
-              <a:t>	</a:t>
-            </a:r>
-            <a:r>
-              <a:rPr lang="en-US" sz="1500" dirty="0" smtClean="0">
-                <a:latin typeface="Monaco"/>
-                <a:cs typeface="Monaco"/>
-              </a:rPr>
-              <a:t>	</a:t>
-            </a:r>
-            <a:r>
-              <a:rPr lang="en-US" sz="1500" dirty="0" smtClean="0">
-                <a:latin typeface="Monaco"/>
-                <a:cs typeface="Monaco"/>
-              </a:rPr>
-              <a:t>	</a:t>
-            </a:r>
-            <a:r>
-              <a:rPr lang="en-US" sz="1500" dirty="0" err="1" smtClean="0">
-                <a:latin typeface="Monaco"/>
-                <a:cs typeface="Monaco"/>
-              </a:rPr>
-              <a:t>letter_grades.append</a:t>
-            </a:r>
-            <a:r>
-              <a:rPr lang="en-US" sz="1500" dirty="0" smtClean="0">
-                <a:latin typeface="Monaco"/>
-                <a:cs typeface="Monaco"/>
-              </a:rPr>
-              <a:t>(bound)</a:t>
-            </a:r>
-          </a:p>
-          <a:p>
-            <a:r>
-              <a:rPr lang="en-US" sz="1500" dirty="0">
-                <a:latin typeface="Monaco"/>
-                <a:cs typeface="Monaco"/>
-              </a:rPr>
-              <a:t>	</a:t>
-            </a:r>
-            <a:r>
-              <a:rPr lang="en-US" sz="1500" dirty="0" smtClean="0">
-                <a:latin typeface="Monaco"/>
-                <a:cs typeface="Monaco"/>
-              </a:rPr>
-              <a:t>	</a:t>
-            </a:r>
-            <a:endParaRPr lang="en-US" sz="1500" dirty="0" smtClean="0">
-              <a:latin typeface="Monaco"/>
-              <a:cs typeface="Monaco"/>
-            </a:endParaRPr>
-          </a:p>
-          <a:p>
-            <a:endParaRPr lang="en-US" sz="1500" dirty="0" smtClean="0">
-              <a:latin typeface="Monaco"/>
-              <a:cs typeface="Monaco"/>
-            </a:endParaRPr>
-          </a:p>
-          <a:p>
-            <a:r>
-              <a:rPr lang="en-US" sz="1500" dirty="0" smtClean="0">
-                <a:latin typeface="Monaco"/>
-                <a:cs typeface="Monaco"/>
-              </a:rPr>
-              <a:t>print(</a:t>
-            </a:r>
-            <a:r>
-              <a:rPr lang="en-US" sz="1500" dirty="0" err="1" smtClean="0">
-                <a:latin typeface="Monaco"/>
-                <a:cs typeface="Monaco"/>
-              </a:rPr>
-              <a:t>letter_grades</a:t>
-            </a:r>
-            <a:r>
-              <a:rPr lang="en-US" sz="1500" dirty="0" smtClean="0">
-                <a:latin typeface="Monaco"/>
-                <a:cs typeface="Monaco"/>
-              </a:rPr>
               <a:t>)</a:t>
             </a:r>
-            <a:endParaRPr lang="en-US" sz="1500" dirty="0" smtClean="0">
-              <a:latin typeface="Monaco"/>
-              <a:cs typeface="Monaco"/>
-            </a:endParaRPr>
           </a:p>
           <a:p>
             <a:r>
@@ -13450,23 +13020,21 @@
         </p:nvSpPr>
         <p:spPr>
           <a:xfrm>
-            <a:off x="1221473" y="-660426"/>
-            <a:ext cx="7620001" cy="1371600"/>
+            <a:off x="423081" y="-660426"/>
+            <a:ext cx="8418393" cy="1371600"/>
           </a:xfrm>
         </p:spPr>
         <p:txBody>
-          <a:bodyPr/>
+          <a:bodyPr>
+            <a:normAutofit/>
+          </a:bodyPr>
           <a:lstStyle/>
           <a:p>
             <a:r>
-              <a:rPr lang="en-US" dirty="0" smtClean="0"/>
-              <a:t>This is </a:t>
-            </a:r>
-            <a:r>
-              <a:rPr lang="en-US" smtClean="0"/>
-              <a:t>indeed complex!</a:t>
-            </a:r>
-            <a:endParaRPr lang="en-US" dirty="0"/>
+              <a:rPr lang="en-US" sz="3200" dirty="0" smtClean="0"/>
+              <a:t>This is complex! Don't freak out</a:t>
+            </a:r>
+            <a:endParaRPr lang="en-US" sz="3200" dirty="0"/>
           </a:p>
         </p:txBody>
       </p:sp>
@@ -13474,6 +13042,71 @@
     <p:extLst>
       <p:ext uri="{BB962C8B-B14F-4D97-AF65-F5344CB8AC3E}">
         <p14:creationId xmlns:p14="http://schemas.microsoft.com/office/powerpoint/2010/main" val="1734584587"/>
+      </p:ext>
+    </p:extLst>
+  </p:cSld>
+  <p:clrMapOvr>
+    <a:masterClrMapping/>
+  </p:clrMapOvr>
+  <p:timing>
+    <p:tnLst>
+      <p:par>
+        <p:cTn id="1" dur="indefinite" restart="never" nodeType="tmRoot"/>
+      </p:par>
+    </p:tnLst>
+  </p:timing>
+</p:sld>
+</file>
+
+<file path=ppt/slides/slide29.xml><?xml version="1.0" encoding="utf-8"?>
+<p:sld xmlns:a="http://schemas.openxmlformats.org/drawingml/2006/main" xmlns:r="http://schemas.openxmlformats.org/officeDocument/2006/relationships" xmlns:p="http://schemas.openxmlformats.org/presentationml/2006/main">
+  <p:cSld>
+    <p:spTree>
+      <p:nvGrpSpPr>
+        <p:cNvPr id="1" name=""/>
+        <p:cNvGrpSpPr/>
+        <p:nvPr/>
+      </p:nvGrpSpPr>
+      <p:grpSpPr>
+        <a:xfrm>
+          <a:off x="0" y="0"/>
+          <a:ext cx="0" cy="0"/>
+          <a:chOff x="0" y="0"/>
+          <a:chExt cx="0" cy="0"/>
+        </a:xfrm>
+      </p:grpSpPr>
+      <p:sp>
+        <p:nvSpPr>
+          <p:cNvPr id="2" name="Title 1"/>
+          <p:cNvSpPr>
+            <a:spLocks noGrp="1"/>
+          </p:cNvSpPr>
+          <p:nvPr>
+            <p:ph type="title"/>
+          </p:nvPr>
+        </p:nvSpPr>
+        <p:spPr>
+          <a:xfrm>
+            <a:off x="2230714" y="3087537"/>
+            <a:ext cx="4688183" cy="692215"/>
+          </a:xfrm>
+        </p:spPr>
+        <p:txBody>
+          <a:bodyPr/>
+          <a:lstStyle/>
+          <a:p>
+            <a:r>
+              <a:rPr lang="en-US" dirty="0" smtClean="0"/>
+              <a:t>exercise break</a:t>
+            </a:r>
+            <a:endParaRPr lang="en-US" dirty="0"/>
+          </a:p>
+        </p:txBody>
+      </p:sp>
+    </p:spTree>
+    <p:extLst>
+      <p:ext uri="{BB962C8B-B14F-4D97-AF65-F5344CB8AC3E}">
+        <p14:creationId xmlns:p14="http://schemas.microsoft.com/office/powerpoint/2010/main" val="1447506816"/>
       </p:ext>
     </p:extLst>
   </p:cSld>
@@ -13850,3052 +13483,6 @@
 </p:sld>
 </file>
 
-<file path=ppt/slides/slide30.xml><?xml version="1.0" encoding="utf-8"?>
-<p:sld xmlns:a="http://schemas.openxmlformats.org/drawingml/2006/main" xmlns:r="http://schemas.openxmlformats.org/officeDocument/2006/relationships" xmlns:p="http://schemas.openxmlformats.org/presentationml/2006/main">
-  <p:cSld>
-    <p:spTree>
-      <p:nvGrpSpPr>
-        <p:cNvPr id="1" name=""/>
-        <p:cNvGrpSpPr/>
-        <p:nvPr/>
-      </p:nvGrpSpPr>
-      <p:grpSpPr>
-        <a:xfrm>
-          <a:off x="0" y="0"/>
-          <a:ext cx="0" cy="0"/>
-          <a:chOff x="0" y="0"/>
-          <a:chExt cx="0" cy="0"/>
-        </a:xfrm>
-      </p:grpSpPr>
-      <p:sp>
-        <p:nvSpPr>
-          <p:cNvPr id="2" name="Title 1"/>
-          <p:cNvSpPr>
-            <a:spLocks noGrp="1"/>
-          </p:cNvSpPr>
-          <p:nvPr>
-            <p:ph type="title"/>
-          </p:nvPr>
-        </p:nvSpPr>
-        <p:spPr>
-          <a:xfrm>
-            <a:off x="2230714" y="3087537"/>
-            <a:ext cx="4688183" cy="692215"/>
-          </a:xfrm>
-        </p:spPr>
-        <p:txBody>
-          <a:bodyPr/>
-          <a:lstStyle/>
-          <a:p>
-            <a:r>
-              <a:rPr lang="en-US" dirty="0" smtClean="0"/>
-              <a:t>exercise break</a:t>
-            </a:r>
-            <a:endParaRPr lang="en-US" dirty="0"/>
-          </a:p>
-        </p:txBody>
-      </p:sp>
-    </p:spTree>
-    <p:extLst>
-      <p:ext uri="{BB962C8B-B14F-4D97-AF65-F5344CB8AC3E}">
-        <p14:creationId xmlns:p14="http://schemas.microsoft.com/office/powerpoint/2010/main" val="1447506816"/>
-      </p:ext>
-    </p:extLst>
-  </p:cSld>
-  <p:clrMapOvr>
-    <a:masterClrMapping/>
-  </p:clrMapOvr>
-  <p:timing>
-    <p:tnLst>
-      <p:par>
-        <p:cTn id="1" dur="indefinite" restart="never" nodeType="tmRoot"/>
-      </p:par>
-    </p:tnLst>
-  </p:timing>
-</p:sld>
-</file>
-
-<file path=ppt/slides/slide31.xml><?xml version="1.0" encoding="utf-8"?>
-<p:sld xmlns:a="http://schemas.openxmlformats.org/drawingml/2006/main" xmlns:r="http://schemas.openxmlformats.org/officeDocument/2006/relationships" xmlns:p="http://schemas.openxmlformats.org/presentationml/2006/main">
-  <p:cSld>
-    <p:spTree>
-      <p:nvGrpSpPr>
-        <p:cNvPr id="1" name=""/>
-        <p:cNvGrpSpPr/>
-        <p:nvPr/>
-      </p:nvGrpSpPr>
-      <p:grpSpPr>
-        <a:xfrm>
-          <a:off x="0" y="0"/>
-          <a:ext cx="0" cy="0"/>
-          <a:chOff x="0" y="0"/>
-          <a:chExt cx="0" cy="0"/>
-        </a:xfrm>
-      </p:grpSpPr>
-      <p:sp>
-        <p:nvSpPr>
-          <p:cNvPr id="2" name="Title 1"/>
-          <p:cNvSpPr>
-            <a:spLocks noGrp="1"/>
-          </p:cNvSpPr>
-          <p:nvPr>
-            <p:ph type="title"/>
-          </p:nvPr>
-        </p:nvSpPr>
-        <p:spPr/>
-        <p:txBody>
-          <a:bodyPr/>
-          <a:lstStyle/>
-          <a:p>
-            <a:r>
-              <a:rPr lang="en-US" dirty="0" smtClean="0"/>
-              <a:t>some useful functions</a:t>
-            </a:r>
-            <a:endParaRPr lang="en-US" dirty="0"/>
-          </a:p>
-        </p:txBody>
-      </p:sp>
-      <p:sp>
-        <p:nvSpPr>
-          <p:cNvPr id="3" name="Content Placeholder 2"/>
-          <p:cNvSpPr>
-            <a:spLocks noGrp="1"/>
-          </p:cNvSpPr>
-          <p:nvPr>
-            <p:ph idx="1"/>
-          </p:nvPr>
-        </p:nvSpPr>
-        <p:spPr/>
-        <p:txBody>
-          <a:bodyPr/>
-          <a:lstStyle/>
-          <a:p>
-            <a:pPr marL="457200" indent="-457200">
-              <a:buFont typeface="Arial"/>
-              <a:buChar char="•"/>
-            </a:pPr>
-            <a:r>
-              <a:rPr lang="en-US" dirty="0" smtClean="0">
-                <a:latin typeface="Monaco"/>
-                <a:cs typeface="Monaco"/>
-              </a:rPr>
-              <a:t>help()</a:t>
-            </a:r>
-            <a:r>
-              <a:rPr lang="en-US" dirty="0" smtClean="0"/>
-              <a:t> will return information about a particular function</a:t>
-            </a:r>
-          </a:p>
-        </p:txBody>
-      </p:sp>
-    </p:spTree>
-    <p:extLst>
-      <p:ext uri="{BB962C8B-B14F-4D97-AF65-F5344CB8AC3E}">
-        <p14:creationId xmlns:p14="http://schemas.microsoft.com/office/powerpoint/2010/main" val="638777547"/>
-      </p:ext>
-    </p:extLst>
-  </p:cSld>
-  <p:clrMapOvr>
-    <a:masterClrMapping/>
-  </p:clrMapOvr>
-  <p:timing>
-    <p:tnLst>
-      <p:par>
-        <p:cTn id="1" dur="indefinite" restart="never" nodeType="tmRoot"/>
-      </p:par>
-    </p:tnLst>
-  </p:timing>
-</p:sld>
-</file>
-
-<file path=ppt/slides/slide32.xml><?xml version="1.0" encoding="utf-8"?>
-<p:sld xmlns:a="http://schemas.openxmlformats.org/drawingml/2006/main" xmlns:r="http://schemas.openxmlformats.org/officeDocument/2006/relationships" xmlns:p="http://schemas.openxmlformats.org/presentationml/2006/main">
-  <p:cSld>
-    <p:spTree>
-      <p:nvGrpSpPr>
-        <p:cNvPr id="1" name=""/>
-        <p:cNvGrpSpPr/>
-        <p:nvPr/>
-      </p:nvGrpSpPr>
-      <p:grpSpPr>
-        <a:xfrm>
-          <a:off x="0" y="0"/>
-          <a:ext cx="0" cy="0"/>
-          <a:chOff x="0" y="0"/>
-          <a:chExt cx="0" cy="0"/>
-        </a:xfrm>
-      </p:grpSpPr>
-      <p:sp>
-        <p:nvSpPr>
-          <p:cNvPr id="2" name="Title 1"/>
-          <p:cNvSpPr>
-            <a:spLocks noGrp="1"/>
-          </p:cNvSpPr>
-          <p:nvPr>
-            <p:ph type="title"/>
-          </p:nvPr>
-        </p:nvSpPr>
-        <p:spPr/>
-        <p:txBody>
-          <a:bodyPr/>
-          <a:lstStyle/>
-          <a:p>
-            <a:r>
-              <a:rPr lang="en-US" dirty="0" smtClean="0"/>
-              <a:t>some useful functions</a:t>
-            </a:r>
-            <a:endParaRPr lang="en-US" dirty="0"/>
-          </a:p>
-        </p:txBody>
-      </p:sp>
-      <p:sp>
-        <p:nvSpPr>
-          <p:cNvPr id="3" name="Content Placeholder 2"/>
-          <p:cNvSpPr>
-            <a:spLocks noGrp="1"/>
-          </p:cNvSpPr>
-          <p:nvPr>
-            <p:ph idx="1"/>
-          </p:nvPr>
-        </p:nvSpPr>
-        <p:spPr/>
-        <p:txBody>
-          <a:bodyPr/>
-          <a:lstStyle/>
-          <a:p>
-            <a:pPr marL="457200" indent="-457200">
-              <a:buFont typeface="Arial"/>
-              <a:buChar char="•"/>
-            </a:pPr>
-            <a:r>
-              <a:rPr lang="en-US" dirty="0" smtClean="0">
-                <a:latin typeface="Monaco"/>
-                <a:cs typeface="Monaco"/>
-              </a:rPr>
-              <a:t>help()</a:t>
-            </a:r>
-            <a:r>
-              <a:rPr lang="en-US" dirty="0" smtClean="0"/>
-              <a:t> will return information about a particular function</a:t>
-            </a:r>
-          </a:p>
-          <a:p>
-            <a:pPr marL="457200" indent="-457200">
-              <a:buFont typeface="Arial"/>
-              <a:buChar char="•"/>
-            </a:pPr>
-            <a:endParaRPr lang="en-US" dirty="0"/>
-          </a:p>
-          <a:p>
-            <a:pPr marL="457200" indent="-457200">
-              <a:buFont typeface="Arial"/>
-              <a:buChar char="•"/>
-            </a:pPr>
-            <a:r>
-              <a:rPr lang="en-US" dirty="0" err="1" smtClean="0">
-                <a:latin typeface="Monaco"/>
-                <a:cs typeface="Monaco"/>
-              </a:rPr>
-              <a:t>dir</a:t>
-            </a:r>
-            <a:r>
-              <a:rPr lang="en-US" dirty="0" smtClean="0">
-                <a:latin typeface="Monaco"/>
-                <a:cs typeface="Monaco"/>
-              </a:rPr>
-              <a:t>() </a:t>
-            </a:r>
-            <a:r>
-              <a:rPr lang="en-US" dirty="0" smtClean="0"/>
-              <a:t>will return a list of which methods/attributes/functions can be used with a given object</a:t>
-            </a:r>
-          </a:p>
-          <a:p>
-            <a:pPr marL="914400" lvl="1" indent="-457200">
-              <a:buFont typeface="Arial"/>
-              <a:buChar char="•"/>
-            </a:pPr>
-            <a:r>
-              <a:rPr lang="en-US" dirty="0" smtClean="0"/>
-              <a:t>Ignore the ones with __underscores__</a:t>
-            </a:r>
-            <a:endParaRPr lang="en-US" dirty="0"/>
-          </a:p>
-        </p:txBody>
-      </p:sp>
-    </p:spTree>
-    <p:extLst>
-      <p:ext uri="{BB962C8B-B14F-4D97-AF65-F5344CB8AC3E}">
-        <p14:creationId xmlns:p14="http://schemas.microsoft.com/office/powerpoint/2010/main" val="663481076"/>
-      </p:ext>
-    </p:extLst>
-  </p:cSld>
-  <p:clrMapOvr>
-    <a:masterClrMapping/>
-  </p:clrMapOvr>
-  <p:timing>
-    <p:tnLst>
-      <p:par>
-        <p:cTn id="1" dur="indefinite" restart="never" nodeType="tmRoot"/>
-      </p:par>
-    </p:tnLst>
-  </p:timing>
-</p:sld>
-</file>
-
-<file path=ppt/slides/slide33.xml><?xml version="1.0" encoding="utf-8"?>
-<p:sld xmlns:a="http://schemas.openxmlformats.org/drawingml/2006/main" xmlns:r="http://schemas.openxmlformats.org/officeDocument/2006/relationships" xmlns:p="http://schemas.openxmlformats.org/presentationml/2006/main">
-  <p:cSld>
-    <p:spTree>
-      <p:nvGrpSpPr>
-        <p:cNvPr id="1" name=""/>
-        <p:cNvGrpSpPr/>
-        <p:nvPr/>
-      </p:nvGrpSpPr>
-      <p:grpSpPr>
-        <a:xfrm>
-          <a:off x="0" y="0"/>
-          <a:ext cx="0" cy="0"/>
-          <a:chOff x="0" y="0"/>
-          <a:chExt cx="0" cy="0"/>
-        </a:xfrm>
-      </p:grpSpPr>
-      <p:sp>
-        <p:nvSpPr>
-          <p:cNvPr id="2" name="Title 1"/>
-          <p:cNvSpPr>
-            <a:spLocks noGrp="1"/>
-          </p:cNvSpPr>
-          <p:nvPr>
-            <p:ph type="title"/>
-          </p:nvPr>
-        </p:nvSpPr>
-        <p:spPr/>
-        <p:txBody>
-          <a:bodyPr/>
-          <a:lstStyle/>
-          <a:p>
-            <a:r>
-              <a:rPr lang="en-US" dirty="0" smtClean="0"/>
-              <a:t>functions in python</a:t>
-            </a:r>
-            <a:endParaRPr lang="en-US" dirty="0"/>
-          </a:p>
-        </p:txBody>
-      </p:sp>
-      <p:sp>
-        <p:nvSpPr>
-          <p:cNvPr id="3" name="Content Placeholder 2"/>
-          <p:cNvSpPr>
-            <a:spLocks noGrp="1"/>
-          </p:cNvSpPr>
-          <p:nvPr>
-            <p:ph idx="1"/>
-          </p:nvPr>
-        </p:nvSpPr>
-        <p:spPr/>
-        <p:txBody>
-          <a:bodyPr>
-            <a:normAutofit/>
-          </a:bodyPr>
-          <a:lstStyle/>
-          <a:p>
-            <a:pPr marL="457200" indent="-457200">
-              <a:buFont typeface="Arial"/>
-              <a:buChar char="•"/>
-            </a:pPr>
-            <a:r>
-              <a:rPr lang="en-US" dirty="0" smtClean="0"/>
-              <a:t>We</a:t>
-            </a:r>
-            <a:r>
-              <a:rPr lang="fr-FR" dirty="0" smtClean="0"/>
-              <a:t>’</a:t>
-            </a:r>
-            <a:r>
-              <a:rPr lang="en-US" dirty="0" err="1" smtClean="0"/>
-              <a:t>ve</a:t>
-            </a:r>
-            <a:r>
-              <a:rPr lang="en-US" dirty="0" smtClean="0"/>
-              <a:t> used several built-in functions:</a:t>
-            </a:r>
-          </a:p>
-          <a:p>
-            <a:pPr marL="914400" lvl="1" indent="-457200">
-              <a:buFont typeface="Arial"/>
-              <a:buChar char="•"/>
-            </a:pPr>
-            <a:r>
-              <a:rPr lang="en-US" dirty="0" smtClean="0">
-                <a:latin typeface="Monaco"/>
-                <a:cs typeface="Monaco"/>
-              </a:rPr>
-              <a:t>len(), sum(), </a:t>
-            </a:r>
-            <a:r>
-              <a:rPr lang="en-US" dirty="0" smtClean="0">
-                <a:latin typeface="Monaco"/>
-                <a:cs typeface="Monaco"/>
-              </a:rPr>
-              <a:t>etc.</a:t>
-            </a:r>
-            <a:endParaRPr lang="en-US" dirty="0" smtClean="0">
-              <a:latin typeface="Monaco"/>
-              <a:cs typeface="Monaco"/>
-            </a:endParaRPr>
-          </a:p>
-          <a:p>
-            <a:pPr marL="457200" indent="-457200">
-              <a:buFont typeface="Arial"/>
-              <a:buChar char="•"/>
-            </a:pPr>
-            <a:endParaRPr lang="en-US" dirty="0"/>
-          </a:p>
-          <a:p>
-            <a:pPr marL="457200" indent="-457200">
-              <a:buFont typeface="Arial"/>
-              <a:buChar char="•"/>
-            </a:pPr>
-            <a:r>
-              <a:rPr lang="en-US" dirty="0" smtClean="0"/>
-              <a:t>We can *write our own* functions too</a:t>
-            </a:r>
-          </a:p>
-          <a:p>
-            <a:pPr marL="914400" lvl="1" indent="-457200">
-              <a:buFont typeface="Arial"/>
-              <a:buChar char="•"/>
-            </a:pPr>
-            <a:r>
-              <a:rPr lang="en-US" dirty="0" smtClean="0"/>
-              <a:t>Reusability</a:t>
-            </a:r>
-          </a:p>
-          <a:p>
-            <a:pPr marL="914400" lvl="1" indent="-457200">
-              <a:buFont typeface="Arial"/>
-              <a:buChar char="•"/>
-            </a:pPr>
-            <a:r>
-              <a:rPr lang="en-US" dirty="0" smtClean="0"/>
-              <a:t>Modular design and organization</a:t>
-            </a:r>
-          </a:p>
-          <a:p>
-            <a:pPr marL="914400" lvl="1" indent="-457200">
-              <a:buFont typeface="Arial"/>
-              <a:buChar char="•"/>
-            </a:pPr>
-            <a:r>
-              <a:rPr lang="en-US" dirty="0" smtClean="0"/>
-              <a:t>Readability</a:t>
-            </a:r>
-          </a:p>
-          <a:p>
-            <a:pPr marL="914400" lvl="1" indent="-457200">
-              <a:buFont typeface="Arial"/>
-              <a:buChar char="•"/>
-            </a:pPr>
-            <a:r>
-              <a:rPr lang="en-US" dirty="0" smtClean="0"/>
-              <a:t>Debugging!!</a:t>
-            </a:r>
-          </a:p>
-        </p:txBody>
-      </p:sp>
-    </p:spTree>
-    <p:extLst>
-      <p:ext uri="{BB962C8B-B14F-4D97-AF65-F5344CB8AC3E}">
-        <p14:creationId xmlns:p14="http://schemas.microsoft.com/office/powerpoint/2010/main" val="455025973"/>
-      </p:ext>
-    </p:extLst>
-  </p:cSld>
-  <p:clrMapOvr>
-    <a:masterClrMapping/>
-  </p:clrMapOvr>
-  <p:timing>
-    <p:tnLst>
-      <p:par>
-        <p:cTn id="1" dur="indefinite" restart="never" nodeType="tmRoot"/>
-      </p:par>
-    </p:tnLst>
-  </p:timing>
-</p:sld>
-</file>
-
-<file path=ppt/slides/slide34.xml><?xml version="1.0" encoding="utf-8"?>
-<p:sld xmlns:a="http://schemas.openxmlformats.org/drawingml/2006/main" xmlns:r="http://schemas.openxmlformats.org/officeDocument/2006/relationships" xmlns:p="http://schemas.openxmlformats.org/presentationml/2006/main">
-  <p:cSld>
-    <p:spTree>
-      <p:nvGrpSpPr>
-        <p:cNvPr id="1" name=""/>
-        <p:cNvGrpSpPr/>
-        <p:nvPr/>
-      </p:nvGrpSpPr>
-      <p:grpSpPr>
-        <a:xfrm>
-          <a:off x="0" y="0"/>
-          <a:ext cx="0" cy="0"/>
-          <a:chOff x="0" y="0"/>
-          <a:chExt cx="0" cy="0"/>
-        </a:xfrm>
-      </p:grpSpPr>
-      <p:sp>
-        <p:nvSpPr>
-          <p:cNvPr id="2" name="Title 1"/>
-          <p:cNvSpPr>
-            <a:spLocks noGrp="1"/>
-          </p:cNvSpPr>
-          <p:nvPr>
-            <p:ph type="title"/>
-          </p:nvPr>
-        </p:nvSpPr>
-        <p:spPr/>
-        <p:txBody>
-          <a:bodyPr/>
-          <a:lstStyle/>
-          <a:p>
-            <a:r>
-              <a:rPr lang="en-US" dirty="0" smtClean="0"/>
-              <a:t>writing custom functions</a:t>
-            </a:r>
-            <a:endParaRPr lang="en-US" dirty="0"/>
-          </a:p>
-        </p:txBody>
-      </p:sp>
-      <p:sp>
-        <p:nvSpPr>
-          <p:cNvPr id="3" name="Content Placeholder 2"/>
-          <p:cNvSpPr>
-            <a:spLocks noGrp="1"/>
-          </p:cNvSpPr>
-          <p:nvPr>
-            <p:ph idx="1"/>
-          </p:nvPr>
-        </p:nvSpPr>
-        <p:spPr/>
-        <p:txBody>
-          <a:bodyPr/>
-          <a:lstStyle/>
-          <a:p>
-            <a:pPr marL="457200" indent="-457200">
-              <a:buFont typeface="Arial"/>
-              <a:buChar char="•"/>
-            </a:pPr>
-            <a:r>
-              <a:rPr lang="en-US" dirty="0" smtClean="0"/>
-              <a:t>Reference example:</a:t>
-            </a:r>
-          </a:p>
-          <a:p>
-            <a:pPr marL="457200" indent="-457200">
-              <a:buFont typeface="Arial"/>
-              <a:buChar char="•"/>
-            </a:pPr>
-            <a:endParaRPr lang="en-US" dirty="0"/>
-          </a:p>
-          <a:p>
-            <a:pPr marL="457200" indent="-457200">
-              <a:buFont typeface="Arial"/>
-              <a:buChar char="•"/>
-            </a:pPr>
-            <a:endParaRPr lang="en-US" dirty="0" smtClean="0"/>
-          </a:p>
-          <a:p>
-            <a:endParaRPr lang="en-US" sz="2000" dirty="0"/>
-          </a:p>
-        </p:txBody>
-      </p:sp>
-      <p:sp>
-        <p:nvSpPr>
-          <p:cNvPr id="4" name="TextBox 3"/>
-          <p:cNvSpPr txBox="1"/>
-          <p:nvPr/>
-        </p:nvSpPr>
-        <p:spPr>
-          <a:xfrm>
-            <a:off x="1035539" y="2414085"/>
-            <a:ext cx="5109893" cy="1631216"/>
-          </a:xfrm>
-          <a:prstGeom prst="rect">
-            <a:avLst/>
-          </a:prstGeom>
-          <a:noFill/>
-        </p:spPr>
-        <p:txBody>
-          <a:bodyPr wrap="none" rtlCol="0">
-            <a:spAutoFit/>
-          </a:bodyPr>
-          <a:lstStyle/>
-          <a:p>
-            <a:r>
-              <a:rPr lang="en-US" sz="2000" dirty="0">
-                <a:latin typeface="Monaco"/>
-                <a:cs typeface="Monaco"/>
-              </a:rPr>
-              <a:t>my_list = [1, 2, 3, 4, 5, 6</a:t>
-            </a:r>
-            <a:r>
-              <a:rPr lang="en-US" sz="2000" dirty="0" smtClean="0">
-                <a:latin typeface="Monaco"/>
-                <a:cs typeface="Monaco"/>
-              </a:rPr>
-              <a:t>]</a:t>
-            </a:r>
-          </a:p>
-          <a:p>
-            <a:endParaRPr lang="en-US" sz="2000" dirty="0">
-              <a:latin typeface="Monaco"/>
-              <a:cs typeface="Monaco"/>
-            </a:endParaRPr>
-          </a:p>
-          <a:p>
-            <a:r>
-              <a:rPr lang="en-US" sz="2000" dirty="0">
-                <a:solidFill>
-                  <a:schemeClr val="accent3"/>
-                </a:solidFill>
-                <a:latin typeface="Monaco"/>
-                <a:cs typeface="Monaco"/>
-              </a:rPr>
-              <a:t>a</a:t>
-            </a:r>
-            <a:r>
-              <a:rPr lang="en-US" sz="2000" dirty="0">
-                <a:latin typeface="Monaco"/>
-                <a:cs typeface="Monaco"/>
-              </a:rPr>
-              <a:t> = </a:t>
-            </a:r>
-            <a:r>
-              <a:rPr lang="en-US" sz="2000" dirty="0" smtClean="0">
-                <a:solidFill>
-                  <a:schemeClr val="accent5"/>
-                </a:solidFill>
-                <a:latin typeface="Monaco"/>
-                <a:cs typeface="Monaco"/>
-              </a:rPr>
-              <a:t>len</a:t>
-            </a:r>
-            <a:r>
-              <a:rPr lang="en-US" sz="2000" dirty="0" smtClean="0">
-                <a:latin typeface="Monaco"/>
-                <a:cs typeface="Monaco"/>
-              </a:rPr>
-              <a:t>(</a:t>
-            </a:r>
-            <a:r>
-              <a:rPr lang="en-US" sz="2000" dirty="0">
-                <a:solidFill>
-                  <a:schemeClr val="accent6"/>
-                </a:solidFill>
-                <a:latin typeface="Monaco"/>
-                <a:cs typeface="Monaco"/>
-              </a:rPr>
-              <a:t>my_list</a:t>
-            </a:r>
-            <a:r>
-              <a:rPr lang="en-US" sz="2000" dirty="0">
-                <a:latin typeface="Monaco"/>
-                <a:cs typeface="Monaco"/>
-              </a:rPr>
-              <a:t>)  </a:t>
-            </a:r>
-            <a:r>
-              <a:rPr lang="en-US" sz="2000" dirty="0" smtClean="0">
-                <a:latin typeface="Monaco"/>
-                <a:cs typeface="Monaco"/>
-              </a:rPr>
-              <a:t> # </a:t>
-            </a:r>
-            <a:r>
-              <a:rPr lang="en-US" sz="2000" dirty="0">
-                <a:latin typeface="Monaco"/>
-                <a:cs typeface="Monaco"/>
-              </a:rPr>
-              <a:t>here, a = 6</a:t>
-            </a:r>
-          </a:p>
-          <a:p>
-            <a:r>
-              <a:rPr lang="en-US" sz="2000" dirty="0">
-                <a:latin typeface="Monaco"/>
-                <a:cs typeface="Monaco"/>
-              </a:rPr>
-              <a:t> </a:t>
-            </a:r>
-          </a:p>
-          <a:p>
-            <a:endParaRPr lang="en-US" sz="2000" dirty="0"/>
-          </a:p>
-        </p:txBody>
-      </p:sp>
-    </p:spTree>
-    <p:extLst>
-      <p:ext uri="{BB962C8B-B14F-4D97-AF65-F5344CB8AC3E}">
-        <p14:creationId xmlns:p14="http://schemas.microsoft.com/office/powerpoint/2010/main" val="432261244"/>
-      </p:ext>
-    </p:extLst>
-  </p:cSld>
-  <p:clrMapOvr>
-    <a:masterClrMapping/>
-  </p:clrMapOvr>
-  <p:timing>
-    <p:tnLst>
-      <p:par>
-        <p:cTn id="1" dur="indefinite" restart="never" nodeType="tmRoot"/>
-      </p:par>
-    </p:tnLst>
-  </p:timing>
-</p:sld>
-</file>
-
-<file path=ppt/slides/slide35.xml><?xml version="1.0" encoding="utf-8"?>
-<p:sld xmlns:a="http://schemas.openxmlformats.org/drawingml/2006/main" xmlns:r="http://schemas.openxmlformats.org/officeDocument/2006/relationships" xmlns:p="http://schemas.openxmlformats.org/presentationml/2006/main">
-  <p:cSld>
-    <p:spTree>
-      <p:nvGrpSpPr>
-        <p:cNvPr id="1" name=""/>
-        <p:cNvGrpSpPr/>
-        <p:nvPr/>
-      </p:nvGrpSpPr>
-      <p:grpSpPr>
-        <a:xfrm>
-          <a:off x="0" y="0"/>
-          <a:ext cx="0" cy="0"/>
-          <a:chOff x="0" y="0"/>
-          <a:chExt cx="0" cy="0"/>
-        </a:xfrm>
-      </p:grpSpPr>
-      <p:sp>
-        <p:nvSpPr>
-          <p:cNvPr id="2" name="Title 1"/>
-          <p:cNvSpPr>
-            <a:spLocks noGrp="1"/>
-          </p:cNvSpPr>
-          <p:nvPr>
-            <p:ph type="title"/>
-          </p:nvPr>
-        </p:nvSpPr>
-        <p:spPr/>
-        <p:txBody>
-          <a:bodyPr/>
-          <a:lstStyle/>
-          <a:p>
-            <a:r>
-              <a:rPr lang="en-US" dirty="0" smtClean="0"/>
-              <a:t>writing custom functions</a:t>
-            </a:r>
-            <a:endParaRPr lang="en-US" dirty="0"/>
-          </a:p>
-        </p:txBody>
-      </p:sp>
-      <p:sp>
-        <p:nvSpPr>
-          <p:cNvPr id="3" name="Content Placeholder 2"/>
-          <p:cNvSpPr>
-            <a:spLocks noGrp="1"/>
-          </p:cNvSpPr>
-          <p:nvPr>
-            <p:ph idx="1"/>
-          </p:nvPr>
-        </p:nvSpPr>
-        <p:spPr/>
-        <p:txBody>
-          <a:bodyPr/>
-          <a:lstStyle/>
-          <a:p>
-            <a:pPr marL="66675" indent="390525">
-              <a:buFont typeface="Arial"/>
-              <a:buChar char="•"/>
-            </a:pPr>
-            <a:r>
-              <a:rPr lang="en-US" dirty="0" smtClean="0"/>
-              <a:t>Reference example:</a:t>
-            </a:r>
-          </a:p>
-          <a:p>
-            <a:pPr marL="66675" indent="390525">
-              <a:buFont typeface="Arial"/>
-              <a:buChar char="•"/>
-            </a:pPr>
-            <a:endParaRPr lang="en-US" dirty="0"/>
-          </a:p>
-          <a:p>
-            <a:pPr marL="66675" indent="390525">
-              <a:buFont typeface="Arial"/>
-              <a:buChar char="•"/>
-            </a:pPr>
-            <a:endParaRPr lang="en-US" dirty="0" smtClean="0"/>
-          </a:p>
-          <a:p>
-            <a:pPr marL="66675" indent="390525">
-              <a:buFont typeface="Arial"/>
-              <a:buChar char="•"/>
-            </a:pPr>
-            <a:endParaRPr lang="en-US" sz="2000" dirty="0"/>
-          </a:p>
-          <a:p>
-            <a:pPr marL="66675" lvl="1" indent="390525">
-              <a:buNone/>
-            </a:pPr>
-            <a:r>
-              <a:rPr lang="en-US" sz="2000" dirty="0" smtClean="0">
-                <a:solidFill>
-                  <a:schemeClr val="accent3"/>
-                </a:solidFill>
-                <a:latin typeface="Monaco"/>
-                <a:cs typeface="Monaco"/>
-              </a:rPr>
-              <a:t>	</a:t>
-            </a:r>
-            <a:r>
-              <a:rPr lang="en-US" sz="2000" dirty="0" smtClean="0">
-                <a:solidFill>
-                  <a:srgbClr val="7030A0"/>
-                </a:solidFill>
-                <a:latin typeface="Monaco"/>
-                <a:cs typeface="Monaco"/>
-              </a:rPr>
-              <a:t>a</a:t>
-            </a:r>
-            <a:r>
-              <a:rPr lang="en-US" sz="2000" dirty="0" smtClean="0"/>
-              <a:t>: the returned value</a:t>
-            </a:r>
-          </a:p>
-          <a:p>
-            <a:pPr marL="66675" lvl="1" indent="390525">
-              <a:buNone/>
-            </a:pPr>
-            <a:r>
-              <a:rPr lang="en-US" sz="2000" dirty="0" smtClean="0">
-                <a:solidFill>
-                  <a:schemeClr val="accent5"/>
-                </a:solidFill>
-                <a:latin typeface="Monaco"/>
-                <a:cs typeface="Monaco"/>
-              </a:rPr>
-              <a:t>	len</a:t>
-            </a:r>
-            <a:r>
-              <a:rPr lang="en-US" sz="2000" dirty="0" smtClean="0"/>
-              <a:t>: the function name</a:t>
-            </a:r>
-          </a:p>
-          <a:p>
-            <a:pPr marL="66675" lvl="1" indent="390525">
-              <a:buNone/>
-            </a:pPr>
-            <a:r>
-              <a:rPr lang="en-US" sz="2000" dirty="0" smtClean="0">
-                <a:solidFill>
-                  <a:srgbClr val="B4B392"/>
-                </a:solidFill>
-                <a:latin typeface="Monaco"/>
-                <a:cs typeface="Monaco"/>
-              </a:rPr>
-              <a:t>	my_list</a:t>
-            </a:r>
-            <a:r>
-              <a:rPr lang="en-US" sz="2000" dirty="0" smtClean="0"/>
-              <a:t>: the argument to the function</a:t>
-            </a:r>
-          </a:p>
-        </p:txBody>
-      </p:sp>
-      <p:sp>
-        <p:nvSpPr>
-          <p:cNvPr id="4" name="TextBox 3"/>
-          <p:cNvSpPr txBox="1"/>
-          <p:nvPr/>
-        </p:nvSpPr>
-        <p:spPr>
-          <a:xfrm>
-            <a:off x="1035539" y="2414085"/>
-            <a:ext cx="5622052" cy="1446550"/>
-          </a:xfrm>
-          <a:prstGeom prst="rect">
-            <a:avLst/>
-          </a:prstGeom>
-          <a:noFill/>
-        </p:spPr>
-        <p:txBody>
-          <a:bodyPr wrap="none" rtlCol="0">
-            <a:spAutoFit/>
-          </a:bodyPr>
-          <a:lstStyle/>
-          <a:p>
-            <a:r>
-              <a:rPr lang="en-US" sz="2200" dirty="0">
-                <a:latin typeface="Monaco"/>
-                <a:cs typeface="Monaco"/>
-              </a:rPr>
-              <a:t>my_list = [1, 2, 3, 4, 5, 6</a:t>
-            </a:r>
-            <a:r>
-              <a:rPr lang="en-US" sz="2200" dirty="0" smtClean="0">
-                <a:latin typeface="Monaco"/>
-                <a:cs typeface="Monaco"/>
-              </a:rPr>
-              <a:t>]</a:t>
-            </a:r>
-          </a:p>
-          <a:p>
-            <a:endParaRPr lang="en-US" sz="2200" dirty="0">
-              <a:latin typeface="Monaco"/>
-              <a:cs typeface="Monaco"/>
-            </a:endParaRPr>
-          </a:p>
-          <a:p>
-            <a:r>
-              <a:rPr lang="en-US" sz="2200" dirty="0">
-                <a:solidFill>
-                  <a:srgbClr val="7030A0"/>
-                </a:solidFill>
-                <a:latin typeface="Monaco"/>
-                <a:cs typeface="Monaco"/>
-              </a:rPr>
-              <a:t>a</a:t>
-            </a:r>
-            <a:r>
-              <a:rPr lang="en-US" sz="2200" dirty="0">
-                <a:latin typeface="Monaco"/>
-                <a:cs typeface="Monaco"/>
-              </a:rPr>
-              <a:t> = </a:t>
-            </a:r>
-            <a:r>
-              <a:rPr lang="en-US" sz="2200" dirty="0" smtClean="0">
-                <a:solidFill>
-                  <a:schemeClr val="accent5"/>
-                </a:solidFill>
-                <a:latin typeface="Monaco"/>
-                <a:cs typeface="Monaco"/>
-              </a:rPr>
-              <a:t>len</a:t>
-            </a:r>
-            <a:r>
-              <a:rPr lang="en-US" sz="2200" dirty="0" smtClean="0">
-                <a:latin typeface="Monaco"/>
-                <a:cs typeface="Monaco"/>
-              </a:rPr>
-              <a:t>(</a:t>
-            </a:r>
-            <a:r>
-              <a:rPr lang="en-US" sz="2200" dirty="0">
-                <a:solidFill>
-                  <a:schemeClr val="accent6"/>
-                </a:solidFill>
-                <a:latin typeface="Monaco"/>
-                <a:cs typeface="Monaco"/>
-              </a:rPr>
-              <a:t>my_list</a:t>
-            </a:r>
-            <a:r>
-              <a:rPr lang="en-US" sz="2200" dirty="0">
-                <a:latin typeface="Monaco"/>
-                <a:cs typeface="Monaco"/>
-              </a:rPr>
-              <a:t>)  </a:t>
-            </a:r>
-            <a:r>
-              <a:rPr lang="en-US" sz="2200" dirty="0" smtClean="0">
-                <a:latin typeface="Monaco"/>
-                <a:cs typeface="Monaco"/>
-              </a:rPr>
-              <a:t> </a:t>
-            </a:r>
-            <a:r>
-              <a:rPr lang="en-US" sz="2200" dirty="0" smtClean="0">
-                <a:solidFill>
-                  <a:schemeClr val="accent3">
-                    <a:lumMod val="60000"/>
-                    <a:lumOff val="40000"/>
-                  </a:schemeClr>
-                </a:solidFill>
-                <a:latin typeface="Monaco"/>
-                <a:cs typeface="Monaco"/>
-              </a:rPr>
-              <a:t># </a:t>
-            </a:r>
-            <a:r>
-              <a:rPr lang="en-US" sz="2200" dirty="0">
-                <a:solidFill>
-                  <a:schemeClr val="accent3">
-                    <a:lumMod val="60000"/>
-                    <a:lumOff val="40000"/>
-                  </a:schemeClr>
-                </a:solidFill>
-                <a:latin typeface="Monaco"/>
-                <a:cs typeface="Monaco"/>
-              </a:rPr>
-              <a:t>here, a = </a:t>
-            </a:r>
-            <a:r>
-              <a:rPr lang="en-US" sz="2200" dirty="0" smtClean="0">
-                <a:solidFill>
-                  <a:schemeClr val="accent3">
-                    <a:lumMod val="60000"/>
-                    <a:lumOff val="40000"/>
-                  </a:schemeClr>
-                </a:solidFill>
-                <a:latin typeface="Monaco"/>
-                <a:cs typeface="Monaco"/>
-              </a:rPr>
-              <a:t>6</a:t>
-            </a:r>
-            <a:endParaRPr lang="en-US" sz="2200" dirty="0">
-              <a:latin typeface="Monaco"/>
-              <a:cs typeface="Monaco"/>
-            </a:endParaRPr>
-          </a:p>
-          <a:p>
-            <a:pPr marL="12700"/>
-            <a:endParaRPr lang="en-US" sz="2200" dirty="0"/>
-          </a:p>
-        </p:txBody>
-      </p:sp>
-    </p:spTree>
-    <p:extLst>
-      <p:ext uri="{BB962C8B-B14F-4D97-AF65-F5344CB8AC3E}">
-        <p14:creationId xmlns:p14="http://schemas.microsoft.com/office/powerpoint/2010/main" val="77550107"/>
-      </p:ext>
-    </p:extLst>
-  </p:cSld>
-  <p:clrMapOvr>
-    <a:masterClrMapping/>
-  </p:clrMapOvr>
-  <p:timing>
-    <p:tnLst>
-      <p:par>
-        <p:cTn id="1" dur="indefinite" restart="never" nodeType="tmRoot"/>
-      </p:par>
-    </p:tnLst>
-  </p:timing>
-</p:sld>
-</file>
-
-<file path=ppt/slides/slide36.xml><?xml version="1.0" encoding="utf-8"?>
-<p:sld xmlns:a="http://schemas.openxmlformats.org/drawingml/2006/main" xmlns:r="http://schemas.openxmlformats.org/officeDocument/2006/relationships" xmlns:p="http://schemas.openxmlformats.org/presentationml/2006/main">
-  <p:cSld>
-    <p:spTree>
-      <p:nvGrpSpPr>
-        <p:cNvPr id="1" name=""/>
-        <p:cNvGrpSpPr/>
-        <p:nvPr/>
-      </p:nvGrpSpPr>
-      <p:grpSpPr>
-        <a:xfrm>
-          <a:off x="0" y="0"/>
-          <a:ext cx="0" cy="0"/>
-          <a:chOff x="0" y="0"/>
-          <a:chExt cx="0" cy="0"/>
-        </a:xfrm>
-      </p:grpSpPr>
-      <p:sp>
-        <p:nvSpPr>
-          <p:cNvPr id="2" name="Title 1"/>
-          <p:cNvSpPr>
-            <a:spLocks noGrp="1"/>
-          </p:cNvSpPr>
-          <p:nvPr>
-            <p:ph type="title"/>
-          </p:nvPr>
-        </p:nvSpPr>
-        <p:spPr/>
-        <p:txBody>
-          <a:bodyPr/>
-          <a:lstStyle/>
-          <a:p>
-            <a:r>
-              <a:rPr lang="en-US" dirty="0" smtClean="0"/>
-              <a:t>writing custom functions</a:t>
-            </a:r>
-            <a:endParaRPr lang="en-US" dirty="0"/>
-          </a:p>
-        </p:txBody>
-      </p:sp>
-      <p:sp>
-        <p:nvSpPr>
-          <p:cNvPr id="4" name="TextBox 3"/>
-          <p:cNvSpPr txBox="1"/>
-          <p:nvPr/>
-        </p:nvSpPr>
-        <p:spPr>
-          <a:xfrm>
-            <a:off x="457199" y="1770509"/>
-            <a:ext cx="8338444" cy="3816429"/>
-          </a:xfrm>
-          <a:prstGeom prst="rect">
-            <a:avLst/>
-          </a:prstGeom>
-          <a:noFill/>
-        </p:spPr>
-        <p:txBody>
-          <a:bodyPr wrap="square" rtlCol="0">
-            <a:spAutoFit/>
-          </a:bodyPr>
-          <a:lstStyle/>
-          <a:p>
-            <a:r>
-              <a:rPr lang="en-US" sz="2200" dirty="0" smtClean="0">
-                <a:solidFill>
-                  <a:schemeClr val="accent3">
-                    <a:lumMod val="60000"/>
-                    <a:lumOff val="40000"/>
-                  </a:schemeClr>
-                </a:solidFill>
-                <a:latin typeface="Monaco"/>
-                <a:cs typeface="Monaco"/>
-              </a:rPr>
-              <a:t># Anatomy of a function definition</a:t>
-            </a:r>
-          </a:p>
-          <a:p>
-            <a:endParaRPr lang="en-US" sz="2200" dirty="0">
-              <a:solidFill>
-                <a:schemeClr val="bg1">
-                  <a:lumMod val="65000"/>
-                </a:schemeClr>
-              </a:solidFill>
-              <a:latin typeface="Monaco"/>
-              <a:cs typeface="Monaco"/>
-            </a:endParaRPr>
-          </a:p>
-          <a:p>
-            <a:r>
-              <a:rPr lang="en-US" sz="2200" dirty="0" smtClean="0">
-                <a:solidFill>
-                  <a:schemeClr val="tx2"/>
-                </a:solidFill>
-                <a:latin typeface="Monaco"/>
-                <a:cs typeface="Monaco"/>
-              </a:rPr>
-              <a:t>def</a:t>
-            </a:r>
-            <a:r>
-              <a:rPr lang="en-US" sz="2200" dirty="0" smtClean="0">
-                <a:solidFill>
-                  <a:srgbClr val="000000"/>
-                </a:solidFill>
-                <a:latin typeface="Monaco"/>
-                <a:cs typeface="Monaco"/>
-              </a:rPr>
-              <a:t> </a:t>
-            </a:r>
-            <a:r>
-              <a:rPr lang="en-US" sz="2200" dirty="0" err="1" smtClean="0">
-                <a:solidFill>
-                  <a:schemeClr val="accent5"/>
-                </a:solidFill>
-                <a:latin typeface="Monaco"/>
-                <a:cs typeface="Monaco"/>
-              </a:rPr>
-              <a:t>function_name</a:t>
-            </a:r>
-            <a:r>
-              <a:rPr lang="en-US" sz="2200" dirty="0" smtClean="0">
-                <a:solidFill>
-                  <a:srgbClr val="000000"/>
-                </a:solidFill>
-                <a:latin typeface="Monaco"/>
-                <a:cs typeface="Monaco"/>
-              </a:rPr>
-              <a:t>(</a:t>
-            </a:r>
-            <a:r>
-              <a:rPr lang="en-US" sz="2200" dirty="0" smtClean="0">
-                <a:solidFill>
-                  <a:schemeClr val="accent6"/>
-                </a:solidFill>
-                <a:latin typeface="Monaco"/>
-                <a:cs typeface="Monaco"/>
-              </a:rPr>
-              <a:t>...arguments...</a:t>
-            </a:r>
-            <a:r>
-              <a:rPr lang="en-US" sz="2200" dirty="0" smtClean="0">
-                <a:solidFill>
-                  <a:srgbClr val="000000"/>
-                </a:solidFill>
-                <a:latin typeface="Monaco"/>
-                <a:cs typeface="Monaco"/>
-              </a:rPr>
-              <a:t>):</a:t>
-            </a:r>
-          </a:p>
-          <a:p>
-            <a:r>
-              <a:rPr lang="en-US" sz="2200" dirty="0">
-                <a:solidFill>
-                  <a:srgbClr val="000000"/>
-                </a:solidFill>
-                <a:latin typeface="Monaco"/>
-                <a:cs typeface="Monaco"/>
-              </a:rPr>
-              <a:t>	</a:t>
-            </a:r>
-            <a:r>
-              <a:rPr lang="en-US" sz="2200" dirty="0" smtClean="0">
-                <a:solidFill>
-                  <a:srgbClr val="000000"/>
-                </a:solidFill>
-                <a:latin typeface="Monaco"/>
-                <a:cs typeface="Monaco"/>
-              </a:rPr>
-              <a:t>...</a:t>
-            </a:r>
-          </a:p>
-          <a:p>
-            <a:r>
-              <a:rPr lang="en-US" sz="2200" dirty="0">
-                <a:solidFill>
-                  <a:srgbClr val="000000"/>
-                </a:solidFill>
-                <a:latin typeface="Monaco"/>
-                <a:cs typeface="Monaco"/>
-              </a:rPr>
-              <a:t>	</a:t>
-            </a:r>
-            <a:r>
-              <a:rPr lang="en-US" sz="2200" dirty="0" smtClean="0">
-                <a:solidFill>
-                  <a:srgbClr val="000000"/>
-                </a:solidFill>
-                <a:latin typeface="Monaco"/>
-                <a:cs typeface="Monaco"/>
-              </a:rPr>
-              <a:t>...   Python code</a:t>
-            </a:r>
-          </a:p>
-          <a:p>
-            <a:r>
-              <a:rPr lang="en-US" sz="2200" dirty="0">
-                <a:solidFill>
-                  <a:srgbClr val="000000"/>
-                </a:solidFill>
-                <a:latin typeface="Monaco"/>
-                <a:cs typeface="Monaco"/>
-              </a:rPr>
-              <a:t>	</a:t>
-            </a:r>
-            <a:r>
-              <a:rPr lang="en-US" sz="2200" dirty="0" smtClean="0">
-                <a:solidFill>
-                  <a:srgbClr val="000000"/>
-                </a:solidFill>
-                <a:latin typeface="Monaco"/>
-                <a:cs typeface="Monaco"/>
-              </a:rPr>
-              <a:t>...</a:t>
-            </a:r>
-          </a:p>
-          <a:p>
-            <a:r>
-              <a:rPr lang="en-US" sz="2200" dirty="0">
-                <a:solidFill>
-                  <a:srgbClr val="000000"/>
-                </a:solidFill>
-                <a:latin typeface="Monaco"/>
-                <a:cs typeface="Monaco"/>
-              </a:rPr>
-              <a:t>	</a:t>
-            </a:r>
-            <a:endParaRPr lang="en-US" sz="2200" dirty="0" smtClean="0">
-              <a:solidFill>
-                <a:srgbClr val="000000"/>
-              </a:solidFill>
-              <a:latin typeface="Monaco"/>
-              <a:cs typeface="Monaco"/>
-            </a:endParaRPr>
-          </a:p>
-          <a:p>
-            <a:r>
-              <a:rPr lang="en-US" sz="2200" dirty="0">
-                <a:solidFill>
-                  <a:srgbClr val="000000"/>
-                </a:solidFill>
-                <a:latin typeface="Monaco"/>
-                <a:cs typeface="Monaco"/>
-              </a:rPr>
-              <a:t>	</a:t>
-            </a:r>
-            <a:r>
-              <a:rPr lang="en-US" sz="2200" dirty="0" smtClean="0">
-                <a:solidFill>
-                  <a:schemeClr val="tx2"/>
-                </a:solidFill>
-                <a:latin typeface="Monaco"/>
-                <a:cs typeface="Monaco"/>
-              </a:rPr>
-              <a:t>return</a:t>
-            </a:r>
-            <a:r>
-              <a:rPr lang="en-US" sz="2200" dirty="0" smtClean="0">
-                <a:solidFill>
-                  <a:srgbClr val="000000"/>
-                </a:solidFill>
-                <a:latin typeface="Monaco"/>
-                <a:cs typeface="Monaco"/>
-              </a:rPr>
-              <a:t> </a:t>
-            </a:r>
-            <a:r>
-              <a:rPr lang="en-US" sz="2200" dirty="0" err="1" smtClean="0">
-                <a:solidFill>
-                  <a:srgbClr val="7030A0"/>
-                </a:solidFill>
-                <a:latin typeface="Monaco"/>
-                <a:cs typeface="Monaco"/>
-              </a:rPr>
-              <a:t>returned_value</a:t>
-            </a:r>
-            <a:endParaRPr lang="en-US" sz="2200" dirty="0" smtClean="0">
-              <a:solidFill>
-                <a:srgbClr val="7030A0"/>
-              </a:solidFill>
-              <a:latin typeface="Monaco"/>
-              <a:cs typeface="Monaco"/>
-            </a:endParaRPr>
-          </a:p>
-          <a:p>
-            <a:endParaRPr lang="en-US" sz="2200" dirty="0">
-              <a:latin typeface="Monaco"/>
-              <a:cs typeface="Monaco"/>
-            </a:endParaRPr>
-          </a:p>
-          <a:p>
-            <a:endParaRPr lang="en-US" sz="2200" dirty="0" smtClean="0">
-              <a:latin typeface="Monaco"/>
-              <a:cs typeface="Monaco"/>
-            </a:endParaRPr>
-          </a:p>
-          <a:p>
-            <a:r>
-              <a:rPr lang="en-US" sz="2200" dirty="0" smtClean="0">
-                <a:latin typeface="Monaco"/>
-                <a:cs typeface="Monaco"/>
-              </a:rPr>
-              <a:t> </a:t>
-            </a:r>
-          </a:p>
-        </p:txBody>
-      </p:sp>
-      <p:cxnSp>
-        <p:nvCxnSpPr>
-          <p:cNvPr id="5" name="Straight Connector 4"/>
-          <p:cNvCxnSpPr/>
-          <p:nvPr/>
-        </p:nvCxnSpPr>
-        <p:spPr>
-          <a:xfrm>
-            <a:off x="1696215" y="3029367"/>
-            <a:ext cx="0" cy="729011"/>
-          </a:xfrm>
-          <a:prstGeom prst="line">
-            <a:avLst/>
-          </a:prstGeom>
-          <a:ln>
-            <a:solidFill>
-              <a:schemeClr val="tx1"/>
-            </a:solidFill>
-          </a:ln>
-          <a:effectLst/>
-        </p:spPr>
-        <p:style>
-          <a:lnRef idx="2">
-            <a:schemeClr val="accent1"/>
-          </a:lnRef>
-          <a:fillRef idx="0">
-            <a:schemeClr val="accent1"/>
-          </a:fillRef>
-          <a:effectRef idx="1">
-            <a:schemeClr val="accent1"/>
-          </a:effectRef>
-          <a:fontRef idx="minor">
-            <a:schemeClr val="tx1"/>
-          </a:fontRef>
-        </p:style>
-      </p:cxnSp>
-      <p:sp>
-        <p:nvSpPr>
-          <p:cNvPr id="6" name="Rectangle 5"/>
-          <p:cNvSpPr/>
-          <p:nvPr/>
-        </p:nvSpPr>
-        <p:spPr>
-          <a:xfrm>
-            <a:off x="457199" y="2460465"/>
-            <a:ext cx="648270" cy="373072"/>
-          </a:xfrm>
-          <a:prstGeom prst="rect">
-            <a:avLst/>
-          </a:prstGeom>
-          <a:noFill/>
-          <a:ln w="28575" cmpd="sng">
-            <a:solidFill>
-              <a:schemeClr val="accent2"/>
-            </a:solidFill>
-          </a:ln>
-          <a:effectLst/>
-        </p:spPr>
-        <p:style>
-          <a:lnRef idx="1">
-            <a:schemeClr val="accent1"/>
-          </a:lnRef>
-          <a:fillRef idx="3">
-            <a:schemeClr val="accent1"/>
-          </a:fillRef>
-          <a:effectRef idx="2">
-            <a:schemeClr val="accent1"/>
-          </a:effectRef>
-          <a:fontRef idx="minor">
-            <a:schemeClr val="lt1"/>
-          </a:fontRef>
-        </p:style>
-        <p:txBody>
-          <a:bodyPr rtlCol="0" anchor="ctr"/>
-          <a:lstStyle/>
-          <a:p>
-            <a:pPr algn="ctr"/>
-            <a:endParaRPr lang="en-US"/>
-          </a:p>
-        </p:txBody>
-      </p:sp>
-      <p:sp>
-        <p:nvSpPr>
-          <p:cNvPr id="7" name="Rectangle 6"/>
-          <p:cNvSpPr/>
-          <p:nvPr/>
-        </p:nvSpPr>
-        <p:spPr>
-          <a:xfrm>
-            <a:off x="1001875" y="4155062"/>
-            <a:ext cx="1086232" cy="373072"/>
-          </a:xfrm>
-          <a:prstGeom prst="rect">
-            <a:avLst/>
-          </a:prstGeom>
-          <a:noFill/>
-          <a:ln w="28575" cmpd="sng">
-            <a:solidFill>
-              <a:schemeClr val="accent2"/>
-            </a:solidFill>
-          </a:ln>
-          <a:effectLst/>
-        </p:spPr>
-        <p:style>
-          <a:lnRef idx="1">
-            <a:schemeClr val="accent1"/>
-          </a:lnRef>
-          <a:fillRef idx="3">
-            <a:schemeClr val="accent1"/>
-          </a:fillRef>
-          <a:effectRef idx="2">
-            <a:schemeClr val="accent1"/>
-          </a:effectRef>
-          <a:fontRef idx="minor">
-            <a:schemeClr val="lt1"/>
-          </a:fontRef>
-        </p:style>
-        <p:txBody>
-          <a:bodyPr rtlCol="0" anchor="ctr"/>
-          <a:lstStyle/>
-          <a:p>
-            <a:pPr algn="ctr"/>
-            <a:endParaRPr lang="en-US"/>
-          </a:p>
-        </p:txBody>
-      </p:sp>
-      <p:sp>
-        <p:nvSpPr>
-          <p:cNvPr id="8" name="Rectangle 7"/>
-          <p:cNvSpPr/>
-          <p:nvPr/>
-        </p:nvSpPr>
-        <p:spPr>
-          <a:xfrm>
-            <a:off x="554753" y="2929300"/>
-            <a:ext cx="447122" cy="1252880"/>
-          </a:xfrm>
-          <a:prstGeom prst="rect">
-            <a:avLst/>
-          </a:prstGeom>
-          <a:noFill/>
-          <a:ln w="28575" cmpd="sng">
-            <a:solidFill>
-              <a:schemeClr val="accent2"/>
-            </a:solidFill>
-          </a:ln>
-          <a:effectLst/>
-        </p:spPr>
-        <p:style>
-          <a:lnRef idx="1">
-            <a:schemeClr val="accent1"/>
-          </a:lnRef>
-          <a:fillRef idx="3">
-            <a:schemeClr val="accent1"/>
-          </a:fillRef>
-          <a:effectRef idx="2">
-            <a:schemeClr val="accent1"/>
-          </a:effectRef>
-          <a:fontRef idx="minor">
-            <a:schemeClr val="lt1"/>
-          </a:fontRef>
-        </p:style>
-        <p:txBody>
-          <a:bodyPr rtlCol="0" anchor="ctr"/>
-          <a:lstStyle/>
-          <a:p>
-            <a:pPr algn="ctr"/>
-            <a:endParaRPr lang="en-US"/>
-          </a:p>
-        </p:txBody>
-      </p:sp>
-      <p:sp>
-        <p:nvSpPr>
-          <p:cNvPr id="9" name="Rectangle 8"/>
-          <p:cNvSpPr/>
-          <p:nvPr/>
-        </p:nvSpPr>
-        <p:spPr>
-          <a:xfrm>
-            <a:off x="6274509" y="2556228"/>
-            <a:ext cx="174506" cy="373072"/>
-          </a:xfrm>
-          <a:prstGeom prst="rect">
-            <a:avLst/>
-          </a:prstGeom>
-          <a:noFill/>
-          <a:ln w="28575" cmpd="sng">
-            <a:solidFill>
-              <a:schemeClr val="accent2"/>
-            </a:solidFill>
-          </a:ln>
-          <a:effectLst/>
-        </p:spPr>
-        <p:style>
-          <a:lnRef idx="1">
-            <a:schemeClr val="accent1"/>
-          </a:lnRef>
-          <a:fillRef idx="3">
-            <a:schemeClr val="accent1"/>
-          </a:fillRef>
-          <a:effectRef idx="2">
-            <a:schemeClr val="accent1"/>
-          </a:effectRef>
-          <a:fontRef idx="minor">
-            <a:schemeClr val="lt1"/>
-          </a:fontRef>
-        </p:style>
-        <p:txBody>
-          <a:bodyPr rtlCol="0" anchor="ctr"/>
-          <a:lstStyle/>
-          <a:p>
-            <a:pPr algn="ctr"/>
-            <a:endParaRPr lang="en-US"/>
-          </a:p>
-        </p:txBody>
-      </p:sp>
-    </p:spTree>
-    <p:extLst>
-      <p:ext uri="{BB962C8B-B14F-4D97-AF65-F5344CB8AC3E}">
-        <p14:creationId xmlns:p14="http://schemas.microsoft.com/office/powerpoint/2010/main" val="2009558267"/>
-      </p:ext>
-    </p:extLst>
-  </p:cSld>
-  <p:clrMapOvr>
-    <a:masterClrMapping/>
-  </p:clrMapOvr>
-  <p:timing>
-    <p:tnLst>
-      <p:par>
-        <p:cTn id="1" dur="indefinite" restart="never" nodeType="tmRoot">
-          <p:childTnLst>
-            <p:seq concurrent="1" nextAc="seek">
-              <p:cTn id="2" dur="indefinite" nodeType="mainSeq">
-                <p:childTnLst>
-                  <p:par>
-                    <p:cTn id="3" fill="hold">
-                      <p:stCondLst>
-                        <p:cond delay="indefinite"/>
-                      </p:stCondLst>
-                      <p:childTnLst>
-                        <p:par>
-                          <p:cTn id="4" fill="hold">
-                            <p:stCondLst>
-                              <p:cond delay="0"/>
-                            </p:stCondLst>
-                            <p:childTnLst>
-                              <p:par>
-                                <p:cTn id="5" presetID="1" presetClass="entr" presetSubtype="0" fill="hold" grpId="0" nodeType="clickEffect">
-                                  <p:stCondLst>
-                                    <p:cond delay="0"/>
-                                  </p:stCondLst>
-                                  <p:childTnLst>
-                                    <p:set>
-                                      <p:cBhvr>
-                                        <p:cTn id="6" dur="1" fill="hold">
-                                          <p:stCondLst>
-                                            <p:cond delay="0"/>
-                                          </p:stCondLst>
-                                        </p:cTn>
-                                        <p:tgtEl>
-                                          <p:spTgt spid="6"/>
-                                        </p:tgtEl>
-                                        <p:attrNameLst>
-                                          <p:attrName>style.visibility</p:attrName>
-                                        </p:attrNameLst>
-                                      </p:cBhvr>
-                                      <p:to>
-                                        <p:strVal val="visible"/>
-                                      </p:to>
-                                    </p:set>
-                                  </p:childTnLst>
-                                </p:cTn>
-                              </p:par>
-                              <p:par>
-                                <p:cTn id="7" presetID="1" presetClass="entr" presetSubtype="0" fill="hold" grpId="0" nodeType="withEffect">
-                                  <p:stCondLst>
-                                    <p:cond delay="0"/>
-                                  </p:stCondLst>
-                                  <p:childTnLst>
-                                    <p:set>
-                                      <p:cBhvr>
-                                        <p:cTn id="8" dur="1" fill="hold">
-                                          <p:stCondLst>
-                                            <p:cond delay="0"/>
-                                          </p:stCondLst>
-                                        </p:cTn>
-                                        <p:tgtEl>
-                                          <p:spTgt spid="7"/>
-                                        </p:tgtEl>
-                                        <p:attrNameLst>
-                                          <p:attrName>style.visibility</p:attrName>
-                                        </p:attrNameLst>
-                                      </p:cBhvr>
-                                      <p:to>
-                                        <p:strVal val="visible"/>
-                                      </p:to>
-                                    </p:set>
-                                  </p:childTnLst>
-                                </p:cTn>
-                              </p:par>
-                            </p:childTnLst>
-                          </p:cTn>
-                        </p:par>
-                      </p:childTnLst>
-                    </p:cTn>
-                  </p:par>
-                  <p:par>
-                    <p:cTn id="9" fill="hold">
-                      <p:stCondLst>
-                        <p:cond delay="indefinite"/>
-                      </p:stCondLst>
-                      <p:childTnLst>
-                        <p:par>
-                          <p:cTn id="10" fill="hold">
-                            <p:stCondLst>
-                              <p:cond delay="0"/>
-                            </p:stCondLst>
-                            <p:childTnLst>
-                              <p:par>
-                                <p:cTn id="11" presetID="1" presetClass="entr" presetSubtype="0" fill="hold" grpId="0" nodeType="clickEffect">
-                                  <p:stCondLst>
-                                    <p:cond delay="0"/>
-                                  </p:stCondLst>
-                                  <p:childTnLst>
-                                    <p:set>
-                                      <p:cBhvr>
-                                        <p:cTn id="12" dur="1" fill="hold">
-                                          <p:stCondLst>
-                                            <p:cond delay="0"/>
-                                          </p:stCondLst>
-                                        </p:cTn>
-                                        <p:tgtEl>
-                                          <p:spTgt spid="8"/>
-                                        </p:tgtEl>
-                                        <p:attrNameLst>
-                                          <p:attrName>style.visibility</p:attrName>
-                                        </p:attrNameLst>
-                                      </p:cBhvr>
-                                      <p:to>
-                                        <p:strVal val="visible"/>
-                                      </p:to>
-                                    </p:set>
-                                  </p:childTnLst>
-                                </p:cTn>
-                              </p:par>
-                              <p:par>
-                                <p:cTn id="13" presetID="1" presetClass="entr" presetSubtype="0" fill="hold" grpId="0" nodeType="withEffect">
-                                  <p:stCondLst>
-                                    <p:cond delay="0"/>
-                                  </p:stCondLst>
-                                  <p:childTnLst>
-                                    <p:set>
-                                      <p:cBhvr>
-                                        <p:cTn id="14" dur="1" fill="hold">
-                                          <p:stCondLst>
-                                            <p:cond delay="0"/>
-                                          </p:stCondLst>
-                                        </p:cTn>
-                                        <p:tgtEl>
-                                          <p:spTgt spid="9"/>
-                                        </p:tgtEl>
-                                        <p:attrNameLst>
-                                          <p:attrName>style.visibility</p:attrName>
-                                        </p:attrNameLst>
-                                      </p:cBhvr>
-                                      <p:to>
-                                        <p:strVal val="visible"/>
-                                      </p:to>
-                                    </p:set>
-                                  </p:childTnLst>
-                                </p:cTn>
-                              </p:par>
-                            </p:childTnLst>
-                          </p:cTn>
-                        </p:par>
-                      </p:childTnLst>
-                    </p:cTn>
-                  </p:par>
-                </p:childTnLst>
-              </p:cTn>
-              <p:prevCondLst>
-                <p:cond evt="onPrev" delay="0">
-                  <p:tgtEl>
-                    <p:sldTgt/>
-                  </p:tgtEl>
-                </p:cond>
-              </p:prevCondLst>
-              <p:nextCondLst>
-                <p:cond evt="onNext" delay="0">
-                  <p:tgtEl>
-                    <p:sldTgt/>
-                  </p:tgtEl>
-                </p:cond>
-              </p:nextCondLst>
-            </p:seq>
-          </p:childTnLst>
-        </p:cTn>
-      </p:par>
-    </p:tnLst>
-    <p:bldLst>
-      <p:bldP spid="6" grpId="0" animBg="1"/>
-      <p:bldP spid="7" grpId="0" animBg="1"/>
-      <p:bldP spid="8" grpId="0" animBg="1"/>
-      <p:bldP spid="9" grpId="0" animBg="1"/>
-    </p:bldLst>
-  </p:timing>
-</p:sld>
-</file>
-
-<file path=ppt/slides/slide37.xml><?xml version="1.0" encoding="utf-8"?>
-<p:sld xmlns:a="http://schemas.openxmlformats.org/drawingml/2006/main" xmlns:r="http://schemas.openxmlformats.org/officeDocument/2006/relationships" xmlns:p="http://schemas.openxmlformats.org/presentationml/2006/main">
-  <p:cSld>
-    <p:spTree>
-      <p:nvGrpSpPr>
-        <p:cNvPr id="1" name=""/>
-        <p:cNvGrpSpPr/>
-        <p:nvPr/>
-      </p:nvGrpSpPr>
-      <p:grpSpPr>
-        <a:xfrm>
-          <a:off x="0" y="0"/>
-          <a:ext cx="0" cy="0"/>
-          <a:chOff x="0" y="0"/>
-          <a:chExt cx="0" cy="0"/>
-        </a:xfrm>
-      </p:grpSpPr>
-      <p:sp>
-        <p:nvSpPr>
-          <p:cNvPr id="2" name="Title 1"/>
-          <p:cNvSpPr>
-            <a:spLocks noGrp="1"/>
-          </p:cNvSpPr>
-          <p:nvPr>
-            <p:ph type="title"/>
-          </p:nvPr>
-        </p:nvSpPr>
-        <p:spPr/>
-        <p:txBody>
-          <a:bodyPr/>
-          <a:lstStyle/>
-          <a:p>
-            <a:r>
-              <a:rPr lang="en-US" dirty="0" smtClean="0"/>
-              <a:t>so how can we re-write the len() function?</a:t>
-            </a:r>
-            <a:endParaRPr lang="en-US" dirty="0"/>
-          </a:p>
-        </p:txBody>
-      </p:sp>
-      <p:sp>
-        <p:nvSpPr>
-          <p:cNvPr id="4" name="TextBox 3"/>
-          <p:cNvSpPr txBox="1"/>
-          <p:nvPr/>
-        </p:nvSpPr>
-        <p:spPr>
-          <a:xfrm>
-            <a:off x="457199" y="1770509"/>
-            <a:ext cx="8338444" cy="5909311"/>
-          </a:xfrm>
-          <a:prstGeom prst="rect">
-            <a:avLst/>
-          </a:prstGeom>
-          <a:noFill/>
-        </p:spPr>
-        <p:txBody>
-          <a:bodyPr wrap="square" rtlCol="0">
-            <a:spAutoFit/>
-          </a:bodyPr>
-          <a:lstStyle/>
-          <a:p>
-            <a:r>
-              <a:rPr lang="en-US" b="1" dirty="0">
-                <a:solidFill>
-                  <a:schemeClr val="accent3">
-                    <a:lumMod val="60000"/>
-                    <a:lumOff val="40000"/>
-                  </a:schemeClr>
-                </a:solidFill>
-                <a:latin typeface="Monaco"/>
-                <a:cs typeface="Monaco"/>
-              </a:rPr>
-              <a:t># Example function construction </a:t>
-            </a:r>
-          </a:p>
-          <a:p>
-            <a:r>
-              <a:rPr lang="en-US" b="1" dirty="0" err="1">
-                <a:solidFill>
-                  <a:srgbClr val="000000"/>
-                </a:solidFill>
-                <a:latin typeface="Monaco"/>
-                <a:cs typeface="Monaco"/>
-              </a:rPr>
-              <a:t>def</a:t>
-            </a:r>
-            <a:r>
-              <a:rPr lang="en-US" b="1" dirty="0">
-                <a:solidFill>
-                  <a:srgbClr val="000000"/>
-                </a:solidFill>
-                <a:latin typeface="Monaco"/>
-                <a:cs typeface="Monaco"/>
-              </a:rPr>
-              <a:t> </a:t>
-            </a:r>
-            <a:r>
-              <a:rPr lang="en-US" b="1" dirty="0" err="1">
-                <a:solidFill>
-                  <a:schemeClr val="accent5"/>
-                </a:solidFill>
-                <a:latin typeface="Monaco"/>
-                <a:cs typeface="Monaco"/>
-              </a:rPr>
-              <a:t>my_len</a:t>
-            </a:r>
-            <a:r>
-              <a:rPr lang="en-US" b="1" dirty="0">
-                <a:solidFill>
-                  <a:srgbClr val="000000"/>
-                </a:solidFill>
-                <a:latin typeface="Monaco"/>
-                <a:cs typeface="Monaco"/>
-              </a:rPr>
-              <a:t>(</a:t>
-            </a:r>
-            <a:r>
-              <a:rPr lang="en-US" b="1" dirty="0">
-                <a:solidFill>
-                  <a:schemeClr val="accent6"/>
-                </a:solidFill>
-                <a:latin typeface="Monaco"/>
-                <a:cs typeface="Monaco"/>
-              </a:rPr>
-              <a:t>item</a:t>
-            </a:r>
-            <a:r>
-              <a:rPr lang="en-US" b="1" dirty="0">
-                <a:solidFill>
-                  <a:srgbClr val="000000"/>
-                </a:solidFill>
-                <a:latin typeface="Monaco"/>
-                <a:cs typeface="Monaco"/>
-              </a:rPr>
-              <a:t>):</a:t>
-            </a:r>
-          </a:p>
-          <a:p>
-            <a:endParaRPr lang="en-US" b="1" dirty="0">
-              <a:solidFill>
-                <a:srgbClr val="000000"/>
-              </a:solidFill>
-              <a:latin typeface="Monaco"/>
-              <a:cs typeface="Monaco"/>
-            </a:endParaRPr>
-          </a:p>
-          <a:p>
-            <a:r>
-              <a:rPr lang="en-US" b="1" dirty="0">
-                <a:solidFill>
-                  <a:schemeClr val="accent3">
-                    <a:lumMod val="60000"/>
-                    <a:lumOff val="40000"/>
-                  </a:schemeClr>
-                </a:solidFill>
-                <a:latin typeface="Monaco"/>
-                <a:cs typeface="Monaco"/>
-              </a:rPr>
-              <a:t>	# Loop over item to count its size</a:t>
-            </a:r>
-          </a:p>
-          <a:p>
-            <a:r>
-              <a:rPr lang="en-US" b="1" dirty="0">
-                <a:solidFill>
-                  <a:srgbClr val="000000"/>
-                </a:solidFill>
-                <a:latin typeface="Monaco"/>
-                <a:cs typeface="Monaco"/>
-              </a:rPr>
-              <a:t>	j = 0</a:t>
-            </a:r>
-          </a:p>
-          <a:p>
-            <a:r>
-              <a:rPr lang="en-US" b="1" dirty="0">
-                <a:solidFill>
-                  <a:srgbClr val="000000"/>
-                </a:solidFill>
-                <a:latin typeface="Monaco"/>
-                <a:cs typeface="Monaco"/>
-              </a:rPr>
-              <a:t>	for entry in item:</a:t>
-            </a:r>
-          </a:p>
-          <a:p>
-            <a:r>
-              <a:rPr lang="en-US" b="1" dirty="0">
-                <a:solidFill>
-                  <a:srgbClr val="000000"/>
-                </a:solidFill>
-                <a:latin typeface="Monaco"/>
-                <a:cs typeface="Monaco"/>
-              </a:rPr>
-              <a:t>		j += 1</a:t>
-            </a:r>
-          </a:p>
-          <a:p>
-            <a:endParaRPr lang="en-US" b="1" dirty="0">
-              <a:solidFill>
-                <a:srgbClr val="000000"/>
-              </a:solidFill>
-              <a:latin typeface="Monaco"/>
-              <a:cs typeface="Monaco"/>
-            </a:endParaRPr>
-          </a:p>
-          <a:p>
-            <a:r>
-              <a:rPr lang="en-US" b="1" dirty="0">
-                <a:solidFill>
-                  <a:schemeClr val="accent3">
-                    <a:lumMod val="60000"/>
-                    <a:lumOff val="40000"/>
-                  </a:schemeClr>
-                </a:solidFill>
-                <a:latin typeface="Monaco"/>
-                <a:cs typeface="Monaco"/>
-              </a:rPr>
-              <a:t>	# Return the size</a:t>
-            </a:r>
-          </a:p>
-          <a:p>
-            <a:r>
-              <a:rPr lang="en-US" b="1" dirty="0">
-                <a:solidFill>
-                  <a:srgbClr val="000000"/>
-                </a:solidFill>
-                <a:latin typeface="Monaco"/>
-                <a:cs typeface="Monaco"/>
-              </a:rPr>
-              <a:t>	return </a:t>
-            </a:r>
-            <a:r>
-              <a:rPr lang="en-US" b="1" dirty="0">
-                <a:solidFill>
-                  <a:srgbClr val="7030A0"/>
-                </a:solidFill>
-                <a:latin typeface="Monaco"/>
-                <a:cs typeface="Monaco"/>
-              </a:rPr>
-              <a:t>j</a:t>
-            </a:r>
-          </a:p>
-          <a:p>
-            <a:endParaRPr lang="en-US" dirty="0">
-              <a:latin typeface="Monaco"/>
-              <a:cs typeface="Monaco"/>
-            </a:endParaRPr>
-          </a:p>
-          <a:p>
-            <a:r>
-              <a:rPr lang="en-US" dirty="0" smtClean="0">
-                <a:solidFill>
-                  <a:schemeClr val="accent3">
-                    <a:lumMod val="60000"/>
-                    <a:lumOff val="40000"/>
-                  </a:schemeClr>
-                </a:solidFill>
-                <a:latin typeface="Monaco"/>
-                <a:cs typeface="Monaco"/>
-              </a:rPr>
-              <a:t># Now we can use the function!</a:t>
-            </a:r>
-          </a:p>
-          <a:p>
-            <a:r>
-              <a:rPr lang="en-US" dirty="0" smtClean="0">
-                <a:latin typeface="Monaco"/>
-                <a:cs typeface="Monaco"/>
-              </a:rPr>
-              <a:t>my_list = [1,2,3,4,5,6]</a:t>
-            </a:r>
-          </a:p>
-          <a:p>
-            <a:r>
-              <a:rPr lang="en-US" dirty="0" smtClean="0">
-                <a:solidFill>
-                  <a:schemeClr val="accent3"/>
-                </a:solidFill>
-                <a:latin typeface="Monaco"/>
-                <a:cs typeface="Monaco"/>
-              </a:rPr>
-              <a:t>b</a:t>
-            </a:r>
-            <a:r>
-              <a:rPr lang="en-US" dirty="0" smtClean="0">
-                <a:latin typeface="Monaco"/>
-                <a:cs typeface="Monaco"/>
-              </a:rPr>
-              <a:t> = </a:t>
-            </a:r>
-            <a:r>
-              <a:rPr lang="en-US" dirty="0" err="1" smtClean="0">
-                <a:solidFill>
-                  <a:srgbClr val="DC5924"/>
-                </a:solidFill>
-                <a:latin typeface="Monaco"/>
-                <a:cs typeface="Monaco"/>
-              </a:rPr>
-              <a:t>my_len</a:t>
-            </a:r>
-            <a:r>
-              <a:rPr lang="en-US" dirty="0" smtClean="0">
-                <a:latin typeface="Monaco"/>
-                <a:cs typeface="Monaco"/>
-              </a:rPr>
-              <a:t>(</a:t>
-            </a:r>
-            <a:r>
-              <a:rPr lang="en-US" dirty="0" smtClean="0">
-                <a:solidFill>
-                  <a:srgbClr val="B4B392"/>
-                </a:solidFill>
-                <a:latin typeface="Monaco"/>
-                <a:cs typeface="Monaco"/>
-              </a:rPr>
-              <a:t>my_list</a:t>
-            </a:r>
-            <a:r>
-              <a:rPr lang="en-US" dirty="0" smtClean="0">
-                <a:latin typeface="Monaco"/>
-                <a:cs typeface="Monaco"/>
-              </a:rPr>
-              <a:t>)</a:t>
-            </a:r>
-          </a:p>
-          <a:p>
-            <a:r>
-              <a:rPr lang="en-US" dirty="0" smtClean="0">
-                <a:latin typeface="Monaco"/>
-                <a:cs typeface="Monaco"/>
-              </a:rPr>
-              <a:t>print(</a:t>
-            </a:r>
-            <a:r>
-              <a:rPr lang="en-US" dirty="0" smtClean="0">
-                <a:solidFill>
-                  <a:schemeClr val="accent3"/>
-                </a:solidFill>
-                <a:latin typeface="Monaco"/>
-                <a:cs typeface="Monaco"/>
-              </a:rPr>
-              <a:t>b)</a:t>
-            </a:r>
-            <a:endParaRPr lang="en-US" dirty="0" smtClean="0">
-              <a:solidFill>
-                <a:schemeClr val="accent3"/>
-              </a:solidFill>
-              <a:latin typeface="Monaco"/>
-              <a:cs typeface="Monaco"/>
-            </a:endParaRPr>
-          </a:p>
-          <a:p>
-            <a:r>
-              <a:rPr lang="en-US" dirty="0">
-                <a:latin typeface="Monaco"/>
-                <a:cs typeface="Monaco"/>
-              </a:rPr>
-              <a:t>	</a:t>
-            </a:r>
-            <a:r>
-              <a:rPr lang="en-US" dirty="0" smtClean="0">
-                <a:solidFill>
-                  <a:schemeClr val="bg1">
-                    <a:lumMod val="65000"/>
-                  </a:schemeClr>
-                </a:solidFill>
-                <a:latin typeface="Monaco"/>
-                <a:cs typeface="Monaco"/>
-              </a:rPr>
-              <a:t>6</a:t>
-            </a:r>
-          </a:p>
-          <a:p>
-            <a:r>
-              <a:rPr lang="en-US" dirty="0" smtClean="0">
-                <a:latin typeface="Monaco"/>
-                <a:cs typeface="Monaco"/>
-              </a:rPr>
-              <a:t>print(j)</a:t>
-            </a:r>
-            <a:endParaRPr lang="en-US" dirty="0" smtClean="0">
-              <a:latin typeface="Monaco"/>
-              <a:cs typeface="Monaco"/>
-            </a:endParaRPr>
-          </a:p>
-          <a:p>
-            <a:r>
-              <a:rPr lang="en-US" dirty="0">
-                <a:solidFill>
-                  <a:schemeClr val="tx2"/>
-                </a:solidFill>
-                <a:latin typeface="Monaco"/>
-                <a:cs typeface="Monaco"/>
-              </a:rPr>
-              <a:t>	</a:t>
-            </a:r>
-            <a:r>
-              <a:rPr lang="en-US" dirty="0" err="1">
-                <a:solidFill>
-                  <a:schemeClr val="tx2"/>
-                </a:solidFill>
-                <a:latin typeface="Monaco"/>
-                <a:cs typeface="Monaco"/>
-              </a:rPr>
-              <a:t>NameError</a:t>
-            </a:r>
-            <a:r>
-              <a:rPr lang="en-US" dirty="0">
-                <a:solidFill>
-                  <a:schemeClr val="tx2"/>
-                </a:solidFill>
-                <a:latin typeface="Monaco"/>
-                <a:cs typeface="Monaco"/>
-              </a:rPr>
-              <a:t>: name 'j' is not defined</a:t>
-            </a:r>
-          </a:p>
-          <a:p>
-            <a:endParaRPr lang="en-US" dirty="0">
-              <a:latin typeface="Monaco"/>
-              <a:cs typeface="Monaco"/>
-            </a:endParaRPr>
-          </a:p>
-          <a:p>
-            <a:endParaRPr lang="en-US" dirty="0" smtClean="0">
-              <a:latin typeface="Monaco"/>
-              <a:cs typeface="Monaco"/>
-            </a:endParaRPr>
-          </a:p>
-          <a:p>
-            <a:r>
-              <a:rPr lang="en-US" dirty="0" smtClean="0">
-                <a:latin typeface="Monaco"/>
-                <a:cs typeface="Monaco"/>
-              </a:rPr>
-              <a:t> </a:t>
-            </a:r>
-          </a:p>
-        </p:txBody>
-      </p:sp>
-      <p:sp>
-        <p:nvSpPr>
-          <p:cNvPr id="5" name="TextBox 4"/>
-          <p:cNvSpPr txBox="1"/>
-          <p:nvPr/>
-        </p:nvSpPr>
-        <p:spPr>
-          <a:xfrm>
-            <a:off x="4650808" y="3042416"/>
-            <a:ext cx="4257911" cy="1754327"/>
-          </a:xfrm>
-          <a:prstGeom prst="rect">
-            <a:avLst/>
-          </a:prstGeom>
-          <a:noFill/>
-          <a:ln w="28575" cmpd="sng">
-            <a:solidFill>
-              <a:schemeClr val="accent2"/>
-            </a:solidFill>
-          </a:ln>
-        </p:spPr>
-        <p:txBody>
-          <a:bodyPr wrap="square" rtlCol="0">
-            <a:spAutoFit/>
-          </a:bodyPr>
-          <a:lstStyle/>
-          <a:p>
-            <a:r>
-              <a:rPr lang="en-US" dirty="0" smtClean="0">
-                <a:solidFill>
-                  <a:schemeClr val="accent5"/>
-                </a:solidFill>
-              </a:rPr>
-              <a:t>Function names </a:t>
-            </a:r>
-            <a:r>
-              <a:rPr lang="en-US" dirty="0" smtClean="0"/>
-              <a:t>should be meaningful</a:t>
-            </a:r>
-          </a:p>
-          <a:p>
-            <a:endParaRPr lang="en-US" dirty="0" smtClean="0"/>
-          </a:p>
-          <a:p>
-            <a:r>
-              <a:rPr lang="en-US" dirty="0" smtClean="0">
-                <a:solidFill>
-                  <a:schemeClr val="accent6"/>
-                </a:solidFill>
-              </a:rPr>
-              <a:t>Arguments</a:t>
-            </a:r>
-            <a:r>
-              <a:rPr lang="en-US" dirty="0" smtClean="0"/>
-              <a:t> are </a:t>
-            </a:r>
-            <a:r>
-              <a:rPr lang="en-US" i="1" dirty="0" smtClean="0"/>
-              <a:t>arbitrary variable names</a:t>
-            </a:r>
-          </a:p>
-          <a:p>
-            <a:endParaRPr lang="en-US" i="1" dirty="0"/>
-          </a:p>
-          <a:p>
-            <a:r>
-              <a:rPr lang="en-US" dirty="0" smtClean="0">
-                <a:solidFill>
-                  <a:schemeClr val="accent3"/>
-                </a:solidFill>
-              </a:rPr>
-              <a:t>Variables</a:t>
-            </a:r>
-            <a:r>
-              <a:rPr lang="en-US" dirty="0" smtClean="0"/>
-              <a:t> defined/used in the function </a:t>
-            </a:r>
-            <a:r>
-              <a:rPr lang="en-US" i="1" dirty="0" smtClean="0"/>
-              <a:t>exist only in the function</a:t>
-            </a:r>
-            <a:endParaRPr lang="en-US" dirty="0"/>
-          </a:p>
-        </p:txBody>
-      </p:sp>
-    </p:spTree>
-    <p:extLst>
-      <p:ext uri="{BB962C8B-B14F-4D97-AF65-F5344CB8AC3E}">
-        <p14:creationId xmlns:p14="http://schemas.microsoft.com/office/powerpoint/2010/main" val="705182828"/>
-      </p:ext>
-    </p:extLst>
-  </p:cSld>
-  <p:clrMapOvr>
-    <a:masterClrMapping/>
-  </p:clrMapOvr>
-  <p:timing>
-    <p:tnLst>
-      <p:par>
-        <p:cTn id="1" dur="indefinite" restart="never" nodeType="tmRoot">
-          <p:childTnLst>
-            <p:seq concurrent="1" nextAc="seek">
-              <p:cTn id="2" dur="indefinite" nodeType="mainSeq">
-                <p:childTnLst>
-                  <p:par>
-                    <p:cTn id="3" fill="hold">
-                      <p:stCondLst>
-                        <p:cond delay="indefinite"/>
-                      </p:stCondLst>
-                      <p:childTnLst>
-                        <p:par>
-                          <p:cTn id="4" fill="hold">
-                            <p:stCondLst>
-                              <p:cond delay="0"/>
-                            </p:stCondLst>
-                            <p:childTnLst>
-                              <p:par>
-                                <p:cTn id="5" presetID="1" presetClass="entr" presetSubtype="0" fill="hold" nodeType="clickEffect">
-                                  <p:stCondLst>
-                                    <p:cond delay="0"/>
-                                  </p:stCondLst>
-                                  <p:childTnLst>
-                                    <p:set>
-                                      <p:cBhvr>
-                                        <p:cTn id="6" dur="1" fill="hold">
-                                          <p:stCondLst>
-                                            <p:cond delay="0"/>
-                                          </p:stCondLst>
-                                        </p:cTn>
-                                        <p:tgtEl>
-                                          <p:spTgt spid="4">
-                                            <p:txEl>
-                                              <p:pRg st="11" end="11"/>
-                                            </p:txEl>
-                                          </p:spTgt>
-                                        </p:tgtEl>
-                                        <p:attrNameLst>
-                                          <p:attrName>style.visibility</p:attrName>
-                                        </p:attrNameLst>
-                                      </p:cBhvr>
-                                      <p:to>
-                                        <p:strVal val="visible"/>
-                                      </p:to>
-                                    </p:set>
-                                  </p:childTnLst>
-                                </p:cTn>
-                              </p:par>
-                              <p:par>
-                                <p:cTn id="7" presetID="1" presetClass="entr" presetSubtype="0" fill="hold" nodeType="withEffect">
-                                  <p:stCondLst>
-                                    <p:cond delay="0"/>
-                                  </p:stCondLst>
-                                  <p:childTnLst>
-                                    <p:set>
-                                      <p:cBhvr>
-                                        <p:cTn id="8" dur="1" fill="hold">
-                                          <p:stCondLst>
-                                            <p:cond delay="0"/>
-                                          </p:stCondLst>
-                                        </p:cTn>
-                                        <p:tgtEl>
-                                          <p:spTgt spid="4">
-                                            <p:txEl>
-                                              <p:pRg st="13" end="13"/>
-                                            </p:txEl>
-                                          </p:spTgt>
-                                        </p:tgtEl>
-                                        <p:attrNameLst>
-                                          <p:attrName>style.visibility</p:attrName>
-                                        </p:attrNameLst>
-                                      </p:cBhvr>
-                                      <p:to>
-                                        <p:strVal val="visible"/>
-                                      </p:to>
-                                    </p:set>
-                                  </p:childTnLst>
-                                </p:cTn>
-                              </p:par>
-                              <p:par>
-                                <p:cTn id="9" presetID="1" presetClass="entr" presetSubtype="0" fill="hold" nodeType="withEffect">
-                                  <p:stCondLst>
-                                    <p:cond delay="0"/>
-                                  </p:stCondLst>
-                                  <p:childTnLst>
-                                    <p:set>
-                                      <p:cBhvr>
-                                        <p:cTn id="10" dur="1" fill="hold">
-                                          <p:stCondLst>
-                                            <p:cond delay="0"/>
-                                          </p:stCondLst>
-                                        </p:cTn>
-                                        <p:tgtEl>
-                                          <p:spTgt spid="4">
-                                            <p:txEl>
-                                              <p:pRg st="12" end="12"/>
-                                            </p:txEl>
-                                          </p:spTgt>
-                                        </p:tgtEl>
-                                        <p:attrNameLst>
-                                          <p:attrName>style.visibility</p:attrName>
-                                        </p:attrNameLst>
-                                      </p:cBhvr>
-                                      <p:to>
-                                        <p:strVal val="visible"/>
-                                      </p:to>
-                                    </p:set>
-                                  </p:childTnLst>
-                                </p:cTn>
-                              </p:par>
-                              <p:par>
-                                <p:cTn id="11" presetID="1" presetClass="entr" presetSubtype="0" fill="hold" nodeType="withEffect">
-                                  <p:stCondLst>
-                                    <p:cond delay="0"/>
-                                  </p:stCondLst>
-                                  <p:childTnLst>
-                                    <p:set>
-                                      <p:cBhvr>
-                                        <p:cTn id="12" dur="1" fill="hold">
-                                          <p:stCondLst>
-                                            <p:cond delay="0"/>
-                                          </p:stCondLst>
-                                        </p:cTn>
-                                        <p:tgtEl>
-                                          <p:spTgt spid="4">
-                                            <p:txEl>
-                                              <p:pRg st="14" end="14"/>
-                                            </p:txEl>
-                                          </p:spTgt>
-                                        </p:tgtEl>
-                                        <p:attrNameLst>
-                                          <p:attrName>style.visibility</p:attrName>
-                                        </p:attrNameLst>
-                                      </p:cBhvr>
-                                      <p:to>
-                                        <p:strVal val="visible"/>
-                                      </p:to>
-                                    </p:set>
-                                  </p:childTnLst>
-                                </p:cTn>
-                              </p:par>
-                              <p:par>
-                                <p:cTn id="13" presetID="1" presetClass="entr" presetSubtype="0" fill="hold" nodeType="withEffect">
-                                  <p:stCondLst>
-                                    <p:cond delay="0"/>
-                                  </p:stCondLst>
-                                  <p:childTnLst>
-                                    <p:set>
-                                      <p:cBhvr>
-                                        <p:cTn id="14" dur="1" fill="hold">
-                                          <p:stCondLst>
-                                            <p:cond delay="0"/>
-                                          </p:stCondLst>
-                                        </p:cTn>
-                                        <p:tgtEl>
-                                          <p:spTgt spid="4">
-                                            <p:txEl>
-                                              <p:pRg st="15" end="15"/>
-                                            </p:txEl>
-                                          </p:spTgt>
-                                        </p:tgtEl>
-                                        <p:attrNameLst>
-                                          <p:attrName>style.visibility</p:attrName>
-                                        </p:attrNameLst>
-                                      </p:cBhvr>
-                                      <p:to>
-                                        <p:strVal val="visible"/>
-                                      </p:to>
-                                    </p:set>
-                                  </p:childTnLst>
-                                </p:cTn>
-                              </p:par>
-                            </p:childTnLst>
-                          </p:cTn>
-                        </p:par>
-                      </p:childTnLst>
-                    </p:cTn>
-                  </p:par>
-                  <p:par>
-                    <p:cTn id="15" fill="hold">
-                      <p:stCondLst>
-                        <p:cond delay="indefinite"/>
-                      </p:stCondLst>
-                      <p:childTnLst>
-                        <p:par>
-                          <p:cTn id="16" fill="hold">
-                            <p:stCondLst>
-                              <p:cond delay="0"/>
-                            </p:stCondLst>
-                            <p:childTnLst>
-                              <p:par>
-                                <p:cTn id="17" presetID="1" presetClass="entr" presetSubtype="0" fill="hold" nodeType="clickEffect">
-                                  <p:stCondLst>
-                                    <p:cond delay="0"/>
-                                  </p:stCondLst>
-                                  <p:childTnLst>
-                                    <p:set>
-                                      <p:cBhvr>
-                                        <p:cTn id="18" dur="1" fill="hold">
-                                          <p:stCondLst>
-                                            <p:cond delay="0"/>
-                                          </p:stCondLst>
-                                        </p:cTn>
-                                        <p:tgtEl>
-                                          <p:spTgt spid="4">
-                                            <p:txEl>
-                                              <p:pRg st="16" end="16"/>
-                                            </p:txEl>
-                                          </p:spTgt>
-                                        </p:tgtEl>
-                                        <p:attrNameLst>
-                                          <p:attrName>style.visibility</p:attrName>
-                                        </p:attrNameLst>
-                                      </p:cBhvr>
-                                      <p:to>
-                                        <p:strVal val="visible"/>
-                                      </p:to>
-                                    </p:set>
-                                  </p:childTnLst>
-                                </p:cTn>
-                              </p:par>
-                              <p:par>
-                                <p:cTn id="19" presetID="1" presetClass="entr" presetSubtype="0" fill="hold" nodeType="withEffect">
-                                  <p:stCondLst>
-                                    <p:cond delay="0"/>
-                                  </p:stCondLst>
-                                  <p:childTnLst>
-                                    <p:set>
-                                      <p:cBhvr>
-                                        <p:cTn id="20" dur="1" fill="hold">
-                                          <p:stCondLst>
-                                            <p:cond delay="0"/>
-                                          </p:stCondLst>
-                                        </p:cTn>
-                                        <p:tgtEl>
-                                          <p:spTgt spid="4">
-                                            <p:txEl>
-                                              <p:pRg st="17" end="17"/>
-                                            </p:txEl>
-                                          </p:spTgt>
-                                        </p:tgtEl>
-                                        <p:attrNameLst>
-                                          <p:attrName>style.visibility</p:attrName>
-                                        </p:attrNameLst>
-                                      </p:cBhvr>
-                                      <p:to>
-                                        <p:strVal val="visible"/>
-                                      </p:to>
-                                    </p:set>
-                                  </p:childTnLst>
-                                </p:cTn>
-                              </p:par>
-                            </p:childTnLst>
-                          </p:cTn>
-                        </p:par>
-                      </p:childTnLst>
-                    </p:cTn>
-                  </p:par>
-                  <p:par>
-                    <p:cTn id="21" fill="hold">
-                      <p:stCondLst>
-                        <p:cond delay="indefinite"/>
-                      </p:stCondLst>
-                      <p:childTnLst>
-                        <p:par>
-                          <p:cTn id="22" fill="hold">
-                            <p:stCondLst>
-                              <p:cond delay="0"/>
-                            </p:stCondLst>
-                            <p:childTnLst>
-                              <p:par>
-                                <p:cTn id="23" presetID="1" presetClass="entr" presetSubtype="0" fill="hold" nodeType="clickEffect">
-                                  <p:stCondLst>
-                                    <p:cond delay="0"/>
-                                  </p:stCondLst>
-                                  <p:childTnLst>
-                                    <p:set>
-                                      <p:cBhvr>
-                                        <p:cTn id="24" dur="1" fill="hold">
-                                          <p:stCondLst>
-                                            <p:cond delay="0"/>
-                                          </p:stCondLst>
-                                        </p:cTn>
-                                        <p:tgtEl>
-                                          <p:spTgt spid="5">
-                                            <p:txEl>
-                                              <p:pRg st="0" end="0"/>
-                                            </p:txEl>
-                                          </p:spTgt>
-                                        </p:tgtEl>
-                                        <p:attrNameLst>
-                                          <p:attrName>style.visibility</p:attrName>
-                                        </p:attrNameLst>
-                                      </p:cBhvr>
-                                      <p:to>
-                                        <p:strVal val="visible"/>
-                                      </p:to>
-                                    </p:set>
-                                  </p:childTnLst>
-                                </p:cTn>
-                              </p:par>
-                              <p:par>
-                                <p:cTn id="25" presetID="1" presetClass="entr" presetSubtype="0" fill="hold" nodeType="withEffect">
-                                  <p:stCondLst>
-                                    <p:cond delay="0"/>
-                                  </p:stCondLst>
-                                  <p:childTnLst>
-                                    <p:set>
-                                      <p:cBhvr>
-                                        <p:cTn id="26" dur="1" fill="hold">
-                                          <p:stCondLst>
-                                            <p:cond delay="0"/>
-                                          </p:stCondLst>
-                                        </p:cTn>
-                                        <p:tgtEl>
-                                          <p:spTgt spid="5">
-                                            <p:txEl>
-                                              <p:pRg st="2" end="2"/>
-                                            </p:txEl>
-                                          </p:spTgt>
-                                        </p:tgtEl>
-                                        <p:attrNameLst>
-                                          <p:attrName>style.visibility</p:attrName>
-                                        </p:attrNameLst>
-                                      </p:cBhvr>
-                                      <p:to>
-                                        <p:strVal val="visible"/>
-                                      </p:to>
-                                    </p:set>
-                                  </p:childTnLst>
-                                </p:cTn>
-                              </p:par>
-                              <p:par>
-                                <p:cTn id="27" presetID="1" presetClass="entr" presetSubtype="0" fill="hold" nodeType="withEffect">
-                                  <p:stCondLst>
-                                    <p:cond delay="0"/>
-                                  </p:stCondLst>
-                                  <p:childTnLst>
-                                    <p:set>
-                                      <p:cBhvr>
-                                        <p:cTn id="28" dur="1" fill="hold">
-                                          <p:stCondLst>
-                                            <p:cond delay="0"/>
-                                          </p:stCondLst>
-                                        </p:cTn>
-                                        <p:tgtEl>
-                                          <p:spTgt spid="5">
-                                            <p:txEl>
-                                              <p:pRg st="4" end="4"/>
-                                            </p:txEl>
-                                          </p:spTgt>
-                                        </p:tgtEl>
-                                        <p:attrNameLst>
-                                          <p:attrName>style.visibility</p:attrName>
-                                        </p:attrNameLst>
-                                      </p:cBhvr>
-                                      <p:to>
-                                        <p:strVal val="visible"/>
-                                      </p:to>
-                                    </p:set>
-                                  </p:childTnLst>
-                                </p:cTn>
-                              </p:par>
-                            </p:childTnLst>
-                          </p:cTn>
-                        </p:par>
-                      </p:childTnLst>
-                    </p:cTn>
-                  </p:par>
-                </p:childTnLst>
-              </p:cTn>
-              <p:prevCondLst>
-                <p:cond evt="onPrev" delay="0">
-                  <p:tgtEl>
-                    <p:sldTgt/>
-                  </p:tgtEl>
-                </p:cond>
-              </p:prevCondLst>
-              <p:nextCondLst>
-                <p:cond evt="onNext" delay="0">
-                  <p:tgtEl>
-                    <p:sldTgt/>
-                  </p:tgtEl>
-                </p:cond>
-              </p:nextCondLst>
-            </p:seq>
-          </p:childTnLst>
-        </p:cTn>
-      </p:par>
-    </p:tnLst>
-  </p:timing>
-</p:sld>
-</file>
-
-<file path=ppt/slides/slide38.xml><?xml version="1.0" encoding="utf-8"?>
-<p:sld xmlns:a="http://schemas.openxmlformats.org/drawingml/2006/main" xmlns:r="http://schemas.openxmlformats.org/officeDocument/2006/relationships" xmlns:p="http://schemas.openxmlformats.org/presentationml/2006/main">
-  <p:cSld>
-    <p:spTree>
-      <p:nvGrpSpPr>
-        <p:cNvPr id="1" name=""/>
-        <p:cNvGrpSpPr/>
-        <p:nvPr/>
-      </p:nvGrpSpPr>
-      <p:grpSpPr>
-        <a:xfrm>
-          <a:off x="0" y="0"/>
-          <a:ext cx="0" cy="0"/>
-          <a:chOff x="0" y="0"/>
-          <a:chExt cx="0" cy="0"/>
-        </a:xfrm>
-      </p:grpSpPr>
-      <p:sp>
-        <p:nvSpPr>
-          <p:cNvPr id="2" name="Title 1"/>
-          <p:cNvSpPr>
-            <a:spLocks noGrp="1"/>
-          </p:cNvSpPr>
-          <p:nvPr>
-            <p:ph type="title"/>
-          </p:nvPr>
-        </p:nvSpPr>
-        <p:spPr/>
-        <p:txBody>
-          <a:bodyPr/>
-          <a:lstStyle/>
-          <a:p>
-            <a:r>
-              <a:rPr lang="en-US" dirty="0" smtClean="0"/>
-              <a:t>functions are generic formulas</a:t>
-            </a:r>
-            <a:endParaRPr lang="en-US" dirty="0"/>
-          </a:p>
-        </p:txBody>
-      </p:sp>
-      <p:sp>
-        <p:nvSpPr>
-          <p:cNvPr id="4" name="TextBox 3"/>
-          <p:cNvSpPr txBox="1"/>
-          <p:nvPr/>
-        </p:nvSpPr>
-        <p:spPr>
-          <a:xfrm>
-            <a:off x="365827" y="1651736"/>
-            <a:ext cx="8338444" cy="1477328"/>
-          </a:xfrm>
-          <a:prstGeom prst="rect">
-            <a:avLst/>
-          </a:prstGeom>
-          <a:noFill/>
-        </p:spPr>
-        <p:txBody>
-          <a:bodyPr wrap="square" rtlCol="0">
-            <a:spAutoFit/>
-          </a:bodyPr>
-          <a:lstStyle/>
-          <a:p>
-            <a:endParaRPr lang="en-US" dirty="0">
-              <a:solidFill>
-                <a:schemeClr val="bg1">
-                  <a:lumMod val="65000"/>
-                </a:schemeClr>
-              </a:solidFill>
-              <a:latin typeface="Monaco"/>
-              <a:cs typeface="Monaco"/>
-            </a:endParaRPr>
-          </a:p>
-          <a:p>
-            <a:r>
-              <a:rPr lang="en-US" dirty="0" smtClean="0">
-                <a:latin typeface="Monaco"/>
-                <a:cs typeface="Monaco"/>
-              </a:rPr>
-              <a:t>def triangle_area(l, w):</a:t>
-            </a:r>
-          </a:p>
-          <a:p>
-            <a:r>
-              <a:rPr lang="en-US" dirty="0">
-                <a:latin typeface="Monaco"/>
-                <a:cs typeface="Monaco"/>
-              </a:rPr>
-              <a:t>	</a:t>
-            </a:r>
-            <a:r>
-              <a:rPr lang="en-US" dirty="0" smtClean="0">
-                <a:latin typeface="Monaco"/>
-                <a:cs typeface="Monaco"/>
-              </a:rPr>
-              <a:t>area = l*w / 2.0</a:t>
-            </a:r>
-          </a:p>
-          <a:p>
-            <a:r>
-              <a:rPr lang="en-US" dirty="0">
-                <a:latin typeface="Monaco"/>
-                <a:cs typeface="Monaco"/>
-              </a:rPr>
-              <a:t>	</a:t>
-            </a:r>
-            <a:r>
-              <a:rPr lang="en-US" dirty="0" smtClean="0">
-                <a:latin typeface="Monaco"/>
-                <a:cs typeface="Monaco"/>
-              </a:rPr>
-              <a:t>return area</a:t>
-            </a:r>
-          </a:p>
-          <a:p>
-            <a:r>
-              <a:rPr lang="en-US" dirty="0" smtClean="0">
-                <a:latin typeface="Monaco"/>
-                <a:cs typeface="Monaco"/>
-              </a:rPr>
-              <a:t> </a:t>
-            </a:r>
-          </a:p>
-        </p:txBody>
-      </p:sp>
-    </p:spTree>
-    <p:extLst>
-      <p:ext uri="{BB962C8B-B14F-4D97-AF65-F5344CB8AC3E}">
-        <p14:creationId xmlns:p14="http://schemas.microsoft.com/office/powerpoint/2010/main" val="45542403"/>
-      </p:ext>
-    </p:extLst>
-  </p:cSld>
-  <p:clrMapOvr>
-    <a:masterClrMapping/>
-  </p:clrMapOvr>
-  <p:timing>
-    <p:tnLst>
-      <p:par>
-        <p:cTn id="1" dur="indefinite" restart="never" nodeType="tmRoot"/>
-      </p:par>
-    </p:tnLst>
-  </p:timing>
-</p:sld>
-</file>
-
-<file path=ppt/slides/slide39.xml><?xml version="1.0" encoding="utf-8"?>
-<p:sld xmlns:a="http://schemas.openxmlformats.org/drawingml/2006/main" xmlns:r="http://schemas.openxmlformats.org/officeDocument/2006/relationships" xmlns:p="http://schemas.openxmlformats.org/presentationml/2006/main">
-  <p:cSld>
-    <p:spTree>
-      <p:nvGrpSpPr>
-        <p:cNvPr id="1" name=""/>
-        <p:cNvGrpSpPr/>
-        <p:nvPr/>
-      </p:nvGrpSpPr>
-      <p:grpSpPr>
-        <a:xfrm>
-          <a:off x="0" y="0"/>
-          <a:ext cx="0" cy="0"/>
-          <a:chOff x="0" y="0"/>
-          <a:chExt cx="0" cy="0"/>
-        </a:xfrm>
-      </p:grpSpPr>
-      <p:sp>
-        <p:nvSpPr>
-          <p:cNvPr id="2" name="Title 1"/>
-          <p:cNvSpPr>
-            <a:spLocks noGrp="1"/>
-          </p:cNvSpPr>
-          <p:nvPr>
-            <p:ph type="title"/>
-          </p:nvPr>
-        </p:nvSpPr>
-        <p:spPr/>
-        <p:txBody>
-          <a:bodyPr/>
-          <a:lstStyle/>
-          <a:p>
-            <a:r>
-              <a:rPr lang="en-US" dirty="0" smtClean="0"/>
-              <a:t>functions are generic formulas</a:t>
-            </a:r>
-            <a:endParaRPr lang="en-US" dirty="0"/>
-          </a:p>
-        </p:txBody>
-      </p:sp>
-      <p:sp>
-        <p:nvSpPr>
-          <p:cNvPr id="4" name="TextBox 3"/>
-          <p:cNvSpPr txBox="1"/>
-          <p:nvPr/>
-        </p:nvSpPr>
-        <p:spPr>
-          <a:xfrm>
-            <a:off x="365827" y="1651736"/>
-            <a:ext cx="8338444" cy="1754327"/>
-          </a:xfrm>
-          <a:prstGeom prst="rect">
-            <a:avLst/>
-          </a:prstGeom>
-          <a:noFill/>
-        </p:spPr>
-        <p:txBody>
-          <a:bodyPr wrap="square" rtlCol="0">
-            <a:spAutoFit/>
-          </a:bodyPr>
-          <a:lstStyle/>
-          <a:p>
-            <a:endParaRPr lang="en-US" dirty="0">
-              <a:solidFill>
-                <a:schemeClr val="bg1">
-                  <a:lumMod val="65000"/>
-                </a:schemeClr>
-              </a:solidFill>
-              <a:latin typeface="Monaco"/>
-              <a:cs typeface="Monaco"/>
-            </a:endParaRPr>
-          </a:p>
-          <a:p>
-            <a:r>
-              <a:rPr lang="en-US" dirty="0" smtClean="0">
-                <a:latin typeface="Monaco"/>
-                <a:cs typeface="Monaco"/>
-              </a:rPr>
-              <a:t>def triangle_area(l, w):</a:t>
-            </a:r>
-          </a:p>
-          <a:p>
-            <a:r>
-              <a:rPr lang="en-US" dirty="0">
-                <a:latin typeface="Monaco"/>
-                <a:cs typeface="Monaco"/>
-              </a:rPr>
-              <a:t>	</a:t>
-            </a:r>
-            <a:r>
-              <a:rPr lang="en-US" dirty="0" smtClean="0">
-                <a:latin typeface="Monaco"/>
-                <a:cs typeface="Monaco"/>
-              </a:rPr>
-              <a:t>area = l*w / 2.0</a:t>
-            </a:r>
-          </a:p>
-          <a:p>
-            <a:r>
-              <a:rPr lang="en-US" dirty="0">
-                <a:latin typeface="Monaco"/>
-                <a:cs typeface="Monaco"/>
-              </a:rPr>
-              <a:t>	</a:t>
-            </a:r>
-            <a:r>
-              <a:rPr lang="en-US" dirty="0" smtClean="0">
-                <a:latin typeface="Monaco"/>
-                <a:cs typeface="Monaco"/>
-              </a:rPr>
-              <a:t>return area</a:t>
-            </a:r>
-          </a:p>
-          <a:p>
-            <a:endParaRPr lang="en-US" dirty="0" smtClean="0">
-              <a:latin typeface="Monaco"/>
-              <a:cs typeface="Monaco"/>
-            </a:endParaRPr>
-          </a:p>
-          <a:p>
-            <a:r>
-              <a:rPr lang="en-US" dirty="0" smtClean="0">
-                <a:latin typeface="Monaco"/>
-                <a:cs typeface="Monaco"/>
-              </a:rPr>
-              <a:t> </a:t>
-            </a:r>
-          </a:p>
-        </p:txBody>
-      </p:sp>
-      <p:sp>
-        <p:nvSpPr>
-          <p:cNvPr id="5" name="Rectangle 4"/>
-          <p:cNvSpPr/>
-          <p:nvPr/>
-        </p:nvSpPr>
-        <p:spPr>
-          <a:xfrm>
-            <a:off x="2673665" y="2258414"/>
-            <a:ext cx="460376" cy="272062"/>
-          </a:xfrm>
-          <a:prstGeom prst="rect">
-            <a:avLst/>
-          </a:prstGeom>
-          <a:noFill/>
-          <a:ln w="28575" cmpd="sng">
-            <a:solidFill>
-              <a:schemeClr val="accent2"/>
-            </a:solidFill>
-          </a:ln>
-          <a:effectLst/>
-        </p:spPr>
-        <p:style>
-          <a:lnRef idx="1">
-            <a:schemeClr val="accent1"/>
-          </a:lnRef>
-          <a:fillRef idx="3">
-            <a:schemeClr val="accent1"/>
-          </a:fillRef>
-          <a:effectRef idx="2">
-            <a:schemeClr val="accent1"/>
-          </a:effectRef>
-          <a:fontRef idx="minor">
-            <a:schemeClr val="lt1"/>
-          </a:fontRef>
-        </p:style>
-        <p:txBody>
-          <a:bodyPr rtlCol="0" anchor="ctr"/>
-          <a:lstStyle/>
-          <a:p>
-            <a:pPr algn="ctr"/>
-            <a:endParaRPr lang="en-US"/>
-          </a:p>
-        </p:txBody>
-      </p:sp>
-      <p:sp>
-        <p:nvSpPr>
-          <p:cNvPr id="6" name="TextBox 5"/>
-          <p:cNvSpPr txBox="1"/>
-          <p:nvPr/>
-        </p:nvSpPr>
-        <p:spPr>
-          <a:xfrm>
-            <a:off x="3134041" y="2375460"/>
-            <a:ext cx="2640636" cy="383729"/>
-          </a:xfrm>
-          <a:prstGeom prst="rect">
-            <a:avLst/>
-          </a:prstGeom>
-          <a:noFill/>
-        </p:spPr>
-        <p:txBody>
-          <a:bodyPr wrap="square" rtlCol="0">
-            <a:spAutoFit/>
-          </a:bodyPr>
-          <a:lstStyle/>
-          <a:p>
-            <a:r>
-              <a:rPr lang="en-US" dirty="0" smtClean="0">
-                <a:solidFill>
-                  <a:schemeClr val="accent5"/>
-                </a:solidFill>
-              </a:rPr>
-              <a:t>Why 2.0 and not 2?</a:t>
-            </a:r>
-            <a:endParaRPr lang="en-US" dirty="0">
-              <a:solidFill>
-                <a:schemeClr val="accent5"/>
-              </a:solidFill>
-            </a:endParaRPr>
-          </a:p>
-        </p:txBody>
-      </p:sp>
-    </p:spTree>
-    <p:extLst>
-      <p:ext uri="{BB962C8B-B14F-4D97-AF65-F5344CB8AC3E}">
-        <p14:creationId xmlns:p14="http://schemas.microsoft.com/office/powerpoint/2010/main" val="926988889"/>
-      </p:ext>
-    </p:extLst>
-  </p:cSld>
-  <p:clrMapOvr>
-    <a:masterClrMapping/>
-  </p:clrMapOvr>
-</p:sld>
-</file>
-
 <file path=ppt/slides/slide4.xml><?xml version="1.0" encoding="utf-8"?>
 <p:sld xmlns:a="http://schemas.openxmlformats.org/drawingml/2006/main" xmlns:r="http://schemas.openxmlformats.org/officeDocument/2006/relationships" xmlns:p="http://schemas.openxmlformats.org/presentationml/2006/main">
   <p:cSld>
@@ -16987,2886 +13574,6 @@
     <p:extLst>
       <p:ext uri="{BB962C8B-B14F-4D97-AF65-F5344CB8AC3E}">
         <p14:creationId xmlns:p14="http://schemas.microsoft.com/office/powerpoint/2010/main" val="999148612"/>
-      </p:ext>
-    </p:extLst>
-  </p:cSld>
-  <p:clrMapOvr>
-    <a:masterClrMapping/>
-  </p:clrMapOvr>
-</p:sld>
-</file>
-
-<file path=ppt/slides/slide40.xml><?xml version="1.0" encoding="utf-8"?>
-<p:sld xmlns:a="http://schemas.openxmlformats.org/drawingml/2006/main" xmlns:r="http://schemas.openxmlformats.org/officeDocument/2006/relationships" xmlns:p="http://schemas.openxmlformats.org/presentationml/2006/main">
-  <p:cSld>
-    <p:spTree>
-      <p:nvGrpSpPr>
-        <p:cNvPr id="1" name=""/>
-        <p:cNvGrpSpPr/>
-        <p:nvPr/>
-      </p:nvGrpSpPr>
-      <p:grpSpPr>
-        <a:xfrm>
-          <a:off x="0" y="0"/>
-          <a:ext cx="0" cy="0"/>
-          <a:chOff x="0" y="0"/>
-          <a:chExt cx="0" cy="0"/>
-        </a:xfrm>
-      </p:grpSpPr>
-      <p:sp>
-        <p:nvSpPr>
-          <p:cNvPr id="2" name="Title 1"/>
-          <p:cNvSpPr>
-            <a:spLocks noGrp="1"/>
-          </p:cNvSpPr>
-          <p:nvPr>
-            <p:ph type="title"/>
-          </p:nvPr>
-        </p:nvSpPr>
-        <p:spPr/>
-        <p:txBody>
-          <a:bodyPr/>
-          <a:lstStyle/>
-          <a:p>
-            <a:r>
-              <a:rPr lang="en-US" dirty="0" smtClean="0"/>
-              <a:t>functions are generic formulas</a:t>
-            </a:r>
-            <a:endParaRPr lang="en-US" dirty="0"/>
-          </a:p>
-        </p:txBody>
-      </p:sp>
-      <p:sp>
-        <p:nvSpPr>
-          <p:cNvPr id="4" name="TextBox 3"/>
-          <p:cNvSpPr txBox="1"/>
-          <p:nvPr/>
-        </p:nvSpPr>
-        <p:spPr>
-          <a:xfrm>
-            <a:off x="365827" y="1651736"/>
-            <a:ext cx="8338444" cy="2585323"/>
-          </a:xfrm>
-          <a:prstGeom prst="rect">
-            <a:avLst/>
-          </a:prstGeom>
-          <a:noFill/>
-        </p:spPr>
-        <p:txBody>
-          <a:bodyPr wrap="square" rtlCol="0">
-            <a:spAutoFit/>
-          </a:bodyPr>
-          <a:lstStyle/>
-          <a:p>
-            <a:endParaRPr lang="en-US" dirty="0">
-              <a:solidFill>
-                <a:schemeClr val="bg1">
-                  <a:lumMod val="65000"/>
-                </a:schemeClr>
-              </a:solidFill>
-              <a:latin typeface="Monaco"/>
-              <a:cs typeface="Monaco"/>
-            </a:endParaRPr>
-          </a:p>
-          <a:p>
-            <a:r>
-              <a:rPr lang="en-US" dirty="0" smtClean="0">
-                <a:latin typeface="Monaco"/>
-                <a:cs typeface="Monaco"/>
-              </a:rPr>
-              <a:t>def triangle_area(l, w):</a:t>
-            </a:r>
-          </a:p>
-          <a:p>
-            <a:r>
-              <a:rPr lang="en-US" dirty="0">
-                <a:latin typeface="Monaco"/>
-                <a:cs typeface="Monaco"/>
-              </a:rPr>
-              <a:t>	</a:t>
-            </a:r>
-            <a:r>
-              <a:rPr lang="en-US" dirty="0" smtClean="0">
-                <a:latin typeface="Monaco"/>
-                <a:cs typeface="Monaco"/>
-              </a:rPr>
-              <a:t>area = l*w / 2.0</a:t>
-            </a:r>
-          </a:p>
-          <a:p>
-            <a:r>
-              <a:rPr lang="en-US" dirty="0">
-                <a:latin typeface="Monaco"/>
-                <a:cs typeface="Monaco"/>
-              </a:rPr>
-              <a:t>	</a:t>
-            </a:r>
-            <a:r>
-              <a:rPr lang="en-US" dirty="0" smtClean="0">
-                <a:latin typeface="Monaco"/>
-                <a:cs typeface="Monaco"/>
-              </a:rPr>
-              <a:t>return area</a:t>
-            </a:r>
-          </a:p>
-          <a:p>
-            <a:endParaRPr lang="en-US" dirty="0" smtClean="0">
-              <a:latin typeface="Monaco"/>
-              <a:cs typeface="Monaco"/>
-            </a:endParaRPr>
-          </a:p>
-          <a:p>
-            <a:endParaRPr lang="en-US" dirty="0" smtClean="0">
-              <a:latin typeface="Monaco"/>
-              <a:cs typeface="Monaco"/>
-            </a:endParaRPr>
-          </a:p>
-          <a:p>
-            <a:r>
-              <a:rPr lang="en-US" dirty="0" smtClean="0">
-                <a:latin typeface="Monaco"/>
-                <a:cs typeface="Monaco"/>
-              </a:rPr>
-              <a:t># Usage 1</a:t>
-            </a:r>
-            <a:endParaRPr lang="en-US" dirty="0">
-              <a:latin typeface="Monaco"/>
-              <a:cs typeface="Monaco"/>
-            </a:endParaRPr>
-          </a:p>
-          <a:p>
-            <a:r>
-              <a:rPr lang="en-US" dirty="0" smtClean="0">
-                <a:latin typeface="Monaco"/>
-                <a:cs typeface="Monaco"/>
-              </a:rPr>
-              <a:t>area = triangle_area(7, 6)</a:t>
-            </a:r>
-          </a:p>
-          <a:p>
-            <a:r>
-              <a:rPr lang="en-US" dirty="0" smtClean="0">
-                <a:latin typeface="Monaco"/>
-                <a:cs typeface="Monaco"/>
-              </a:rPr>
-              <a:t> </a:t>
-            </a:r>
-          </a:p>
-        </p:txBody>
-      </p:sp>
-    </p:spTree>
-    <p:extLst>
-      <p:ext uri="{BB962C8B-B14F-4D97-AF65-F5344CB8AC3E}">
-        <p14:creationId xmlns:p14="http://schemas.microsoft.com/office/powerpoint/2010/main" val="2055882085"/>
-      </p:ext>
-    </p:extLst>
-  </p:cSld>
-  <p:clrMapOvr>
-    <a:masterClrMapping/>
-  </p:clrMapOvr>
-</p:sld>
-</file>
-
-<file path=ppt/slides/slide41.xml><?xml version="1.0" encoding="utf-8"?>
-<p:sld xmlns:a="http://schemas.openxmlformats.org/drawingml/2006/main" xmlns:r="http://schemas.openxmlformats.org/officeDocument/2006/relationships" xmlns:p="http://schemas.openxmlformats.org/presentationml/2006/main">
-  <p:cSld>
-    <p:spTree>
-      <p:nvGrpSpPr>
-        <p:cNvPr id="1" name=""/>
-        <p:cNvGrpSpPr/>
-        <p:nvPr/>
-      </p:nvGrpSpPr>
-      <p:grpSpPr>
-        <a:xfrm>
-          <a:off x="0" y="0"/>
-          <a:ext cx="0" cy="0"/>
-          <a:chOff x="0" y="0"/>
-          <a:chExt cx="0" cy="0"/>
-        </a:xfrm>
-      </p:grpSpPr>
-      <p:sp>
-        <p:nvSpPr>
-          <p:cNvPr id="2" name="Title 1"/>
-          <p:cNvSpPr>
-            <a:spLocks noGrp="1"/>
-          </p:cNvSpPr>
-          <p:nvPr>
-            <p:ph type="title"/>
-          </p:nvPr>
-        </p:nvSpPr>
-        <p:spPr/>
-        <p:txBody>
-          <a:bodyPr/>
-          <a:lstStyle/>
-          <a:p>
-            <a:r>
-              <a:rPr lang="en-US" dirty="0" smtClean="0"/>
-              <a:t>functions are generic formulas</a:t>
-            </a:r>
-            <a:endParaRPr lang="en-US" dirty="0"/>
-          </a:p>
-        </p:txBody>
-      </p:sp>
-      <p:sp>
-        <p:nvSpPr>
-          <p:cNvPr id="4" name="TextBox 3"/>
-          <p:cNvSpPr txBox="1"/>
-          <p:nvPr/>
-        </p:nvSpPr>
-        <p:spPr>
-          <a:xfrm>
-            <a:off x="365827" y="1651736"/>
-            <a:ext cx="8338444" cy="3970318"/>
-          </a:xfrm>
-          <a:prstGeom prst="rect">
-            <a:avLst/>
-          </a:prstGeom>
-          <a:noFill/>
-        </p:spPr>
-        <p:txBody>
-          <a:bodyPr wrap="square" rtlCol="0">
-            <a:spAutoFit/>
-          </a:bodyPr>
-          <a:lstStyle/>
-          <a:p>
-            <a:endParaRPr lang="en-US" dirty="0">
-              <a:solidFill>
-                <a:schemeClr val="bg1">
-                  <a:lumMod val="65000"/>
-                </a:schemeClr>
-              </a:solidFill>
-              <a:latin typeface="Monaco"/>
-              <a:cs typeface="Monaco"/>
-            </a:endParaRPr>
-          </a:p>
-          <a:p>
-            <a:r>
-              <a:rPr lang="en-US" dirty="0" smtClean="0">
-                <a:latin typeface="Monaco"/>
-                <a:cs typeface="Monaco"/>
-              </a:rPr>
-              <a:t>def triangle_area(l, w):</a:t>
-            </a:r>
-          </a:p>
-          <a:p>
-            <a:r>
-              <a:rPr lang="en-US" dirty="0">
-                <a:latin typeface="Monaco"/>
-                <a:cs typeface="Monaco"/>
-              </a:rPr>
-              <a:t>	</a:t>
-            </a:r>
-            <a:r>
-              <a:rPr lang="en-US" dirty="0" smtClean="0">
-                <a:latin typeface="Monaco"/>
-                <a:cs typeface="Monaco"/>
-              </a:rPr>
-              <a:t>area = l*w / 2.0</a:t>
-            </a:r>
-          </a:p>
-          <a:p>
-            <a:r>
-              <a:rPr lang="en-US" dirty="0">
-                <a:latin typeface="Monaco"/>
-                <a:cs typeface="Monaco"/>
-              </a:rPr>
-              <a:t>	</a:t>
-            </a:r>
-            <a:r>
-              <a:rPr lang="en-US" dirty="0" smtClean="0">
-                <a:latin typeface="Monaco"/>
-                <a:cs typeface="Monaco"/>
-              </a:rPr>
-              <a:t>return area</a:t>
-            </a:r>
-          </a:p>
-          <a:p>
-            <a:endParaRPr lang="en-US" dirty="0" smtClean="0">
-              <a:latin typeface="Monaco"/>
-              <a:cs typeface="Monaco"/>
-            </a:endParaRPr>
-          </a:p>
-          <a:p>
-            <a:endParaRPr lang="en-US" dirty="0" smtClean="0">
-              <a:latin typeface="Monaco"/>
-              <a:cs typeface="Monaco"/>
-            </a:endParaRPr>
-          </a:p>
-          <a:p>
-            <a:r>
-              <a:rPr lang="en-US" dirty="0" smtClean="0">
-                <a:latin typeface="Monaco"/>
-                <a:cs typeface="Monaco"/>
-              </a:rPr>
-              <a:t># Usage 1</a:t>
-            </a:r>
-            <a:endParaRPr lang="en-US" dirty="0">
-              <a:latin typeface="Monaco"/>
-              <a:cs typeface="Monaco"/>
-            </a:endParaRPr>
-          </a:p>
-          <a:p>
-            <a:r>
-              <a:rPr lang="en-US" dirty="0" smtClean="0">
-                <a:latin typeface="Monaco"/>
-                <a:cs typeface="Monaco"/>
-              </a:rPr>
-              <a:t>area = triangle_area(7, 6)</a:t>
-            </a:r>
-          </a:p>
-          <a:p>
-            <a:endParaRPr lang="en-US" dirty="0" smtClean="0">
-              <a:latin typeface="Monaco"/>
-              <a:cs typeface="Monaco"/>
-            </a:endParaRPr>
-          </a:p>
-          <a:p>
-            <a:r>
-              <a:rPr lang="en-US" dirty="0" smtClean="0">
-                <a:latin typeface="Monaco"/>
-                <a:cs typeface="Monaco"/>
-              </a:rPr>
-              <a:t># Usage 2</a:t>
-            </a:r>
-          </a:p>
-          <a:p>
-            <a:r>
-              <a:rPr lang="en-US" dirty="0" smtClean="0">
-                <a:latin typeface="Monaco"/>
-                <a:cs typeface="Monaco"/>
-              </a:rPr>
-              <a:t>length = 7</a:t>
-            </a:r>
-          </a:p>
-          <a:p>
-            <a:r>
-              <a:rPr lang="en-US" dirty="0" smtClean="0">
-                <a:latin typeface="Monaco"/>
-                <a:cs typeface="Monaco"/>
-              </a:rPr>
-              <a:t>width = 6</a:t>
-            </a:r>
-          </a:p>
-          <a:p>
-            <a:r>
-              <a:rPr lang="en-US" dirty="0" smtClean="0">
-                <a:latin typeface="Monaco"/>
-                <a:cs typeface="Monaco"/>
-              </a:rPr>
-              <a:t>area = triangle_area(length, width)</a:t>
-            </a:r>
-          </a:p>
-          <a:p>
-            <a:r>
-              <a:rPr lang="en-US" dirty="0" smtClean="0">
-                <a:latin typeface="Monaco"/>
-                <a:cs typeface="Monaco"/>
-              </a:rPr>
-              <a:t> </a:t>
-            </a:r>
-          </a:p>
-        </p:txBody>
-      </p:sp>
-    </p:spTree>
-    <p:extLst>
-      <p:ext uri="{BB962C8B-B14F-4D97-AF65-F5344CB8AC3E}">
-        <p14:creationId xmlns:p14="http://schemas.microsoft.com/office/powerpoint/2010/main" val="198322365"/>
-      </p:ext>
-    </p:extLst>
-  </p:cSld>
-  <p:clrMapOvr>
-    <a:masterClrMapping/>
-  </p:clrMapOvr>
-  <p:timing>
-    <p:tnLst>
-      <p:par>
-        <p:cTn id="1" dur="indefinite" restart="never" nodeType="tmRoot"/>
-      </p:par>
-    </p:tnLst>
-  </p:timing>
-</p:sld>
-</file>
-
-<file path=ppt/slides/slide42.xml><?xml version="1.0" encoding="utf-8"?>
-<p:sld xmlns:a="http://schemas.openxmlformats.org/drawingml/2006/main" xmlns:r="http://schemas.openxmlformats.org/officeDocument/2006/relationships" xmlns:p="http://schemas.openxmlformats.org/presentationml/2006/main">
-  <p:cSld>
-    <p:spTree>
-      <p:nvGrpSpPr>
-        <p:cNvPr id="1" name=""/>
-        <p:cNvGrpSpPr/>
-        <p:nvPr/>
-      </p:nvGrpSpPr>
-      <p:grpSpPr>
-        <a:xfrm>
-          <a:off x="0" y="0"/>
-          <a:ext cx="0" cy="0"/>
-          <a:chOff x="0" y="0"/>
-          <a:chExt cx="0" cy="0"/>
-        </a:xfrm>
-      </p:grpSpPr>
-      <p:sp>
-        <p:nvSpPr>
-          <p:cNvPr id="2" name="Title 1"/>
-          <p:cNvSpPr>
-            <a:spLocks noGrp="1"/>
-          </p:cNvSpPr>
-          <p:nvPr>
-            <p:ph type="title"/>
-          </p:nvPr>
-        </p:nvSpPr>
-        <p:spPr/>
-        <p:txBody>
-          <a:bodyPr/>
-          <a:lstStyle/>
-          <a:p>
-            <a:r>
-              <a:rPr lang="en-US" dirty="0" smtClean="0"/>
-              <a:t>functions are generic formulas</a:t>
-            </a:r>
-            <a:endParaRPr lang="en-US" dirty="0"/>
-          </a:p>
-        </p:txBody>
-      </p:sp>
-      <p:sp>
-        <p:nvSpPr>
-          <p:cNvPr id="4" name="TextBox 3"/>
-          <p:cNvSpPr txBox="1"/>
-          <p:nvPr/>
-        </p:nvSpPr>
-        <p:spPr>
-          <a:xfrm>
-            <a:off x="324884" y="1419724"/>
-            <a:ext cx="8338444" cy="5940088"/>
-          </a:xfrm>
-          <a:prstGeom prst="rect">
-            <a:avLst/>
-          </a:prstGeom>
-          <a:noFill/>
-        </p:spPr>
-        <p:txBody>
-          <a:bodyPr wrap="square" rtlCol="0">
-            <a:spAutoFit/>
-          </a:bodyPr>
-          <a:lstStyle/>
-          <a:p>
-            <a:endParaRPr lang="en-US" sz="2000" dirty="0">
-              <a:solidFill>
-                <a:schemeClr val="bg1">
-                  <a:lumMod val="65000"/>
-                </a:schemeClr>
-              </a:solidFill>
-              <a:latin typeface="Monaco"/>
-              <a:cs typeface="Monaco"/>
-            </a:endParaRPr>
-          </a:p>
-          <a:p>
-            <a:r>
-              <a:rPr lang="en-US" sz="2000" dirty="0" smtClean="0">
-                <a:latin typeface="Monaco"/>
-                <a:cs typeface="Monaco"/>
-              </a:rPr>
-              <a:t>def triangle_area(l, w):</a:t>
-            </a:r>
-          </a:p>
-          <a:p>
-            <a:r>
-              <a:rPr lang="en-US" sz="2000" dirty="0">
-                <a:latin typeface="Monaco"/>
-                <a:cs typeface="Monaco"/>
-              </a:rPr>
-              <a:t>	</a:t>
-            </a:r>
-            <a:r>
-              <a:rPr lang="en-US" sz="2000" dirty="0" smtClean="0">
-                <a:latin typeface="Monaco"/>
-                <a:cs typeface="Monaco"/>
-              </a:rPr>
-              <a:t>area = </a:t>
-            </a:r>
-            <a:r>
-              <a:rPr lang="en-US" sz="2000" dirty="0" smtClean="0">
-                <a:latin typeface="Monaco"/>
-                <a:cs typeface="Monaco"/>
-              </a:rPr>
-              <a:t>(l</a:t>
-            </a:r>
-            <a:r>
-              <a:rPr lang="en-US" sz="2000" dirty="0" smtClean="0">
-                <a:latin typeface="Monaco"/>
-                <a:cs typeface="Monaco"/>
-              </a:rPr>
-              <a:t>*w) </a:t>
-            </a:r>
-            <a:r>
-              <a:rPr lang="en-US" sz="2000" dirty="0" smtClean="0">
-                <a:latin typeface="Monaco"/>
-                <a:cs typeface="Monaco"/>
-              </a:rPr>
-              <a:t>/ 2.0</a:t>
-            </a:r>
-          </a:p>
-          <a:p>
-            <a:r>
-              <a:rPr lang="en-US" sz="2000" dirty="0">
-                <a:latin typeface="Monaco"/>
-                <a:cs typeface="Monaco"/>
-              </a:rPr>
-              <a:t>	</a:t>
-            </a:r>
-            <a:r>
-              <a:rPr lang="en-US" sz="2000" dirty="0" smtClean="0">
-                <a:latin typeface="Monaco"/>
-                <a:cs typeface="Monaco"/>
-              </a:rPr>
-              <a:t>return </a:t>
-            </a:r>
-            <a:r>
-              <a:rPr lang="en-US" sz="2000" dirty="0" smtClean="0">
-                <a:latin typeface="Monaco"/>
-                <a:cs typeface="Monaco"/>
-              </a:rPr>
-              <a:t>area</a:t>
-            </a:r>
-            <a:endParaRPr lang="en-US" sz="2000" dirty="0" smtClean="0">
-              <a:latin typeface="Monaco"/>
-              <a:cs typeface="Monaco"/>
-            </a:endParaRPr>
-          </a:p>
-          <a:p>
-            <a:endParaRPr lang="en-US" sz="2000" dirty="0" smtClean="0">
-              <a:latin typeface="Monaco"/>
-              <a:cs typeface="Monaco"/>
-            </a:endParaRPr>
-          </a:p>
-          <a:p>
-            <a:r>
-              <a:rPr lang="en-US" sz="2000" dirty="0" smtClean="0">
-                <a:solidFill>
-                  <a:schemeClr val="accent3">
-                    <a:lumMod val="60000"/>
-                    <a:lumOff val="40000"/>
-                  </a:schemeClr>
-                </a:solidFill>
-                <a:latin typeface="Monaco"/>
-                <a:cs typeface="Monaco"/>
-              </a:rPr>
-              <a:t># Usage 1</a:t>
-            </a:r>
-            <a:endParaRPr lang="en-US" sz="2000" dirty="0">
-              <a:solidFill>
-                <a:schemeClr val="accent3">
-                  <a:lumMod val="60000"/>
-                  <a:lumOff val="40000"/>
-                </a:schemeClr>
-              </a:solidFill>
-              <a:latin typeface="Monaco"/>
-              <a:cs typeface="Monaco"/>
-            </a:endParaRPr>
-          </a:p>
-          <a:p>
-            <a:r>
-              <a:rPr lang="en-US" sz="2000" dirty="0" smtClean="0">
-                <a:latin typeface="Monaco"/>
-                <a:cs typeface="Monaco"/>
-              </a:rPr>
-              <a:t>area = triangle_area(7, 6)</a:t>
-            </a:r>
-          </a:p>
-          <a:p>
-            <a:endParaRPr lang="en-US" sz="2000" dirty="0" smtClean="0">
-              <a:latin typeface="Monaco"/>
-              <a:cs typeface="Monaco"/>
-            </a:endParaRPr>
-          </a:p>
-          <a:p>
-            <a:r>
-              <a:rPr lang="en-US" sz="2000" dirty="0" smtClean="0">
-                <a:solidFill>
-                  <a:schemeClr val="accent3">
-                    <a:lumMod val="60000"/>
-                    <a:lumOff val="40000"/>
-                  </a:schemeClr>
-                </a:solidFill>
-                <a:latin typeface="Monaco"/>
-                <a:cs typeface="Monaco"/>
-              </a:rPr>
-              <a:t># Usage 2</a:t>
-            </a:r>
-          </a:p>
-          <a:p>
-            <a:r>
-              <a:rPr lang="en-US" sz="2000" dirty="0" smtClean="0">
-                <a:latin typeface="Monaco"/>
-                <a:cs typeface="Monaco"/>
-              </a:rPr>
-              <a:t>length = 7</a:t>
-            </a:r>
-          </a:p>
-          <a:p>
-            <a:r>
-              <a:rPr lang="en-US" sz="2000" dirty="0" smtClean="0">
-                <a:latin typeface="Monaco"/>
-                <a:cs typeface="Monaco"/>
-              </a:rPr>
-              <a:t>width = 6</a:t>
-            </a:r>
-          </a:p>
-          <a:p>
-            <a:r>
-              <a:rPr lang="en-US" sz="2000" dirty="0" smtClean="0">
-                <a:latin typeface="Monaco"/>
-                <a:cs typeface="Monaco"/>
-              </a:rPr>
-              <a:t>area = triangle_area(length, width)</a:t>
-            </a:r>
-          </a:p>
-          <a:p>
-            <a:endParaRPr lang="en-US" sz="2000" dirty="0">
-              <a:latin typeface="Monaco"/>
-              <a:cs typeface="Monaco"/>
-            </a:endParaRPr>
-          </a:p>
-          <a:p>
-            <a:r>
-              <a:rPr lang="en-US" sz="2000" dirty="0" smtClean="0">
-                <a:solidFill>
-                  <a:schemeClr val="accent3">
-                    <a:lumMod val="60000"/>
-                    <a:lumOff val="40000"/>
-                  </a:schemeClr>
-                </a:solidFill>
-                <a:latin typeface="Monaco"/>
-                <a:cs typeface="Monaco"/>
-              </a:rPr>
-              <a:t># Usage 3</a:t>
-            </a:r>
-          </a:p>
-          <a:p>
-            <a:r>
-              <a:rPr lang="en-US" sz="2000" dirty="0" smtClean="0">
-                <a:latin typeface="Monaco"/>
-                <a:cs typeface="Monaco"/>
-              </a:rPr>
-              <a:t>l = 7</a:t>
-            </a:r>
-          </a:p>
-          <a:p>
-            <a:r>
-              <a:rPr lang="en-US" sz="2000" dirty="0" smtClean="0">
-                <a:latin typeface="Monaco"/>
-                <a:cs typeface="Monaco"/>
-              </a:rPr>
-              <a:t>w = 6</a:t>
-            </a:r>
-          </a:p>
-          <a:p>
-            <a:r>
-              <a:rPr lang="en-US" sz="2000" dirty="0" smtClean="0">
-                <a:latin typeface="Monaco"/>
-                <a:cs typeface="Monaco"/>
-              </a:rPr>
-              <a:t>area = triangle_area(l, w)</a:t>
-            </a:r>
-            <a:endParaRPr lang="en-US" sz="2000" dirty="0">
-              <a:latin typeface="Monaco"/>
-              <a:cs typeface="Monaco"/>
-            </a:endParaRPr>
-          </a:p>
-          <a:p>
-            <a:endParaRPr lang="en-US" sz="2000" dirty="0" smtClean="0">
-              <a:latin typeface="Monaco"/>
-              <a:cs typeface="Monaco"/>
-            </a:endParaRPr>
-          </a:p>
-          <a:p>
-            <a:r>
-              <a:rPr lang="en-US" sz="2000" dirty="0" smtClean="0">
-                <a:latin typeface="Monaco"/>
-                <a:cs typeface="Monaco"/>
-              </a:rPr>
-              <a:t> </a:t>
-            </a:r>
-          </a:p>
-        </p:txBody>
-      </p:sp>
-    </p:spTree>
-    <p:extLst>
-      <p:ext uri="{BB962C8B-B14F-4D97-AF65-F5344CB8AC3E}">
-        <p14:creationId xmlns:p14="http://schemas.microsoft.com/office/powerpoint/2010/main" val="309368411"/>
-      </p:ext>
-    </p:extLst>
-  </p:cSld>
-  <p:clrMapOvr>
-    <a:masterClrMapping/>
-  </p:clrMapOvr>
-  <p:timing>
-    <p:tnLst>
-      <p:par>
-        <p:cTn id="1" dur="indefinite" restart="never" nodeType="tmRoot"/>
-      </p:par>
-    </p:tnLst>
-  </p:timing>
-</p:sld>
-</file>
-
-<file path=ppt/slides/slide43.xml><?xml version="1.0" encoding="utf-8"?>
-<p:sld xmlns:a="http://schemas.openxmlformats.org/drawingml/2006/main" xmlns:r="http://schemas.openxmlformats.org/officeDocument/2006/relationships" xmlns:p="http://schemas.openxmlformats.org/presentationml/2006/main">
-  <p:cSld>
-    <p:spTree>
-      <p:nvGrpSpPr>
-        <p:cNvPr id="1" name=""/>
-        <p:cNvGrpSpPr/>
-        <p:nvPr/>
-      </p:nvGrpSpPr>
-      <p:grpSpPr>
-        <a:xfrm>
-          <a:off x="0" y="0"/>
-          <a:ext cx="0" cy="0"/>
-          <a:chOff x="0" y="0"/>
-          <a:chExt cx="0" cy="0"/>
-        </a:xfrm>
-      </p:grpSpPr>
-      <p:sp>
-        <p:nvSpPr>
-          <p:cNvPr id="2" name="Title 1"/>
-          <p:cNvSpPr>
-            <a:spLocks noGrp="1"/>
-          </p:cNvSpPr>
-          <p:nvPr>
-            <p:ph type="title"/>
-          </p:nvPr>
-        </p:nvSpPr>
-        <p:spPr/>
-        <p:txBody>
-          <a:bodyPr/>
-          <a:lstStyle/>
-          <a:p>
-            <a:r>
-              <a:rPr lang="en-US" dirty="0" smtClean="0"/>
-              <a:t>use test cases to ensure your function works</a:t>
-            </a:r>
-            <a:endParaRPr lang="en-US" dirty="0"/>
-          </a:p>
-        </p:txBody>
-      </p:sp>
-      <p:sp>
-        <p:nvSpPr>
-          <p:cNvPr id="3" name="Content Placeholder 2"/>
-          <p:cNvSpPr>
-            <a:spLocks noGrp="1"/>
-          </p:cNvSpPr>
-          <p:nvPr>
-            <p:ph idx="1"/>
-          </p:nvPr>
-        </p:nvSpPr>
-        <p:spPr/>
-        <p:txBody>
-          <a:bodyPr/>
-          <a:lstStyle/>
-          <a:p>
-            <a:pPr marL="457200" indent="-457200">
-              <a:buFont typeface="Arial"/>
-              <a:buChar char="•"/>
-            </a:pPr>
-            <a:r>
-              <a:rPr lang="en-US" dirty="0" smtClean="0"/>
-              <a:t>After writing a function, *always* test it with input that you know should work</a:t>
-            </a:r>
-          </a:p>
-        </p:txBody>
-      </p:sp>
-      <p:sp>
-        <p:nvSpPr>
-          <p:cNvPr id="4" name="TextBox 3"/>
-          <p:cNvSpPr txBox="1"/>
-          <p:nvPr/>
-        </p:nvSpPr>
-        <p:spPr>
-          <a:xfrm>
-            <a:off x="457199" y="2817044"/>
-            <a:ext cx="8338444" cy="3170099"/>
-          </a:xfrm>
-          <a:prstGeom prst="rect">
-            <a:avLst/>
-          </a:prstGeom>
-          <a:noFill/>
-        </p:spPr>
-        <p:txBody>
-          <a:bodyPr wrap="square" rtlCol="0">
-            <a:spAutoFit/>
-          </a:bodyPr>
-          <a:lstStyle/>
-          <a:p>
-            <a:endParaRPr lang="en-US" sz="2000" dirty="0">
-              <a:solidFill>
-                <a:schemeClr val="bg1">
-                  <a:lumMod val="65000"/>
-                </a:schemeClr>
-              </a:solidFill>
-              <a:latin typeface="Monaco"/>
-              <a:cs typeface="Monaco"/>
-            </a:endParaRPr>
-          </a:p>
-          <a:p>
-            <a:r>
-              <a:rPr lang="en-US" sz="2000" dirty="0" smtClean="0">
-                <a:latin typeface="Monaco"/>
-                <a:cs typeface="Monaco"/>
-              </a:rPr>
-              <a:t>def triangle_area(l, w):</a:t>
-            </a:r>
-          </a:p>
-          <a:p>
-            <a:r>
-              <a:rPr lang="en-US" sz="2000" dirty="0">
-                <a:latin typeface="Monaco"/>
-                <a:cs typeface="Monaco"/>
-              </a:rPr>
-              <a:t>	</a:t>
-            </a:r>
-            <a:r>
-              <a:rPr lang="en-US" sz="2000" dirty="0" smtClean="0">
-                <a:latin typeface="Monaco"/>
-                <a:cs typeface="Monaco"/>
-              </a:rPr>
-              <a:t>area = l*w/ 2.0</a:t>
-            </a:r>
-          </a:p>
-          <a:p>
-            <a:r>
-              <a:rPr lang="en-US" sz="2000" dirty="0">
-                <a:latin typeface="Monaco"/>
-                <a:cs typeface="Monaco"/>
-              </a:rPr>
-              <a:t>	</a:t>
-            </a:r>
-            <a:r>
-              <a:rPr lang="en-US" sz="2000" dirty="0" smtClean="0">
-                <a:latin typeface="Monaco"/>
-                <a:cs typeface="Monaco"/>
-              </a:rPr>
-              <a:t>return area</a:t>
-            </a:r>
-          </a:p>
-          <a:p>
-            <a:endParaRPr lang="en-US" sz="2000" dirty="0">
-              <a:latin typeface="Monaco"/>
-              <a:cs typeface="Monaco"/>
-            </a:endParaRPr>
-          </a:p>
-          <a:p>
-            <a:r>
-              <a:rPr lang="en-US" sz="2000" dirty="0" smtClean="0">
-                <a:solidFill>
-                  <a:schemeClr val="accent3">
-                    <a:lumMod val="60000"/>
-                    <a:lumOff val="40000"/>
-                  </a:schemeClr>
-                </a:solidFill>
-                <a:latin typeface="Monaco"/>
-                <a:cs typeface="Monaco"/>
-              </a:rPr>
-              <a:t># Before using the function all over the place, make sure </a:t>
-            </a:r>
-            <a:r>
-              <a:rPr lang="en-US" sz="2000" dirty="0" smtClean="0">
-                <a:solidFill>
-                  <a:schemeClr val="accent3">
-                    <a:lumMod val="60000"/>
-                    <a:lumOff val="40000"/>
-                  </a:schemeClr>
-                </a:solidFill>
-                <a:latin typeface="Monaco"/>
-                <a:cs typeface="Monaco"/>
-              </a:rPr>
-              <a:t>that </a:t>
-            </a:r>
-            <a:r>
-              <a:rPr lang="en-US" sz="2000" dirty="0" smtClean="0">
-                <a:solidFill>
-                  <a:schemeClr val="accent3">
-                    <a:lumMod val="60000"/>
-                    <a:lumOff val="40000"/>
-                  </a:schemeClr>
-                </a:solidFill>
-                <a:latin typeface="Monaco"/>
-                <a:cs typeface="Monaco"/>
-              </a:rPr>
-              <a:t>l=7, w=6 prints </a:t>
-            </a:r>
-            <a:r>
-              <a:rPr lang="en-US" sz="2000" dirty="0" smtClean="0">
-                <a:solidFill>
-                  <a:schemeClr val="accent3">
-                    <a:lumMod val="60000"/>
-                    <a:lumOff val="40000"/>
-                  </a:schemeClr>
-                </a:solidFill>
-                <a:latin typeface="Monaco"/>
-                <a:cs typeface="Monaco"/>
-              </a:rPr>
-              <a:t>21</a:t>
-            </a:r>
-            <a:endParaRPr lang="en-US" sz="2000" dirty="0" smtClean="0">
-              <a:latin typeface="Monaco"/>
-              <a:cs typeface="Monaco"/>
-            </a:endParaRPr>
-          </a:p>
-          <a:p>
-            <a:r>
-              <a:rPr lang="en-US" sz="2000" dirty="0" smtClean="0">
-                <a:latin typeface="Monaco"/>
-                <a:cs typeface="Monaco"/>
-              </a:rPr>
-              <a:t>print(</a:t>
-            </a:r>
-            <a:r>
-              <a:rPr lang="en-US" sz="2000" dirty="0" err="1" smtClean="0">
-                <a:latin typeface="Monaco"/>
-                <a:cs typeface="Monaco"/>
-              </a:rPr>
-              <a:t>triangle_area</a:t>
-            </a:r>
-            <a:r>
-              <a:rPr lang="en-US" sz="2000" dirty="0" smtClean="0">
-                <a:latin typeface="Monaco"/>
-                <a:cs typeface="Monaco"/>
-              </a:rPr>
-              <a:t>(7,6))</a:t>
-            </a:r>
-            <a:endParaRPr lang="en-US" sz="2000" dirty="0" smtClean="0">
-              <a:latin typeface="Monaco"/>
-              <a:cs typeface="Monaco"/>
-            </a:endParaRPr>
-          </a:p>
-          <a:p>
-            <a:r>
-              <a:rPr lang="en-US" sz="2000" dirty="0">
-                <a:latin typeface="Monaco"/>
-                <a:cs typeface="Monaco"/>
-              </a:rPr>
-              <a:t>	</a:t>
-            </a:r>
-            <a:r>
-              <a:rPr lang="en-US" sz="2000" dirty="0" smtClean="0">
-                <a:solidFill>
-                  <a:schemeClr val="bg1">
-                    <a:lumMod val="65000"/>
-                  </a:schemeClr>
-                </a:solidFill>
-                <a:latin typeface="Monaco"/>
-                <a:cs typeface="Monaco"/>
-              </a:rPr>
-              <a:t>21</a:t>
-            </a:r>
-            <a:endParaRPr lang="en-US" sz="2000" dirty="0">
-              <a:solidFill>
-                <a:schemeClr val="bg1">
-                  <a:lumMod val="65000"/>
-                </a:schemeClr>
-              </a:solidFill>
-              <a:latin typeface="Monaco"/>
-              <a:cs typeface="Monaco"/>
-            </a:endParaRPr>
-          </a:p>
-          <a:p>
-            <a:endParaRPr lang="en-US" sz="2000" dirty="0" smtClean="0">
-              <a:latin typeface="Monaco"/>
-              <a:cs typeface="Monaco"/>
-            </a:endParaRPr>
-          </a:p>
-        </p:txBody>
-      </p:sp>
-    </p:spTree>
-    <p:extLst>
-      <p:ext uri="{BB962C8B-B14F-4D97-AF65-F5344CB8AC3E}">
-        <p14:creationId xmlns:p14="http://schemas.microsoft.com/office/powerpoint/2010/main" val="1082988847"/>
-      </p:ext>
-    </p:extLst>
-  </p:cSld>
-  <p:clrMapOvr>
-    <a:masterClrMapping/>
-  </p:clrMapOvr>
-  <p:timing>
-    <p:tnLst>
-      <p:par>
-        <p:cTn id="1" dur="indefinite" restart="never" nodeType="tmRoot">
-          <p:childTnLst>
-            <p:seq concurrent="1" nextAc="seek">
-              <p:cTn id="2" dur="indefinite" nodeType="mainSeq">
-                <p:childTnLst>
-                  <p:par>
-                    <p:cTn id="3" fill="hold">
-                      <p:stCondLst>
-                        <p:cond delay="indefinite"/>
-                      </p:stCondLst>
-                      <p:childTnLst>
-                        <p:par>
-                          <p:cTn id="4" fill="hold">
-                            <p:stCondLst>
-                              <p:cond delay="0"/>
-                            </p:stCondLst>
-                            <p:childTnLst>
-                              <p:par>
-                                <p:cTn id="5" presetID="1" presetClass="entr" presetSubtype="0" fill="hold" grpId="0" nodeType="clickEffect">
-                                  <p:stCondLst>
-                                    <p:cond delay="0"/>
-                                  </p:stCondLst>
-                                  <p:childTnLst>
-                                    <p:set>
-                                      <p:cBhvr>
-                                        <p:cTn id="6" dur="1" fill="hold">
-                                          <p:stCondLst>
-                                            <p:cond delay="0"/>
-                                          </p:stCondLst>
-                                        </p:cTn>
-                                        <p:tgtEl>
-                                          <p:spTgt spid="4"/>
-                                        </p:tgtEl>
-                                        <p:attrNameLst>
-                                          <p:attrName>style.visibility</p:attrName>
-                                        </p:attrNameLst>
-                                      </p:cBhvr>
-                                      <p:to>
-                                        <p:strVal val="visible"/>
-                                      </p:to>
-                                    </p:set>
-                                  </p:childTnLst>
-                                </p:cTn>
-                              </p:par>
-                            </p:childTnLst>
-                          </p:cTn>
-                        </p:par>
-                      </p:childTnLst>
-                    </p:cTn>
-                  </p:par>
-                </p:childTnLst>
-              </p:cTn>
-              <p:prevCondLst>
-                <p:cond evt="onPrev" delay="0">
-                  <p:tgtEl>
-                    <p:sldTgt/>
-                  </p:tgtEl>
-                </p:cond>
-              </p:prevCondLst>
-              <p:nextCondLst>
-                <p:cond evt="onNext" delay="0">
-                  <p:tgtEl>
-                    <p:sldTgt/>
-                  </p:tgtEl>
-                </p:cond>
-              </p:nextCondLst>
-            </p:seq>
-          </p:childTnLst>
-        </p:cTn>
-      </p:par>
-    </p:tnLst>
-    <p:bldLst>
-      <p:bldP spid="4" grpId="0"/>
-    </p:bldLst>
-  </p:timing>
-</p:sld>
-</file>
-
-<file path=ppt/slides/slide44.xml><?xml version="1.0" encoding="utf-8"?>
-<p:sld xmlns:a="http://schemas.openxmlformats.org/drawingml/2006/main" xmlns:r="http://schemas.openxmlformats.org/officeDocument/2006/relationships" xmlns:p="http://schemas.openxmlformats.org/presentationml/2006/main">
-  <p:cSld>
-    <p:spTree>
-      <p:nvGrpSpPr>
-        <p:cNvPr id="1" name=""/>
-        <p:cNvGrpSpPr/>
-        <p:nvPr/>
-      </p:nvGrpSpPr>
-      <p:grpSpPr>
-        <a:xfrm>
-          <a:off x="0" y="0"/>
-          <a:ext cx="0" cy="0"/>
-          <a:chOff x="0" y="0"/>
-          <a:chExt cx="0" cy="0"/>
-        </a:xfrm>
-      </p:grpSpPr>
-      <p:sp>
-        <p:nvSpPr>
-          <p:cNvPr id="2" name="Title 1"/>
-          <p:cNvSpPr>
-            <a:spLocks noGrp="1"/>
-          </p:cNvSpPr>
-          <p:nvPr>
-            <p:ph type="title"/>
-          </p:nvPr>
-        </p:nvSpPr>
-        <p:spPr/>
-        <p:txBody>
-          <a:bodyPr/>
-          <a:lstStyle/>
-          <a:p>
-            <a:r>
-              <a:rPr lang="en-US" dirty="0" smtClean="0"/>
-              <a:t>a note on scope</a:t>
-            </a:r>
-            <a:endParaRPr lang="en-US" dirty="0"/>
-          </a:p>
-        </p:txBody>
-      </p:sp>
-      <p:sp>
-        <p:nvSpPr>
-          <p:cNvPr id="3" name="Content Placeholder 2"/>
-          <p:cNvSpPr>
-            <a:spLocks noGrp="1"/>
-          </p:cNvSpPr>
-          <p:nvPr>
-            <p:ph idx="1"/>
-          </p:nvPr>
-        </p:nvSpPr>
-        <p:spPr/>
-        <p:txBody>
-          <a:bodyPr>
-            <a:normAutofit/>
-          </a:bodyPr>
-          <a:lstStyle/>
-          <a:p>
-            <a:pPr marL="457200" indent="-457200">
-              <a:buFont typeface="Arial"/>
-              <a:buChar char="•"/>
-            </a:pPr>
-            <a:r>
-              <a:rPr lang="en-US" dirty="0" smtClean="0"/>
-              <a:t>Scope: the portion of your code where a certain variable/function exists</a:t>
-            </a:r>
-          </a:p>
-          <a:p>
-            <a:pPr marL="457200" indent="-457200">
-              <a:buFont typeface="Arial"/>
-              <a:buChar char="•"/>
-            </a:pPr>
-            <a:endParaRPr lang="en-US" dirty="0"/>
-          </a:p>
-          <a:p>
-            <a:pPr marL="457200" indent="-457200">
-              <a:buFont typeface="Arial"/>
-              <a:buChar char="•"/>
-            </a:pPr>
-            <a:r>
-              <a:rPr lang="en-US" dirty="0" smtClean="0"/>
-              <a:t>In Python, scope is basically top-to-bottom</a:t>
-            </a:r>
-          </a:p>
-          <a:p>
-            <a:pPr marL="457200" indent="-457200">
-              <a:buFont typeface="Arial"/>
-              <a:buChar char="•"/>
-            </a:pPr>
-            <a:endParaRPr lang="en-US" dirty="0" smtClean="0"/>
-          </a:p>
-          <a:p>
-            <a:pPr marL="457200" indent="-457200">
-              <a:buFont typeface="Arial"/>
-              <a:buChar char="•"/>
-            </a:pPr>
-            <a:r>
-              <a:rPr lang="en-US" dirty="0" smtClean="0"/>
-              <a:t>Punch-line: define functions at the *top* of your script!</a:t>
-            </a:r>
-          </a:p>
-        </p:txBody>
-      </p:sp>
-    </p:spTree>
-    <p:extLst>
-      <p:ext uri="{BB962C8B-B14F-4D97-AF65-F5344CB8AC3E}">
-        <p14:creationId xmlns:p14="http://schemas.microsoft.com/office/powerpoint/2010/main" val="1869643204"/>
-      </p:ext>
-    </p:extLst>
-  </p:cSld>
-  <p:clrMapOvr>
-    <a:masterClrMapping/>
-  </p:clrMapOvr>
-  <p:timing>
-    <p:tnLst>
-      <p:par>
-        <p:cTn id="1" dur="indefinite" restart="never" nodeType="tmRoot"/>
-      </p:par>
-    </p:tnLst>
-  </p:timing>
-</p:sld>
-</file>
-
-<file path=ppt/slides/slide45.xml><?xml version="1.0" encoding="utf-8"?>
-<p:sld xmlns:a="http://schemas.openxmlformats.org/drawingml/2006/main" xmlns:r="http://schemas.openxmlformats.org/officeDocument/2006/relationships" xmlns:p="http://schemas.openxmlformats.org/presentationml/2006/main">
-  <p:cSld>
-    <p:spTree>
-      <p:nvGrpSpPr>
-        <p:cNvPr id="1" name=""/>
-        <p:cNvGrpSpPr/>
-        <p:nvPr/>
-      </p:nvGrpSpPr>
-      <p:grpSpPr>
-        <a:xfrm>
-          <a:off x="0" y="0"/>
-          <a:ext cx="0" cy="0"/>
-          <a:chOff x="0" y="0"/>
-          <a:chExt cx="0" cy="0"/>
-        </a:xfrm>
-      </p:grpSpPr>
-      <p:sp>
-        <p:nvSpPr>
-          <p:cNvPr id="2" name="Title 1"/>
-          <p:cNvSpPr>
-            <a:spLocks noGrp="1"/>
-          </p:cNvSpPr>
-          <p:nvPr>
-            <p:ph type="title"/>
-          </p:nvPr>
-        </p:nvSpPr>
-        <p:spPr/>
-        <p:txBody>
-          <a:bodyPr/>
-          <a:lstStyle/>
-          <a:p>
-            <a:r>
-              <a:rPr lang="en-US" dirty="0" smtClean="0"/>
-              <a:t>functions don't need to return anything!</a:t>
-            </a:r>
-            <a:endParaRPr lang="en-US" dirty="0"/>
-          </a:p>
-        </p:txBody>
-      </p:sp>
-      <p:sp>
-        <p:nvSpPr>
-          <p:cNvPr id="4" name="TextBox 3"/>
-          <p:cNvSpPr txBox="1"/>
-          <p:nvPr/>
-        </p:nvSpPr>
-        <p:spPr>
-          <a:xfrm>
-            <a:off x="95534" y="1727554"/>
-            <a:ext cx="8700109" cy="5355312"/>
-          </a:xfrm>
-          <a:prstGeom prst="rect">
-            <a:avLst/>
-          </a:prstGeom>
-          <a:noFill/>
-        </p:spPr>
-        <p:txBody>
-          <a:bodyPr wrap="square" rtlCol="0">
-            <a:spAutoFit/>
-          </a:bodyPr>
-          <a:lstStyle/>
-          <a:p>
-            <a:r>
-              <a:rPr lang="en-US" dirty="0" err="1">
-                <a:latin typeface="Monaco"/>
-                <a:cs typeface="Monaco"/>
-              </a:rPr>
-              <a:t>def</a:t>
-            </a:r>
-            <a:r>
-              <a:rPr lang="en-US" dirty="0">
-                <a:latin typeface="Monaco"/>
-                <a:cs typeface="Monaco"/>
-              </a:rPr>
-              <a:t> </a:t>
-            </a:r>
-            <a:r>
-              <a:rPr lang="en-US" dirty="0" err="1">
-                <a:latin typeface="Monaco"/>
-                <a:cs typeface="Monaco"/>
-              </a:rPr>
-              <a:t>square_cube</a:t>
-            </a:r>
-            <a:r>
-              <a:rPr lang="en-US" dirty="0">
-                <a:latin typeface="Monaco"/>
-                <a:cs typeface="Monaco"/>
-              </a:rPr>
-              <a:t>(x):</a:t>
-            </a:r>
-          </a:p>
-          <a:p>
-            <a:r>
-              <a:rPr lang="en-US" dirty="0">
-                <a:latin typeface="Monaco"/>
-                <a:cs typeface="Monaco"/>
-              </a:rPr>
-              <a:t>	square = x**2</a:t>
-            </a:r>
-          </a:p>
-          <a:p>
-            <a:r>
-              <a:rPr lang="en-US" dirty="0">
-                <a:latin typeface="Monaco"/>
-                <a:cs typeface="Monaco"/>
-              </a:rPr>
-              <a:t>	cube   = x**3</a:t>
-            </a:r>
-          </a:p>
-          <a:p>
-            <a:pPr lvl="1"/>
-            <a:r>
-              <a:rPr lang="en-US" dirty="0">
-                <a:latin typeface="Monaco"/>
-                <a:cs typeface="Monaco"/>
-              </a:rPr>
-              <a:t>print(x, "squared is", square, </a:t>
-            </a:r>
-            <a:r>
-              <a:rPr lang="en-US" dirty="0" smtClean="0">
-                <a:latin typeface="Monaco"/>
-                <a:cs typeface="Monaco"/>
-              </a:rPr>
-              <a:t>"and</a:t>
-            </a:r>
-            <a:r>
-              <a:rPr lang="en-US" dirty="0">
-                <a:latin typeface="Monaco"/>
-                <a:cs typeface="Monaco"/>
-              </a:rPr>
-              <a:t>", x, "cubed is", cube)</a:t>
-            </a:r>
-          </a:p>
-          <a:p>
-            <a:pPr lvl="1"/>
-            <a:endParaRPr lang="en-US" dirty="0">
-              <a:latin typeface="Monaco"/>
-              <a:cs typeface="Monaco"/>
-            </a:endParaRPr>
-          </a:p>
-          <a:p>
-            <a:pPr lvl="1"/>
-            <a:endParaRPr lang="en-US" dirty="0">
-              <a:latin typeface="Monaco"/>
-              <a:cs typeface="Monaco"/>
-            </a:endParaRPr>
-          </a:p>
-          <a:p>
-            <a:pPr lvl="1"/>
-            <a:endParaRPr lang="en-US" dirty="0" smtClean="0">
-              <a:latin typeface="Monaco"/>
-              <a:cs typeface="Monaco"/>
-            </a:endParaRPr>
-          </a:p>
-          <a:p>
-            <a:r>
-              <a:rPr lang="en-US" dirty="0">
-                <a:solidFill>
-                  <a:schemeClr val="accent3">
-                    <a:lumMod val="60000"/>
-                    <a:lumOff val="40000"/>
-                  </a:schemeClr>
-                </a:solidFill>
-                <a:latin typeface="Monaco"/>
-                <a:cs typeface="Monaco"/>
-              </a:rPr>
-              <a:t># Simply call the function</a:t>
-            </a:r>
-          </a:p>
-          <a:p>
-            <a:r>
-              <a:rPr lang="en-US" dirty="0">
-                <a:latin typeface="Monaco"/>
-                <a:cs typeface="Monaco"/>
-              </a:rPr>
-              <a:t>square_cube(3)</a:t>
-            </a:r>
-          </a:p>
-          <a:p>
-            <a:r>
-              <a:rPr lang="en-US" dirty="0">
-                <a:solidFill>
-                  <a:schemeClr val="bg1">
-                    <a:lumMod val="65000"/>
-                  </a:schemeClr>
-                </a:solidFill>
-                <a:latin typeface="Monaco"/>
-                <a:cs typeface="Monaco"/>
-              </a:rPr>
-              <a:t>	3 squared is </a:t>
-            </a:r>
-            <a:r>
-              <a:rPr lang="en-US" dirty="0" smtClean="0">
-                <a:solidFill>
-                  <a:schemeClr val="bg1">
-                    <a:lumMod val="65000"/>
-                  </a:schemeClr>
-                </a:solidFill>
-                <a:latin typeface="Monaco"/>
-                <a:cs typeface="Monaco"/>
-              </a:rPr>
-              <a:t>9 </a:t>
-            </a:r>
-            <a:r>
-              <a:rPr lang="en-US" dirty="0">
-                <a:solidFill>
-                  <a:schemeClr val="bg1">
-                    <a:lumMod val="65000"/>
-                  </a:schemeClr>
-                </a:solidFill>
-                <a:latin typeface="Monaco"/>
-                <a:cs typeface="Monaco"/>
-              </a:rPr>
-              <a:t>and 3 cubed is </a:t>
-            </a:r>
-            <a:r>
-              <a:rPr lang="en-US" dirty="0" smtClean="0">
-                <a:solidFill>
-                  <a:schemeClr val="bg1">
-                    <a:lumMod val="65000"/>
-                  </a:schemeClr>
-                </a:solidFill>
-                <a:latin typeface="Monaco"/>
-                <a:cs typeface="Monaco"/>
-              </a:rPr>
-              <a:t>27</a:t>
-            </a:r>
-          </a:p>
-          <a:p>
-            <a:endParaRPr lang="en-US" dirty="0">
-              <a:solidFill>
-                <a:schemeClr val="bg1">
-                  <a:lumMod val="65000"/>
-                </a:schemeClr>
-              </a:solidFill>
-              <a:latin typeface="Monaco"/>
-              <a:cs typeface="Monaco"/>
-            </a:endParaRPr>
-          </a:p>
-          <a:p>
-            <a:pPr lvl="1"/>
-            <a:r>
-              <a:rPr lang="en-US" dirty="0">
-                <a:latin typeface="Monaco"/>
-                <a:cs typeface="Monaco"/>
-              </a:rPr>
-              <a:t/>
-            </a:r>
-            <a:br>
-              <a:rPr lang="en-US" dirty="0">
-                <a:latin typeface="Monaco"/>
-                <a:cs typeface="Monaco"/>
-              </a:rPr>
-            </a:br>
-            <a:endParaRPr lang="en-US" dirty="0">
-              <a:latin typeface="Monaco"/>
-              <a:cs typeface="Monaco"/>
-            </a:endParaRPr>
-          </a:p>
-          <a:p>
-            <a:r>
-              <a:rPr lang="en-US" dirty="0">
-                <a:solidFill>
-                  <a:schemeClr val="accent3">
-                    <a:lumMod val="60000"/>
-                    <a:lumOff val="40000"/>
-                  </a:schemeClr>
-                </a:solidFill>
-                <a:latin typeface="Monaco"/>
-                <a:cs typeface="Monaco"/>
-              </a:rPr>
-              <a:t># What if you try to save a returned </a:t>
-            </a:r>
-            <a:r>
-              <a:rPr lang="en-US" dirty="0" smtClean="0">
-                <a:solidFill>
-                  <a:schemeClr val="accent3">
-                    <a:lumMod val="60000"/>
-                    <a:lumOff val="40000"/>
-                  </a:schemeClr>
-                </a:solidFill>
-                <a:latin typeface="Monaco"/>
-                <a:cs typeface="Monaco"/>
-              </a:rPr>
-              <a:t>value when none exists?</a:t>
-            </a:r>
-            <a:endParaRPr lang="en-US" dirty="0">
-              <a:solidFill>
-                <a:schemeClr val="accent3">
-                  <a:lumMod val="60000"/>
-                  <a:lumOff val="40000"/>
-                </a:schemeClr>
-              </a:solidFill>
-              <a:latin typeface="Monaco"/>
-              <a:cs typeface="Monaco"/>
-            </a:endParaRPr>
-          </a:p>
-          <a:p>
-            <a:r>
-              <a:rPr lang="en-US" dirty="0">
-                <a:latin typeface="Monaco"/>
-                <a:cs typeface="Monaco"/>
-              </a:rPr>
-              <a:t>a = </a:t>
-            </a:r>
-            <a:r>
-              <a:rPr lang="en-US" dirty="0" err="1">
-                <a:latin typeface="Monaco"/>
-                <a:cs typeface="Monaco"/>
-              </a:rPr>
-              <a:t>square_cube</a:t>
-            </a:r>
-            <a:r>
-              <a:rPr lang="en-US" dirty="0">
-                <a:latin typeface="Monaco"/>
-                <a:cs typeface="Monaco"/>
-              </a:rPr>
-              <a:t>(3)</a:t>
-            </a:r>
-          </a:p>
-          <a:p>
-            <a:r>
-              <a:rPr lang="en-US" dirty="0" smtClean="0">
-                <a:latin typeface="Monaco"/>
-                <a:cs typeface="Monaco"/>
-              </a:rPr>
-              <a:t>print(a)</a:t>
-            </a:r>
-            <a:endParaRPr lang="en-US" dirty="0">
-              <a:latin typeface="Monaco"/>
-              <a:cs typeface="Monaco"/>
-            </a:endParaRPr>
-          </a:p>
-          <a:p>
-            <a:r>
-              <a:rPr lang="en-US" dirty="0">
-                <a:latin typeface="Monaco"/>
-                <a:cs typeface="Monaco"/>
-              </a:rPr>
-              <a:t>	</a:t>
-            </a:r>
-            <a:r>
-              <a:rPr lang="en-US" dirty="0">
-                <a:solidFill>
-                  <a:srgbClr val="A6A6A6"/>
-                </a:solidFill>
-                <a:latin typeface="Monaco"/>
-                <a:cs typeface="Monaco"/>
-              </a:rPr>
-              <a:t>None</a:t>
-            </a:r>
-          </a:p>
-          <a:p>
-            <a:endParaRPr lang="en-US" dirty="0">
-              <a:solidFill>
-                <a:schemeClr val="bg1">
-                  <a:lumMod val="65000"/>
-                </a:schemeClr>
-              </a:solidFill>
-              <a:latin typeface="Monaco"/>
-              <a:cs typeface="Monaco"/>
-            </a:endParaRPr>
-          </a:p>
-          <a:p>
-            <a:pPr lvl="1"/>
-            <a:endParaRPr lang="en-US" dirty="0" smtClean="0">
-              <a:latin typeface="Monaco"/>
-              <a:cs typeface="Monaco"/>
-            </a:endParaRPr>
-          </a:p>
-        </p:txBody>
-      </p:sp>
-    </p:spTree>
-    <p:extLst>
-      <p:ext uri="{BB962C8B-B14F-4D97-AF65-F5344CB8AC3E}">
-        <p14:creationId xmlns:p14="http://schemas.microsoft.com/office/powerpoint/2010/main" val="1441095839"/>
-      </p:ext>
-    </p:extLst>
-  </p:cSld>
-  <p:clrMapOvr>
-    <a:masterClrMapping/>
-  </p:clrMapOvr>
-  <p:timing>
-    <p:tnLst>
-      <p:par>
-        <p:cTn id="1" dur="indefinite" restart="never" nodeType="tmRoot">
-          <p:childTnLst>
-            <p:seq concurrent="1" nextAc="seek">
-              <p:cTn id="2" dur="indefinite" nodeType="mainSeq">
-                <p:childTnLst>
-                  <p:par>
-                    <p:cTn id="3" fill="hold">
-                      <p:stCondLst>
-                        <p:cond delay="indefinite"/>
-                      </p:stCondLst>
-                      <p:childTnLst>
-                        <p:par>
-                          <p:cTn id="4" fill="hold">
-                            <p:stCondLst>
-                              <p:cond delay="0"/>
-                            </p:stCondLst>
-                            <p:childTnLst>
-                              <p:par>
-                                <p:cTn id="5" presetID="1" presetClass="entr" presetSubtype="0" fill="hold" nodeType="clickEffect">
-                                  <p:stCondLst>
-                                    <p:cond delay="0"/>
-                                  </p:stCondLst>
-                                  <p:childTnLst>
-                                    <p:set>
-                                      <p:cBhvr>
-                                        <p:cTn id="6" dur="1" fill="hold">
-                                          <p:stCondLst>
-                                            <p:cond delay="0"/>
-                                          </p:stCondLst>
-                                        </p:cTn>
-                                        <p:tgtEl>
-                                          <p:spTgt spid="4">
-                                            <p:txEl>
-                                              <p:pRg st="7" end="7"/>
-                                            </p:txEl>
-                                          </p:spTgt>
-                                        </p:tgtEl>
-                                        <p:attrNameLst>
-                                          <p:attrName>style.visibility</p:attrName>
-                                        </p:attrNameLst>
-                                      </p:cBhvr>
-                                      <p:to>
-                                        <p:strVal val="visible"/>
-                                      </p:to>
-                                    </p:set>
-                                  </p:childTnLst>
-                                </p:cTn>
-                              </p:par>
-                              <p:par>
-                                <p:cTn id="7" presetID="1" presetClass="entr" presetSubtype="0" fill="hold" nodeType="withEffect">
-                                  <p:stCondLst>
-                                    <p:cond delay="0"/>
-                                  </p:stCondLst>
-                                  <p:childTnLst>
-                                    <p:set>
-                                      <p:cBhvr>
-                                        <p:cTn id="8" dur="1" fill="hold">
-                                          <p:stCondLst>
-                                            <p:cond delay="0"/>
-                                          </p:stCondLst>
-                                        </p:cTn>
-                                        <p:tgtEl>
-                                          <p:spTgt spid="4">
-                                            <p:txEl>
-                                              <p:pRg st="8" end="8"/>
-                                            </p:txEl>
-                                          </p:spTgt>
-                                        </p:tgtEl>
-                                        <p:attrNameLst>
-                                          <p:attrName>style.visibility</p:attrName>
-                                        </p:attrNameLst>
-                                      </p:cBhvr>
-                                      <p:to>
-                                        <p:strVal val="visible"/>
-                                      </p:to>
-                                    </p:set>
-                                  </p:childTnLst>
-                                </p:cTn>
-                              </p:par>
-                              <p:par>
-                                <p:cTn id="9" presetID="1" presetClass="entr" presetSubtype="0" fill="hold" nodeType="withEffect">
-                                  <p:stCondLst>
-                                    <p:cond delay="0"/>
-                                  </p:stCondLst>
-                                  <p:childTnLst>
-                                    <p:set>
-                                      <p:cBhvr>
-                                        <p:cTn id="10" dur="1" fill="hold">
-                                          <p:stCondLst>
-                                            <p:cond delay="0"/>
-                                          </p:stCondLst>
-                                        </p:cTn>
-                                        <p:tgtEl>
-                                          <p:spTgt spid="4">
-                                            <p:txEl>
-                                              <p:pRg st="9" end="9"/>
-                                            </p:txEl>
-                                          </p:spTgt>
-                                        </p:tgtEl>
-                                        <p:attrNameLst>
-                                          <p:attrName>style.visibility</p:attrName>
-                                        </p:attrNameLst>
-                                      </p:cBhvr>
-                                      <p:to>
-                                        <p:strVal val="visible"/>
-                                      </p:to>
-                                    </p:set>
-                                  </p:childTnLst>
-                                </p:cTn>
-                              </p:par>
-                            </p:childTnLst>
-                          </p:cTn>
-                        </p:par>
-                      </p:childTnLst>
-                    </p:cTn>
-                  </p:par>
-                  <p:par>
-                    <p:cTn id="11" fill="hold">
-                      <p:stCondLst>
-                        <p:cond delay="indefinite"/>
-                      </p:stCondLst>
-                      <p:childTnLst>
-                        <p:par>
-                          <p:cTn id="12" fill="hold">
-                            <p:stCondLst>
-                              <p:cond delay="0"/>
-                            </p:stCondLst>
-                            <p:childTnLst>
-                              <p:par>
-                                <p:cTn id="13" presetID="1" presetClass="entr" presetSubtype="0" fill="hold" nodeType="clickEffect">
-                                  <p:stCondLst>
-                                    <p:cond delay="0"/>
-                                  </p:stCondLst>
-                                  <p:childTnLst>
-                                    <p:set>
-                                      <p:cBhvr>
-                                        <p:cTn id="14" dur="1" fill="hold">
-                                          <p:stCondLst>
-                                            <p:cond delay="0"/>
-                                          </p:stCondLst>
-                                        </p:cTn>
-                                        <p:tgtEl>
-                                          <p:spTgt spid="4">
-                                            <p:txEl>
-                                              <p:pRg st="11" end="11"/>
-                                            </p:txEl>
-                                          </p:spTgt>
-                                        </p:tgtEl>
-                                        <p:attrNameLst>
-                                          <p:attrName>style.visibility</p:attrName>
-                                        </p:attrNameLst>
-                                      </p:cBhvr>
-                                      <p:to>
-                                        <p:strVal val="visible"/>
-                                      </p:to>
-                                    </p:set>
-                                  </p:childTnLst>
-                                </p:cTn>
-                              </p:par>
-                              <p:par>
-                                <p:cTn id="15" presetID="1" presetClass="entr" presetSubtype="0" fill="hold" nodeType="withEffect">
-                                  <p:stCondLst>
-                                    <p:cond delay="0"/>
-                                  </p:stCondLst>
-                                  <p:childTnLst>
-                                    <p:set>
-                                      <p:cBhvr>
-                                        <p:cTn id="16" dur="1" fill="hold">
-                                          <p:stCondLst>
-                                            <p:cond delay="0"/>
-                                          </p:stCondLst>
-                                        </p:cTn>
-                                        <p:tgtEl>
-                                          <p:spTgt spid="4">
-                                            <p:txEl>
-                                              <p:pRg st="12" end="12"/>
-                                            </p:txEl>
-                                          </p:spTgt>
-                                        </p:tgtEl>
-                                        <p:attrNameLst>
-                                          <p:attrName>style.visibility</p:attrName>
-                                        </p:attrNameLst>
-                                      </p:cBhvr>
-                                      <p:to>
-                                        <p:strVal val="visible"/>
-                                      </p:to>
-                                    </p:set>
-                                  </p:childTnLst>
-                                </p:cTn>
-                              </p:par>
-                              <p:par>
-                                <p:cTn id="17" presetID="1" presetClass="entr" presetSubtype="0" fill="hold" nodeType="withEffect">
-                                  <p:stCondLst>
-                                    <p:cond delay="0"/>
-                                  </p:stCondLst>
-                                  <p:childTnLst>
-                                    <p:set>
-                                      <p:cBhvr>
-                                        <p:cTn id="18" dur="1" fill="hold">
-                                          <p:stCondLst>
-                                            <p:cond delay="0"/>
-                                          </p:stCondLst>
-                                        </p:cTn>
-                                        <p:tgtEl>
-                                          <p:spTgt spid="4">
-                                            <p:txEl>
-                                              <p:pRg st="13" end="13"/>
-                                            </p:txEl>
-                                          </p:spTgt>
-                                        </p:tgtEl>
-                                        <p:attrNameLst>
-                                          <p:attrName>style.visibility</p:attrName>
-                                        </p:attrNameLst>
-                                      </p:cBhvr>
-                                      <p:to>
-                                        <p:strVal val="visible"/>
-                                      </p:to>
-                                    </p:set>
-                                  </p:childTnLst>
-                                </p:cTn>
-                              </p:par>
-                              <p:par>
-                                <p:cTn id="19" presetID="1" presetClass="entr" presetSubtype="0" fill="hold" nodeType="withEffect">
-                                  <p:stCondLst>
-                                    <p:cond delay="0"/>
-                                  </p:stCondLst>
-                                  <p:childTnLst>
-                                    <p:set>
-                                      <p:cBhvr>
-                                        <p:cTn id="20" dur="1" fill="hold">
-                                          <p:stCondLst>
-                                            <p:cond delay="0"/>
-                                          </p:stCondLst>
-                                        </p:cTn>
-                                        <p:tgtEl>
-                                          <p:spTgt spid="4">
-                                            <p:txEl>
-                                              <p:pRg st="14" end="14"/>
-                                            </p:txEl>
-                                          </p:spTgt>
-                                        </p:tgtEl>
-                                        <p:attrNameLst>
-                                          <p:attrName>style.visibility</p:attrName>
-                                        </p:attrNameLst>
-                                      </p:cBhvr>
-                                      <p:to>
-                                        <p:strVal val="visible"/>
-                                      </p:to>
-                                    </p:set>
-                                  </p:childTnLst>
-                                </p:cTn>
-                              </p:par>
-                              <p:par>
-                                <p:cTn id="21" presetID="1" presetClass="entr" presetSubtype="0" fill="hold" nodeType="withEffect">
-                                  <p:stCondLst>
-                                    <p:cond delay="0"/>
-                                  </p:stCondLst>
-                                  <p:childTnLst>
-                                    <p:set>
-                                      <p:cBhvr>
-                                        <p:cTn id="22" dur="1" fill="hold">
-                                          <p:stCondLst>
-                                            <p:cond delay="0"/>
-                                          </p:stCondLst>
-                                        </p:cTn>
-                                        <p:tgtEl>
-                                          <p:spTgt spid="4">
-                                            <p:txEl>
-                                              <p:pRg st="15" end="15"/>
-                                            </p:txEl>
-                                          </p:spTgt>
-                                        </p:tgtEl>
-                                        <p:attrNameLst>
-                                          <p:attrName>style.visibility</p:attrName>
-                                        </p:attrNameLst>
-                                      </p:cBhvr>
-                                      <p:to>
-                                        <p:strVal val="visible"/>
-                                      </p:to>
-                                    </p:set>
-                                  </p:childTnLst>
-                                </p:cTn>
-                              </p:par>
-                            </p:childTnLst>
-                          </p:cTn>
-                        </p:par>
-                      </p:childTnLst>
-                    </p:cTn>
-                  </p:par>
-                </p:childTnLst>
-              </p:cTn>
-              <p:prevCondLst>
-                <p:cond evt="onPrev" delay="0">
-                  <p:tgtEl>
-                    <p:sldTgt/>
-                  </p:tgtEl>
-                </p:cond>
-              </p:prevCondLst>
-              <p:nextCondLst>
-                <p:cond evt="onNext" delay="0">
-                  <p:tgtEl>
-                    <p:sldTgt/>
-                  </p:tgtEl>
-                </p:cond>
-              </p:nextCondLst>
-            </p:seq>
-          </p:childTnLst>
-        </p:cTn>
-      </p:par>
-    </p:tnLst>
-  </p:timing>
-</p:sld>
-</file>
-
-<file path=ppt/slides/slide46.xml><?xml version="1.0" encoding="utf-8"?>
-<p:sld xmlns:a="http://schemas.openxmlformats.org/drawingml/2006/main" xmlns:r="http://schemas.openxmlformats.org/officeDocument/2006/relationships" xmlns:p="http://schemas.openxmlformats.org/presentationml/2006/main">
-  <p:cSld>
-    <p:spTree>
-      <p:nvGrpSpPr>
-        <p:cNvPr id="1" name=""/>
-        <p:cNvGrpSpPr/>
-        <p:nvPr/>
-      </p:nvGrpSpPr>
-      <p:grpSpPr>
-        <a:xfrm>
-          <a:off x="0" y="0"/>
-          <a:ext cx="0" cy="0"/>
-          <a:chOff x="0" y="0"/>
-          <a:chExt cx="0" cy="0"/>
-        </a:xfrm>
-      </p:grpSpPr>
-      <p:sp>
-        <p:nvSpPr>
-          <p:cNvPr id="2" name="Title 1"/>
-          <p:cNvSpPr>
-            <a:spLocks noGrp="1"/>
-          </p:cNvSpPr>
-          <p:nvPr>
-            <p:ph type="title"/>
-          </p:nvPr>
-        </p:nvSpPr>
-        <p:spPr/>
-        <p:txBody>
-          <a:bodyPr/>
-          <a:lstStyle/>
-          <a:p>
-            <a:r>
-              <a:rPr lang="en-US" dirty="0" smtClean="0"/>
-              <a:t>returning multiple values</a:t>
-            </a:r>
-            <a:endParaRPr lang="en-US" dirty="0"/>
-          </a:p>
-        </p:txBody>
-      </p:sp>
-      <p:sp>
-        <p:nvSpPr>
-          <p:cNvPr id="4" name="TextBox 3"/>
-          <p:cNvSpPr txBox="1"/>
-          <p:nvPr/>
-        </p:nvSpPr>
-        <p:spPr>
-          <a:xfrm>
-            <a:off x="457200" y="1727554"/>
-            <a:ext cx="8338444" cy="2862323"/>
-          </a:xfrm>
-          <a:prstGeom prst="rect">
-            <a:avLst/>
-          </a:prstGeom>
-          <a:noFill/>
-        </p:spPr>
-        <p:txBody>
-          <a:bodyPr wrap="square" rtlCol="0">
-            <a:spAutoFit/>
-          </a:bodyPr>
-          <a:lstStyle/>
-          <a:p>
-            <a:r>
-              <a:rPr lang="en-US" dirty="0" smtClean="0">
-                <a:latin typeface="Monaco"/>
-                <a:cs typeface="Monaco"/>
-              </a:rPr>
-              <a:t>def square_cube(x):</a:t>
-            </a:r>
-          </a:p>
-          <a:p>
-            <a:r>
-              <a:rPr lang="en-US" dirty="0">
-                <a:latin typeface="Monaco"/>
-                <a:cs typeface="Monaco"/>
-              </a:rPr>
-              <a:t>	</a:t>
-            </a:r>
-            <a:r>
-              <a:rPr lang="en-US" dirty="0" smtClean="0">
-                <a:latin typeface="Monaco"/>
-                <a:cs typeface="Monaco"/>
-              </a:rPr>
-              <a:t>square = x**2</a:t>
-            </a:r>
-          </a:p>
-          <a:p>
-            <a:r>
-              <a:rPr lang="en-US" dirty="0" smtClean="0">
-                <a:latin typeface="Monaco"/>
-                <a:cs typeface="Monaco"/>
-              </a:rPr>
-              <a:t>	cube   = x**3</a:t>
-            </a:r>
-          </a:p>
-          <a:p>
-            <a:r>
-              <a:rPr lang="en-US" dirty="0">
-                <a:latin typeface="Monaco"/>
-                <a:cs typeface="Monaco"/>
-              </a:rPr>
-              <a:t>	</a:t>
-            </a:r>
-            <a:r>
-              <a:rPr lang="en-US" dirty="0" smtClean="0">
-                <a:latin typeface="Monaco"/>
-                <a:cs typeface="Monaco"/>
-              </a:rPr>
-              <a:t>return square</a:t>
-            </a:r>
-            <a:r>
-              <a:rPr lang="en-US" dirty="0">
-                <a:latin typeface="Monaco"/>
-                <a:cs typeface="Monaco"/>
-              </a:rPr>
-              <a:t>, cube </a:t>
-            </a:r>
-            <a:r>
-              <a:rPr lang="en-US" dirty="0" smtClean="0">
-                <a:latin typeface="Monaco"/>
-                <a:cs typeface="Monaco"/>
-              </a:rPr>
-              <a:t>   # </a:t>
-            </a:r>
-            <a:r>
-              <a:rPr lang="en-US" dirty="0">
-                <a:latin typeface="Monaco"/>
-                <a:cs typeface="Monaco"/>
-              </a:rPr>
-              <a:t>separate values with a </a:t>
-            </a:r>
-            <a:r>
-              <a:rPr lang="en-US" dirty="0" smtClean="0">
-                <a:latin typeface="Monaco"/>
-                <a:cs typeface="Monaco"/>
-              </a:rPr>
-              <a:t>comma</a:t>
-            </a:r>
-          </a:p>
-          <a:p>
-            <a:endParaRPr lang="en-US" dirty="0">
-              <a:latin typeface="Monaco"/>
-              <a:cs typeface="Monaco"/>
-            </a:endParaRPr>
-          </a:p>
-          <a:p>
-            <a:r>
-              <a:rPr lang="en-US" dirty="0" smtClean="0">
-                <a:latin typeface="Monaco"/>
-                <a:cs typeface="Monaco"/>
-              </a:rPr>
-              <a:t>s, c = square_cube(5)</a:t>
-            </a:r>
-          </a:p>
-          <a:p>
-            <a:r>
-              <a:rPr lang="en-US" dirty="0" smtClean="0">
-                <a:latin typeface="Monaco"/>
-                <a:cs typeface="Monaco"/>
-              </a:rPr>
-              <a:t>print s</a:t>
-            </a:r>
-          </a:p>
-          <a:p>
-            <a:r>
-              <a:rPr lang="en-US" dirty="0" smtClean="0">
-                <a:latin typeface="Monaco"/>
-                <a:cs typeface="Monaco"/>
-              </a:rPr>
-              <a:t>	</a:t>
-            </a:r>
-            <a:r>
-              <a:rPr lang="en-US" dirty="0" smtClean="0">
-                <a:solidFill>
-                  <a:srgbClr val="A6A6A6"/>
-                </a:solidFill>
-                <a:latin typeface="Monaco"/>
-                <a:cs typeface="Monaco"/>
-              </a:rPr>
-              <a:t>25</a:t>
-            </a:r>
-            <a:endParaRPr lang="en-US" dirty="0">
-              <a:solidFill>
-                <a:srgbClr val="A6A6A6"/>
-              </a:solidFill>
-              <a:latin typeface="Monaco"/>
-              <a:cs typeface="Monaco"/>
-            </a:endParaRPr>
-          </a:p>
-          <a:p>
-            <a:r>
-              <a:rPr lang="en-US" dirty="0" smtClean="0">
-                <a:latin typeface="Monaco"/>
-                <a:cs typeface="Monaco"/>
-              </a:rPr>
-              <a:t>print c</a:t>
-            </a:r>
-          </a:p>
-          <a:p>
-            <a:r>
-              <a:rPr lang="en-US" dirty="0">
-                <a:latin typeface="Monaco"/>
-                <a:cs typeface="Monaco"/>
-              </a:rPr>
-              <a:t>	</a:t>
-            </a:r>
-            <a:r>
-              <a:rPr lang="en-US" dirty="0" smtClean="0">
-                <a:solidFill>
-                  <a:srgbClr val="A6A6A6"/>
-                </a:solidFill>
-                <a:latin typeface="Monaco"/>
-                <a:cs typeface="Monaco"/>
-              </a:rPr>
-              <a:t>125</a:t>
-            </a:r>
-          </a:p>
-        </p:txBody>
-      </p:sp>
-    </p:spTree>
-    <p:extLst>
-      <p:ext uri="{BB962C8B-B14F-4D97-AF65-F5344CB8AC3E}">
-        <p14:creationId xmlns:p14="http://schemas.microsoft.com/office/powerpoint/2010/main" val="1442430050"/>
-      </p:ext>
-    </p:extLst>
-  </p:cSld>
-  <p:clrMapOvr>
-    <a:masterClrMapping/>
-  </p:clrMapOvr>
-  <p:timing>
-    <p:tnLst>
-      <p:par>
-        <p:cTn id="1" dur="indefinite" restart="never" nodeType="tmRoot"/>
-      </p:par>
-    </p:tnLst>
-  </p:timing>
-</p:sld>
-</file>
-
-<file path=ppt/slides/slide47.xml><?xml version="1.0" encoding="utf-8"?>
-<p:sld xmlns:a="http://schemas.openxmlformats.org/drawingml/2006/main" xmlns:r="http://schemas.openxmlformats.org/officeDocument/2006/relationships" xmlns:p="http://schemas.openxmlformats.org/presentationml/2006/main">
-  <p:cSld>
-    <p:spTree>
-      <p:nvGrpSpPr>
-        <p:cNvPr id="1" name=""/>
-        <p:cNvGrpSpPr/>
-        <p:nvPr/>
-      </p:nvGrpSpPr>
-      <p:grpSpPr>
-        <a:xfrm>
-          <a:off x="0" y="0"/>
-          <a:ext cx="0" cy="0"/>
-          <a:chOff x="0" y="0"/>
-          <a:chExt cx="0" cy="0"/>
-        </a:xfrm>
-      </p:grpSpPr>
-      <p:sp>
-        <p:nvSpPr>
-          <p:cNvPr id="2" name="Title 1"/>
-          <p:cNvSpPr>
-            <a:spLocks noGrp="1"/>
-          </p:cNvSpPr>
-          <p:nvPr>
-            <p:ph type="title"/>
-          </p:nvPr>
-        </p:nvSpPr>
-        <p:spPr/>
-        <p:txBody>
-          <a:bodyPr/>
-          <a:lstStyle/>
-          <a:p>
-            <a:r>
-              <a:rPr lang="en-US" dirty="0" smtClean="0"/>
-              <a:t>returning multiple values</a:t>
-            </a:r>
-            <a:endParaRPr lang="en-US" dirty="0"/>
-          </a:p>
-        </p:txBody>
-      </p:sp>
-      <p:sp>
-        <p:nvSpPr>
-          <p:cNvPr id="4" name="TextBox 3"/>
-          <p:cNvSpPr txBox="1"/>
-          <p:nvPr/>
-        </p:nvSpPr>
-        <p:spPr>
-          <a:xfrm>
-            <a:off x="457200" y="1727554"/>
-            <a:ext cx="8338444" cy="4524315"/>
-          </a:xfrm>
-          <a:prstGeom prst="rect">
-            <a:avLst/>
-          </a:prstGeom>
-          <a:noFill/>
-        </p:spPr>
-        <p:txBody>
-          <a:bodyPr wrap="square" rtlCol="0">
-            <a:spAutoFit/>
-          </a:bodyPr>
-          <a:lstStyle/>
-          <a:p>
-            <a:r>
-              <a:rPr lang="en-US" dirty="0" err="1">
-                <a:latin typeface="Monaco"/>
-                <a:cs typeface="Monaco"/>
-              </a:rPr>
-              <a:t>def</a:t>
-            </a:r>
-            <a:r>
-              <a:rPr lang="en-US" dirty="0">
-                <a:latin typeface="Monaco"/>
-                <a:cs typeface="Monaco"/>
-              </a:rPr>
-              <a:t> </a:t>
-            </a:r>
-            <a:r>
-              <a:rPr lang="en-US" dirty="0" err="1">
-                <a:latin typeface="Monaco"/>
-                <a:cs typeface="Monaco"/>
-              </a:rPr>
-              <a:t>square_cube</a:t>
-            </a:r>
-            <a:r>
-              <a:rPr lang="en-US" dirty="0">
-                <a:latin typeface="Monaco"/>
-                <a:cs typeface="Monaco"/>
-              </a:rPr>
-              <a:t>(x):</a:t>
-            </a:r>
-          </a:p>
-          <a:p>
-            <a:r>
-              <a:rPr lang="en-US" dirty="0">
-                <a:latin typeface="Monaco"/>
-                <a:cs typeface="Monaco"/>
-              </a:rPr>
-              <a:t>	square = x**2</a:t>
-            </a:r>
-          </a:p>
-          <a:p>
-            <a:r>
-              <a:rPr lang="en-US" dirty="0">
-                <a:latin typeface="Monaco"/>
-                <a:cs typeface="Monaco"/>
-              </a:rPr>
-              <a:t>	cube   = x**3</a:t>
-            </a:r>
-          </a:p>
-          <a:p>
-            <a:r>
-              <a:rPr lang="en-US" dirty="0">
-                <a:latin typeface="Monaco"/>
-                <a:cs typeface="Monaco"/>
-              </a:rPr>
-              <a:t>	return square, cube    </a:t>
-            </a:r>
-            <a:r>
-              <a:rPr lang="en-US" dirty="0">
-                <a:solidFill>
-                  <a:schemeClr val="accent3">
-                    <a:lumMod val="60000"/>
-                    <a:lumOff val="40000"/>
-                  </a:schemeClr>
-                </a:solidFill>
-                <a:latin typeface="Monaco"/>
-                <a:cs typeface="Monaco"/>
-              </a:rPr>
-              <a:t># separate values with a comma</a:t>
-            </a:r>
-          </a:p>
-          <a:p>
-            <a:endParaRPr lang="en-US" dirty="0">
-              <a:latin typeface="Monaco"/>
-              <a:cs typeface="Monaco"/>
-            </a:endParaRPr>
-          </a:p>
-          <a:p>
-            <a:r>
-              <a:rPr lang="en-US" dirty="0" smtClean="0">
-                <a:latin typeface="Monaco"/>
-                <a:cs typeface="Monaco"/>
-              </a:rPr>
-              <a:t>s, c = square_cube(5)</a:t>
-            </a:r>
-          </a:p>
-          <a:p>
-            <a:r>
-              <a:rPr lang="en-US" dirty="0" smtClean="0">
-                <a:latin typeface="Monaco"/>
-                <a:cs typeface="Monaco"/>
-              </a:rPr>
-              <a:t>print(s)</a:t>
-            </a:r>
-            <a:endParaRPr lang="en-US" dirty="0" smtClean="0">
-              <a:latin typeface="Monaco"/>
-              <a:cs typeface="Monaco"/>
-            </a:endParaRPr>
-          </a:p>
-          <a:p>
-            <a:r>
-              <a:rPr lang="en-US" dirty="0" smtClean="0">
-                <a:latin typeface="Monaco"/>
-                <a:cs typeface="Monaco"/>
-              </a:rPr>
-              <a:t>	</a:t>
-            </a:r>
-            <a:r>
-              <a:rPr lang="en-US" dirty="0" smtClean="0">
-                <a:solidFill>
-                  <a:srgbClr val="A6A6A6"/>
-                </a:solidFill>
-                <a:latin typeface="Monaco"/>
-                <a:cs typeface="Monaco"/>
-              </a:rPr>
-              <a:t>25</a:t>
-            </a:r>
-            <a:endParaRPr lang="en-US" dirty="0">
-              <a:solidFill>
-                <a:srgbClr val="A6A6A6"/>
-              </a:solidFill>
-              <a:latin typeface="Monaco"/>
-              <a:cs typeface="Monaco"/>
-            </a:endParaRPr>
-          </a:p>
-          <a:p>
-            <a:r>
-              <a:rPr lang="en-US" dirty="0" smtClean="0">
-                <a:latin typeface="Monaco"/>
-                <a:cs typeface="Monaco"/>
-              </a:rPr>
-              <a:t>print(c)</a:t>
-            </a:r>
-            <a:endParaRPr lang="en-US" dirty="0" smtClean="0">
-              <a:latin typeface="Monaco"/>
-              <a:cs typeface="Monaco"/>
-            </a:endParaRPr>
-          </a:p>
-          <a:p>
-            <a:r>
-              <a:rPr lang="en-US" dirty="0">
-                <a:latin typeface="Monaco"/>
-                <a:cs typeface="Monaco"/>
-              </a:rPr>
-              <a:t>	</a:t>
-            </a:r>
-            <a:r>
-              <a:rPr lang="en-US" dirty="0" smtClean="0">
-                <a:solidFill>
-                  <a:srgbClr val="A6A6A6"/>
-                </a:solidFill>
-                <a:latin typeface="Monaco"/>
-                <a:cs typeface="Monaco"/>
-              </a:rPr>
-              <a:t>125</a:t>
-            </a:r>
-          </a:p>
-          <a:p>
-            <a:endParaRPr lang="en-US" dirty="0" smtClean="0">
-              <a:solidFill>
-                <a:srgbClr val="A6A6A6"/>
-              </a:solidFill>
-              <a:latin typeface="Monaco"/>
-              <a:cs typeface="Monaco"/>
-            </a:endParaRPr>
-          </a:p>
-          <a:p>
-            <a:r>
-              <a:rPr lang="en-US" dirty="0" smtClean="0">
-                <a:latin typeface="Monaco"/>
-                <a:cs typeface="Monaco"/>
-              </a:rPr>
-              <a:t>answer </a:t>
-            </a:r>
-            <a:r>
-              <a:rPr lang="en-US" dirty="0" smtClean="0">
-                <a:latin typeface="Monaco"/>
-                <a:cs typeface="Monaco"/>
-              </a:rPr>
-              <a:t>= square_cube(5)</a:t>
-            </a:r>
-          </a:p>
-          <a:p>
-            <a:r>
-              <a:rPr lang="en-US" dirty="0" smtClean="0">
-                <a:latin typeface="Monaco"/>
-                <a:cs typeface="Monaco"/>
-              </a:rPr>
-              <a:t>print(answer[0])</a:t>
-            </a:r>
-            <a:endParaRPr lang="en-US" dirty="0" smtClean="0">
-              <a:latin typeface="Monaco"/>
-              <a:cs typeface="Monaco"/>
-            </a:endParaRPr>
-          </a:p>
-          <a:p>
-            <a:r>
-              <a:rPr lang="en-US" dirty="0">
-                <a:latin typeface="Monaco"/>
-                <a:cs typeface="Monaco"/>
-              </a:rPr>
-              <a:t>	</a:t>
-            </a:r>
-            <a:r>
-              <a:rPr lang="en-US" dirty="0" smtClean="0">
-                <a:solidFill>
-                  <a:srgbClr val="A6A6A6"/>
-                </a:solidFill>
-                <a:latin typeface="Monaco"/>
-                <a:cs typeface="Monaco"/>
-              </a:rPr>
-              <a:t>25</a:t>
-            </a:r>
-            <a:endParaRPr lang="en-US" dirty="0">
-              <a:latin typeface="Monaco"/>
-              <a:cs typeface="Monaco"/>
-            </a:endParaRPr>
-          </a:p>
-          <a:p>
-            <a:r>
-              <a:rPr lang="en-US" dirty="0" smtClean="0">
-                <a:latin typeface="Monaco"/>
-                <a:cs typeface="Monaco"/>
-              </a:rPr>
-              <a:t>print(answer[1])</a:t>
-            </a:r>
-            <a:endParaRPr lang="en-US" dirty="0" smtClean="0">
-              <a:latin typeface="Monaco"/>
-              <a:cs typeface="Monaco"/>
-            </a:endParaRPr>
-          </a:p>
-          <a:p>
-            <a:r>
-              <a:rPr lang="en-US" dirty="0">
-                <a:latin typeface="Monaco"/>
-                <a:cs typeface="Monaco"/>
-              </a:rPr>
-              <a:t>	</a:t>
-            </a:r>
-            <a:r>
-              <a:rPr lang="en-US" dirty="0" smtClean="0">
-                <a:solidFill>
-                  <a:srgbClr val="A6A6A6"/>
-                </a:solidFill>
-                <a:latin typeface="Monaco"/>
-                <a:cs typeface="Monaco"/>
-              </a:rPr>
-              <a:t>125</a:t>
-            </a:r>
-            <a:endParaRPr lang="en-US" dirty="0">
-              <a:solidFill>
-                <a:srgbClr val="A6A6A6"/>
-              </a:solidFill>
-              <a:latin typeface="Monaco"/>
-              <a:cs typeface="Monaco"/>
-            </a:endParaRPr>
-          </a:p>
-        </p:txBody>
-      </p:sp>
-    </p:spTree>
-    <p:extLst>
-      <p:ext uri="{BB962C8B-B14F-4D97-AF65-F5344CB8AC3E}">
-        <p14:creationId xmlns:p14="http://schemas.microsoft.com/office/powerpoint/2010/main" val="2126443014"/>
-      </p:ext>
-    </p:extLst>
-  </p:cSld>
-  <p:clrMapOvr>
-    <a:masterClrMapping/>
-  </p:clrMapOvr>
-  <p:timing>
-    <p:tnLst>
-      <p:par>
-        <p:cTn id="1" dur="indefinite" restart="never" nodeType="tmRoot">
-          <p:childTnLst>
-            <p:seq concurrent="1" nextAc="seek">
-              <p:cTn id="2" dur="indefinite" nodeType="mainSeq">
-                <p:childTnLst>
-                  <p:par>
-                    <p:cTn id="3" fill="hold">
-                      <p:stCondLst>
-                        <p:cond delay="indefinite"/>
-                      </p:stCondLst>
-                      <p:childTnLst>
-                        <p:par>
-                          <p:cTn id="4" fill="hold">
-                            <p:stCondLst>
-                              <p:cond delay="0"/>
-                            </p:stCondLst>
-                            <p:childTnLst>
-                              <p:par>
-                                <p:cTn id="5" presetID="1" presetClass="entr" presetSubtype="0" fill="hold" nodeType="clickEffect">
-                                  <p:stCondLst>
-                                    <p:cond delay="0"/>
-                                  </p:stCondLst>
-                                  <p:childTnLst>
-                                    <p:set>
-                                      <p:cBhvr>
-                                        <p:cTn id="6" dur="1" fill="hold">
-                                          <p:stCondLst>
-                                            <p:cond delay="0"/>
-                                          </p:stCondLst>
-                                        </p:cTn>
-                                        <p:tgtEl>
-                                          <p:spTgt spid="4">
-                                            <p:txEl>
-                                              <p:pRg st="5" end="5"/>
-                                            </p:txEl>
-                                          </p:spTgt>
-                                        </p:tgtEl>
-                                        <p:attrNameLst>
-                                          <p:attrName>style.visibility</p:attrName>
-                                        </p:attrNameLst>
-                                      </p:cBhvr>
-                                      <p:to>
-                                        <p:strVal val="visible"/>
-                                      </p:to>
-                                    </p:set>
-                                  </p:childTnLst>
-                                </p:cTn>
-                              </p:par>
-                              <p:par>
-                                <p:cTn id="7" presetID="1" presetClass="entr" presetSubtype="0" fill="hold" nodeType="withEffect">
-                                  <p:stCondLst>
-                                    <p:cond delay="0"/>
-                                  </p:stCondLst>
-                                  <p:childTnLst>
-                                    <p:set>
-                                      <p:cBhvr>
-                                        <p:cTn id="8" dur="1" fill="hold">
-                                          <p:stCondLst>
-                                            <p:cond delay="0"/>
-                                          </p:stCondLst>
-                                        </p:cTn>
-                                        <p:tgtEl>
-                                          <p:spTgt spid="4">
-                                            <p:txEl>
-                                              <p:pRg st="6" end="6"/>
-                                            </p:txEl>
-                                          </p:spTgt>
-                                        </p:tgtEl>
-                                        <p:attrNameLst>
-                                          <p:attrName>style.visibility</p:attrName>
-                                        </p:attrNameLst>
-                                      </p:cBhvr>
-                                      <p:to>
-                                        <p:strVal val="visible"/>
-                                      </p:to>
-                                    </p:set>
-                                  </p:childTnLst>
-                                </p:cTn>
-                              </p:par>
-                              <p:par>
-                                <p:cTn id="9" presetID="1" presetClass="entr" presetSubtype="0" fill="hold" nodeType="withEffect">
-                                  <p:stCondLst>
-                                    <p:cond delay="0"/>
-                                  </p:stCondLst>
-                                  <p:childTnLst>
-                                    <p:set>
-                                      <p:cBhvr>
-                                        <p:cTn id="10" dur="1" fill="hold">
-                                          <p:stCondLst>
-                                            <p:cond delay="0"/>
-                                          </p:stCondLst>
-                                        </p:cTn>
-                                        <p:tgtEl>
-                                          <p:spTgt spid="4">
-                                            <p:txEl>
-                                              <p:pRg st="7" end="7"/>
-                                            </p:txEl>
-                                          </p:spTgt>
-                                        </p:tgtEl>
-                                        <p:attrNameLst>
-                                          <p:attrName>style.visibility</p:attrName>
-                                        </p:attrNameLst>
-                                      </p:cBhvr>
-                                      <p:to>
-                                        <p:strVal val="visible"/>
-                                      </p:to>
-                                    </p:set>
-                                  </p:childTnLst>
-                                </p:cTn>
-                              </p:par>
-                              <p:par>
-                                <p:cTn id="11" presetID="1" presetClass="entr" presetSubtype="0" fill="hold" nodeType="withEffect">
-                                  <p:stCondLst>
-                                    <p:cond delay="0"/>
-                                  </p:stCondLst>
-                                  <p:childTnLst>
-                                    <p:set>
-                                      <p:cBhvr>
-                                        <p:cTn id="12" dur="1" fill="hold">
-                                          <p:stCondLst>
-                                            <p:cond delay="0"/>
-                                          </p:stCondLst>
-                                        </p:cTn>
-                                        <p:tgtEl>
-                                          <p:spTgt spid="4">
-                                            <p:txEl>
-                                              <p:pRg st="8" end="8"/>
-                                            </p:txEl>
-                                          </p:spTgt>
-                                        </p:tgtEl>
-                                        <p:attrNameLst>
-                                          <p:attrName>style.visibility</p:attrName>
-                                        </p:attrNameLst>
-                                      </p:cBhvr>
-                                      <p:to>
-                                        <p:strVal val="visible"/>
-                                      </p:to>
-                                    </p:set>
-                                  </p:childTnLst>
-                                </p:cTn>
-                              </p:par>
-                              <p:par>
-                                <p:cTn id="13" presetID="1" presetClass="entr" presetSubtype="0" fill="hold" nodeType="withEffect">
-                                  <p:stCondLst>
-                                    <p:cond delay="0"/>
-                                  </p:stCondLst>
-                                  <p:childTnLst>
-                                    <p:set>
-                                      <p:cBhvr>
-                                        <p:cTn id="14" dur="1" fill="hold">
-                                          <p:stCondLst>
-                                            <p:cond delay="0"/>
-                                          </p:stCondLst>
-                                        </p:cTn>
-                                        <p:tgtEl>
-                                          <p:spTgt spid="4">
-                                            <p:txEl>
-                                              <p:pRg st="9" end="9"/>
-                                            </p:txEl>
-                                          </p:spTgt>
-                                        </p:tgtEl>
-                                        <p:attrNameLst>
-                                          <p:attrName>style.visibility</p:attrName>
-                                        </p:attrNameLst>
-                                      </p:cBhvr>
-                                      <p:to>
-                                        <p:strVal val="visible"/>
-                                      </p:to>
-                                    </p:set>
-                                  </p:childTnLst>
-                                </p:cTn>
-                              </p:par>
-                              <p:par>
-                                <p:cTn id="15" presetID="1" presetClass="entr" presetSubtype="0" fill="hold" nodeType="withEffect">
-                                  <p:stCondLst>
-                                    <p:cond delay="0"/>
-                                  </p:stCondLst>
-                                  <p:childTnLst>
-                                    <p:set>
-                                      <p:cBhvr>
-                                        <p:cTn id="16" dur="1" fill="hold">
-                                          <p:stCondLst>
-                                            <p:cond delay="0"/>
-                                          </p:stCondLst>
-                                        </p:cTn>
-                                        <p:tgtEl>
-                                          <p:spTgt spid="4">
-                                            <p:txEl>
-                                              <p:pRg st="11" end="11"/>
-                                            </p:txEl>
-                                          </p:spTgt>
-                                        </p:tgtEl>
-                                        <p:attrNameLst>
-                                          <p:attrName>style.visibility</p:attrName>
-                                        </p:attrNameLst>
-                                      </p:cBhvr>
-                                      <p:to>
-                                        <p:strVal val="visible"/>
-                                      </p:to>
-                                    </p:set>
-                                  </p:childTnLst>
-                                </p:cTn>
-                              </p:par>
-                              <p:par>
-                                <p:cTn id="17" presetID="1" presetClass="entr" presetSubtype="0" fill="hold" nodeType="withEffect">
-                                  <p:stCondLst>
-                                    <p:cond delay="0"/>
-                                  </p:stCondLst>
-                                  <p:childTnLst>
-                                    <p:set>
-                                      <p:cBhvr>
-                                        <p:cTn id="18" dur="1" fill="hold">
-                                          <p:stCondLst>
-                                            <p:cond delay="0"/>
-                                          </p:stCondLst>
-                                        </p:cTn>
-                                        <p:tgtEl>
-                                          <p:spTgt spid="4">
-                                            <p:txEl>
-                                              <p:pRg st="12" end="12"/>
-                                            </p:txEl>
-                                          </p:spTgt>
-                                        </p:tgtEl>
-                                        <p:attrNameLst>
-                                          <p:attrName>style.visibility</p:attrName>
-                                        </p:attrNameLst>
-                                      </p:cBhvr>
-                                      <p:to>
-                                        <p:strVal val="visible"/>
-                                      </p:to>
-                                    </p:set>
-                                  </p:childTnLst>
-                                </p:cTn>
-                              </p:par>
-                              <p:par>
-                                <p:cTn id="19" presetID="1" presetClass="entr" presetSubtype="0" fill="hold" nodeType="withEffect">
-                                  <p:stCondLst>
-                                    <p:cond delay="0"/>
-                                  </p:stCondLst>
-                                  <p:childTnLst>
-                                    <p:set>
-                                      <p:cBhvr>
-                                        <p:cTn id="20" dur="1" fill="hold">
-                                          <p:stCondLst>
-                                            <p:cond delay="0"/>
-                                          </p:stCondLst>
-                                        </p:cTn>
-                                        <p:tgtEl>
-                                          <p:spTgt spid="4">
-                                            <p:txEl>
-                                              <p:pRg st="13" end="13"/>
-                                            </p:txEl>
-                                          </p:spTgt>
-                                        </p:tgtEl>
-                                        <p:attrNameLst>
-                                          <p:attrName>style.visibility</p:attrName>
-                                        </p:attrNameLst>
-                                      </p:cBhvr>
-                                      <p:to>
-                                        <p:strVal val="visible"/>
-                                      </p:to>
-                                    </p:set>
-                                  </p:childTnLst>
-                                </p:cTn>
-                              </p:par>
-                              <p:par>
-                                <p:cTn id="21" presetID="1" presetClass="entr" presetSubtype="0" fill="hold" nodeType="withEffect">
-                                  <p:stCondLst>
-                                    <p:cond delay="0"/>
-                                  </p:stCondLst>
-                                  <p:childTnLst>
-                                    <p:set>
-                                      <p:cBhvr>
-                                        <p:cTn id="22" dur="1" fill="hold">
-                                          <p:stCondLst>
-                                            <p:cond delay="0"/>
-                                          </p:stCondLst>
-                                        </p:cTn>
-                                        <p:tgtEl>
-                                          <p:spTgt spid="4">
-                                            <p:txEl>
-                                              <p:pRg st="14" end="14"/>
-                                            </p:txEl>
-                                          </p:spTgt>
-                                        </p:tgtEl>
-                                        <p:attrNameLst>
-                                          <p:attrName>style.visibility</p:attrName>
-                                        </p:attrNameLst>
-                                      </p:cBhvr>
-                                      <p:to>
-                                        <p:strVal val="visible"/>
-                                      </p:to>
-                                    </p:set>
-                                  </p:childTnLst>
-                                </p:cTn>
-                              </p:par>
-                              <p:par>
-                                <p:cTn id="23" presetID="1" presetClass="entr" presetSubtype="0" fill="hold" nodeType="withEffect">
-                                  <p:stCondLst>
-                                    <p:cond delay="0"/>
-                                  </p:stCondLst>
-                                  <p:childTnLst>
-                                    <p:set>
-                                      <p:cBhvr>
-                                        <p:cTn id="24" dur="1" fill="hold">
-                                          <p:stCondLst>
-                                            <p:cond delay="0"/>
-                                          </p:stCondLst>
-                                        </p:cTn>
-                                        <p:tgtEl>
-                                          <p:spTgt spid="4">
-                                            <p:txEl>
-                                              <p:pRg st="15" end="15"/>
-                                            </p:txEl>
-                                          </p:spTgt>
-                                        </p:tgtEl>
-                                        <p:attrNameLst>
-                                          <p:attrName>style.visibility</p:attrName>
-                                        </p:attrNameLst>
-                                      </p:cBhvr>
-                                      <p:to>
-                                        <p:strVal val="visible"/>
-                                      </p:to>
-                                    </p:set>
-                                  </p:childTnLst>
-                                </p:cTn>
-                              </p:par>
-                            </p:childTnLst>
-                          </p:cTn>
-                        </p:par>
-                      </p:childTnLst>
-                    </p:cTn>
-                  </p:par>
-                </p:childTnLst>
-              </p:cTn>
-              <p:prevCondLst>
-                <p:cond evt="onPrev" delay="0">
-                  <p:tgtEl>
-                    <p:sldTgt/>
-                  </p:tgtEl>
-                </p:cond>
-              </p:prevCondLst>
-              <p:nextCondLst>
-                <p:cond evt="onNext" delay="0">
-                  <p:tgtEl>
-                    <p:sldTgt/>
-                  </p:tgtEl>
-                </p:cond>
-              </p:nextCondLst>
-            </p:seq>
-          </p:childTnLst>
-        </p:cTn>
-      </p:par>
-    </p:tnLst>
-  </p:timing>
-</p:sld>
-</file>
-
-<file path=ppt/slides/slide48.xml><?xml version="1.0" encoding="utf-8"?>
-<p:sld xmlns:a="http://schemas.openxmlformats.org/drawingml/2006/main" xmlns:r="http://schemas.openxmlformats.org/officeDocument/2006/relationships" xmlns:p="http://schemas.openxmlformats.org/presentationml/2006/main">
-  <p:cSld>
-    <p:spTree>
-      <p:nvGrpSpPr>
-        <p:cNvPr id="1" name=""/>
-        <p:cNvGrpSpPr/>
-        <p:nvPr/>
-      </p:nvGrpSpPr>
-      <p:grpSpPr>
-        <a:xfrm>
-          <a:off x="0" y="0"/>
-          <a:ext cx="0" cy="0"/>
-          <a:chOff x="0" y="0"/>
-          <a:chExt cx="0" cy="0"/>
-        </a:xfrm>
-      </p:grpSpPr>
-      <p:sp>
-        <p:nvSpPr>
-          <p:cNvPr id="2" name="Title 1"/>
-          <p:cNvSpPr>
-            <a:spLocks noGrp="1"/>
-          </p:cNvSpPr>
-          <p:nvPr>
-            <p:ph type="title"/>
-          </p:nvPr>
-        </p:nvSpPr>
-        <p:spPr>
-          <a:xfrm>
-            <a:off x="2230714" y="3087537"/>
-            <a:ext cx="4688183" cy="692215"/>
-          </a:xfrm>
-        </p:spPr>
-        <p:txBody>
-          <a:bodyPr/>
-          <a:lstStyle/>
-          <a:p>
-            <a:r>
-              <a:rPr lang="en-US" dirty="0" smtClean="0"/>
-              <a:t>exercise break</a:t>
-            </a:r>
-            <a:endParaRPr lang="en-US" dirty="0"/>
-          </a:p>
-        </p:txBody>
-      </p:sp>
-    </p:spTree>
-    <p:extLst>
-      <p:ext uri="{BB962C8B-B14F-4D97-AF65-F5344CB8AC3E}">
-        <p14:creationId xmlns:p14="http://schemas.microsoft.com/office/powerpoint/2010/main" val="704882924"/>
       </p:ext>
     </p:extLst>
   </p:cSld>
@@ -21641,33 +15348,8 @@
                 <a:latin typeface="Monaco"/>
                 <a:cs typeface="Monaco"/>
               </a:rPr>
-              <a:t>	</a:t>
-            </a:r>
-            <a:r>
-              <a:rPr lang="en-US" sz="2200" dirty="0" smtClean="0">
-                <a:latin typeface="Monaco"/>
-                <a:cs typeface="Monaco"/>
-              </a:rPr>
-              <a:t>print(grade </a:t>
-            </a:r>
-            <a:r>
-              <a:rPr lang="en-US" sz="2200" dirty="0" smtClean="0">
-                <a:latin typeface="Monaco"/>
-                <a:cs typeface="Monaco"/>
-              </a:rPr>
-              <a:t>* </a:t>
-            </a:r>
-            <a:r>
-              <a:rPr lang="en-US" sz="2200" dirty="0" smtClean="0">
-                <a:latin typeface="Monaco"/>
-                <a:cs typeface="Monaco"/>
-              </a:rPr>
-              <a:t>1.1)</a:t>
-            </a:r>
-            <a:endParaRPr lang="en-US" sz="2200" dirty="0" smtClean="0">
-              <a:latin typeface="Monaco"/>
-              <a:cs typeface="Monaco"/>
-            </a:endParaRPr>
+              <a:t>	print(grade * 1.1)</a:t>
+            </a:r>
           </a:p>
           <a:p>
             <a:endParaRPr lang="en-US" sz="2200" dirty="0">
@@ -21808,15 +15490,6 @@
               </a:rPr>
               <a:t>72.6</a:t>
             </a:r>
-            <a:endParaRPr lang="en-US" sz="2200" dirty="0" smtClean="0">
-              <a:solidFill>
-                <a:schemeClr val="bg1">
-                  <a:lumMod val="65000"/>
-                </a:schemeClr>
-              </a:solidFill>
-              <a:latin typeface="Monaco"/>
-              <a:cs typeface="Monaco"/>
-            </a:endParaRPr>
           </a:p>
           <a:p>
             <a:endParaRPr lang="en-US" sz="2200" dirty="0">
@@ -21971,33 +15644,7 @@
                 <a:latin typeface="Monaco"/>
                 <a:cs typeface="Monaco"/>
               </a:rPr>
-              <a:t># </a:t>
-            </a:r>
-            <a:r>
-              <a:rPr lang="en-US" sz="2200" dirty="0" smtClean="0">
-                <a:solidFill>
-                  <a:schemeClr val="accent3">
-                    <a:lumMod val="60000"/>
-                    <a:lumOff val="40000"/>
-                  </a:schemeClr>
-                </a:solidFill>
-                <a:latin typeface="Monaco"/>
-                <a:cs typeface="Monaco"/>
-              </a:rPr>
-              <a:t>Define an empty </a:t>
-            </a:r>
-            <a:r>
-              <a:rPr lang="en-US" sz="2200" dirty="0" smtClean="0">
-                <a:solidFill>
-                  <a:schemeClr val="accent3">
-                    <a:lumMod val="60000"/>
-                    <a:lumOff val="40000"/>
-                  </a:schemeClr>
-                </a:solidFill>
-                <a:latin typeface="Monaco"/>
-                <a:cs typeface="Monaco"/>
-              </a:rPr>
-              <a:t>list of new grades to populate</a:t>
+              <a:t># Define an empty list of new grades to populate</a:t>
             </a:r>
           </a:p>
           <a:p>
